--- a/Databases.pptx
+++ b/Databases.pptx
@@ -118,6 +118,22 @@
       </a:defRPr>
     </a:lvl9pPr>
   </p:defaultTextStyle>
+  <p:extLst>
+    <p:ext uri="{EFAFB233-063F-42B5-8137-9DF3F51BA10A}">
+      <p15:sldGuideLst xmlns:p15="http://schemas.microsoft.com/office/powerpoint/2012/main">
+        <p15:guide id="1" orient="horz" pos="2160">
+          <p15:clr>
+            <a:srgbClr val="A4A3A4"/>
+          </p15:clr>
+        </p15:guide>
+        <p15:guide id="2" pos="3840">
+          <p15:clr>
+            <a:srgbClr val="A4A3A4"/>
+          </p15:clr>
+        </p15:guide>
+      </p15:sldGuideLst>
+    </p:ext>
+  </p:extLst>
 </p:presentation>
 </file>
 
@@ -5370,32 +5386,14 @@
           <a:lstStyle/>
           <a:p>
             <a:r>
+              <a:rPr lang="en-GB" dirty="0">
+                <a:latin typeface="Crete Round" panose="02000503050000020004" pitchFamily="50" charset="0"/>
+              </a:rPr>
+              <a:t>Databases</a:t>
+            </a:r>
+            <a:r>
               <a:rPr lang="en-GB" dirty="0"/>
-              <a:t>Databases </a:t>
-            </a:r>
-          </a:p>
-        </p:txBody>
-      </p:sp>
-      <p:sp>
-        <p:nvSpPr>
-          <p:cNvPr id="3" name="Subtitle 2"/>
-          <p:cNvSpPr>
-            <a:spLocks noGrp="1"/>
-          </p:cNvSpPr>
-          <p:nvPr>
-            <p:ph type="subTitle" idx="1"/>
-          </p:nvPr>
-        </p:nvSpPr>
-        <p:spPr/>
-        <p:txBody>
-          <a:bodyPr>
-            <a:normAutofit/>
-          </a:bodyPr>
-          <a:lstStyle/>
-          <a:p>
-            <a:r>
-              <a:rPr lang="en-GB" dirty="0"/>
-              <a:t>Relational vs Non-Relational</a:t>
+              <a:t> </a:t>
             </a:r>
           </a:p>
         </p:txBody>
@@ -5446,20 +5444,17 @@
           <a:lstStyle/>
           <a:p>
             <a:r>
-              <a:rPr lang="en-US" dirty="0" smtClean="0">
+              <a:rPr lang="en-US" dirty="0">
                 <a:latin typeface="Crete Round" panose="02000503050000020004" pitchFamily="50" charset="0"/>
               </a:rPr>
               <a:t>Oracle: </a:t>
             </a:r>
             <a:r>
-              <a:rPr lang="en-US" sz="3200" b="0" dirty="0" smtClean="0">
+              <a:rPr lang="en-US" sz="3200" b="0" dirty="0">
                 <a:latin typeface="Crete Round" panose="02000503050000020004" pitchFamily="50" charset="0"/>
               </a:rPr>
               <a:t>Create</a:t>
             </a:r>
-            <a:endParaRPr lang="en-US" sz="3200" b="0" dirty="0">
-              <a:latin typeface="Crete Round" panose="02000503050000020004" pitchFamily="50" charset="0"/>
-            </a:endParaRPr>
           </a:p>
         </p:txBody>
       </p:sp>
@@ -5472,7 +5467,7 @@
         <p:spPr>
           <a:xfrm>
             <a:off x="1054126" y="2348880"/>
-            <a:ext cx="10155773" cy="3960440"/>
+            <a:ext cx="10155773" cy="4275440"/>
           </a:xfrm>
           <a:prstGeom prst="rect">
             <a:avLst/>
@@ -5517,13 +5512,17 @@
                 <a:solidFill>
                   <a:srgbClr val="FF0066"/>
                 </a:solidFill>
-                <a:latin typeface="Lucida Console" panose="020B0609040504020204" pitchFamily="49" charset="0"/>
+                <a:latin typeface="Droid Sans" panose="020B0606030804020204" pitchFamily="34" charset="0"/>
+                <a:ea typeface="Droid Sans" panose="020B0606030804020204" pitchFamily="34" charset="0"/>
+                <a:cs typeface="Droid Sans" panose="020B0606030804020204" pitchFamily="34" charset="0"/>
               </a:rPr>
               <a:t>CREATE TABLE </a:t>
             </a:r>
             <a:r>
               <a:rPr lang="en-GB" sz="1200" dirty="0">
-                <a:latin typeface="Lucida Console" panose="020B0609040504020204" pitchFamily="49" charset="0"/>
+                <a:latin typeface="Droid Sans" panose="020B0606030804020204" pitchFamily="34" charset="0"/>
+                <a:ea typeface="Droid Sans" panose="020B0606030804020204" pitchFamily="34" charset="0"/>
+                <a:cs typeface="Droid Sans" panose="020B0606030804020204" pitchFamily="34" charset="0"/>
               </a:rPr>
               <a:t>Customer</a:t>
             </a:r>
@@ -5531,7 +5530,9 @@
           <a:p>
             <a:r>
               <a:rPr lang="en-GB" sz="1200" dirty="0">
-                <a:latin typeface="Lucida Console" panose="020B0609040504020204" pitchFamily="49" charset="0"/>
+                <a:latin typeface="Droid Sans" panose="020B0606030804020204" pitchFamily="34" charset="0"/>
+                <a:ea typeface="Droid Sans" panose="020B0606030804020204" pitchFamily="34" charset="0"/>
+                <a:cs typeface="Droid Sans" panose="020B0606030804020204" pitchFamily="34" charset="0"/>
               </a:rPr>
               <a:t>  (</a:t>
             </a:r>
@@ -5539,413 +5540,467 @@
           <a:p>
             <a:r>
               <a:rPr lang="en-GB" sz="1200" dirty="0">
-                <a:latin typeface="Lucida Console" panose="020B0609040504020204" pitchFamily="49" charset="0"/>
+                <a:latin typeface="Droid Sans" panose="020B0606030804020204" pitchFamily="34" charset="0"/>
+                <a:ea typeface="Droid Sans" panose="020B0606030804020204" pitchFamily="34" charset="0"/>
+                <a:cs typeface="Droid Sans" panose="020B0606030804020204" pitchFamily="34" charset="0"/>
               </a:rPr>
               <a:t>    </a:t>
             </a:r>
             <a:r>
               <a:rPr lang="en-GB" sz="1200" dirty="0" err="1">
-                <a:latin typeface="Lucida Console" panose="020B0609040504020204" pitchFamily="49" charset="0"/>
+                <a:latin typeface="Droid Sans" panose="020B0606030804020204" pitchFamily="34" charset="0"/>
+                <a:ea typeface="Droid Sans" panose="020B0606030804020204" pitchFamily="34" charset="0"/>
+                <a:cs typeface="Droid Sans" panose="020B0606030804020204" pitchFamily="34" charset="0"/>
               </a:rPr>
               <a:t>customerID</a:t>
             </a:r>
             <a:r>
               <a:rPr lang="en-GB" sz="1200" dirty="0">
-                <a:latin typeface="Lucida Console" panose="020B0609040504020204" pitchFamily="49" charset="0"/>
-              </a:rPr>
-              <a:t>                  INTEGER NOT NULL ,</a:t>
+                <a:latin typeface="Droid Sans" panose="020B0606030804020204" pitchFamily="34" charset="0"/>
+                <a:ea typeface="Droid Sans" panose="020B0606030804020204" pitchFamily="34" charset="0"/>
+                <a:cs typeface="Droid Sans" panose="020B0606030804020204" pitchFamily="34" charset="0"/>
+              </a:rPr>
+              <a:t>                 		INTEGER NOT NULL ,</a:t>
             </a:r>
           </a:p>
           <a:p>
             <a:r>
               <a:rPr lang="en-GB" sz="1200" dirty="0">
-                <a:latin typeface="Lucida Console" panose="020B0609040504020204" pitchFamily="49" charset="0"/>
+                <a:latin typeface="Droid Sans" panose="020B0606030804020204" pitchFamily="34" charset="0"/>
+                <a:ea typeface="Droid Sans" panose="020B0606030804020204" pitchFamily="34" charset="0"/>
+                <a:cs typeface="Droid Sans" panose="020B0606030804020204" pitchFamily="34" charset="0"/>
               </a:rPr>
               <a:t>    </a:t>
             </a:r>
             <a:r>
               <a:rPr lang="en-GB" sz="1200" dirty="0" err="1">
-                <a:latin typeface="Lucida Console" panose="020B0609040504020204" pitchFamily="49" charset="0"/>
+                <a:latin typeface="Droid Sans" panose="020B0606030804020204" pitchFamily="34" charset="0"/>
+                <a:ea typeface="Droid Sans" panose="020B0606030804020204" pitchFamily="34" charset="0"/>
+                <a:cs typeface="Droid Sans" panose="020B0606030804020204" pitchFamily="34" charset="0"/>
               </a:rPr>
               <a:t>customerName</a:t>
             </a:r>
             <a:r>
               <a:rPr lang="en-GB" sz="1200" dirty="0">
-                <a:latin typeface="Lucida Console" panose="020B0609040504020204" pitchFamily="49" charset="0"/>
-              </a:rPr>
-              <a:t>                </a:t>
-            </a:r>
-            <a:r>
-              <a:rPr lang="en-GB" sz="1200" dirty="0" smtClean="0">
-                <a:latin typeface="Lucida Console" panose="020B0609040504020204" pitchFamily="49" charset="0"/>
-              </a:rPr>
-              <a:t>VARCHAR2 </a:t>
-            </a:r>
+                <a:latin typeface="Droid Sans" panose="020B0606030804020204" pitchFamily="34" charset="0"/>
+                <a:ea typeface="Droid Sans" panose="020B0606030804020204" pitchFamily="34" charset="0"/>
+                <a:cs typeface="Droid Sans" panose="020B0606030804020204" pitchFamily="34" charset="0"/>
+              </a:rPr>
+              <a:t>                	VARCHAR2 (45) ,</a:t>
+            </a:r>
+          </a:p>
+          <a:p>
             <a:r>
               <a:rPr lang="en-GB" sz="1200" dirty="0">
-                <a:latin typeface="Lucida Console" panose="020B0609040504020204" pitchFamily="49" charset="0"/>
-              </a:rPr>
-              <a:t>(45) ,</a:t>
-            </a:r>
-          </a:p>
-          <a:p>
+                <a:latin typeface="Droid Sans" panose="020B0606030804020204" pitchFamily="34" charset="0"/>
+                <a:ea typeface="Droid Sans" panose="020B0606030804020204" pitchFamily="34" charset="0"/>
+                <a:cs typeface="Droid Sans" panose="020B0606030804020204" pitchFamily="34" charset="0"/>
+              </a:rPr>
+              <a:t>    </a:t>
+            </a:r>
+            <a:r>
+              <a:rPr lang="en-GB" sz="1200" dirty="0" err="1">
+                <a:latin typeface="Droid Sans" panose="020B0606030804020204" pitchFamily="34" charset="0"/>
+                <a:ea typeface="Droid Sans" panose="020B0606030804020204" pitchFamily="34" charset="0"/>
+                <a:cs typeface="Droid Sans" panose="020B0606030804020204" pitchFamily="34" charset="0"/>
+              </a:rPr>
+              <a:t>customerDOB</a:t>
+            </a:r>
             <a:r>
               <a:rPr lang="en-GB" sz="1200" dirty="0">
-                <a:latin typeface="Lucida Console" panose="020B0609040504020204" pitchFamily="49" charset="0"/>
+                <a:latin typeface="Droid Sans" panose="020B0606030804020204" pitchFamily="34" charset="0"/>
+                <a:ea typeface="Droid Sans" panose="020B0606030804020204" pitchFamily="34" charset="0"/>
+                <a:cs typeface="Droid Sans" panose="020B0606030804020204" pitchFamily="34" charset="0"/>
+              </a:rPr>
+              <a:t>                 		DATE ,</a:t>
+            </a:r>
+          </a:p>
+          <a:p>
+            <a:r>
+              <a:rPr lang="en-GB" sz="1200" dirty="0">
+                <a:latin typeface="Droid Sans" panose="020B0606030804020204" pitchFamily="34" charset="0"/>
+                <a:ea typeface="Droid Sans" panose="020B0606030804020204" pitchFamily="34" charset="0"/>
+                <a:cs typeface="Droid Sans" panose="020B0606030804020204" pitchFamily="34" charset="0"/>
               </a:rPr>
               <a:t>    </a:t>
             </a:r>
             <a:r>
               <a:rPr lang="en-GB" sz="1200" dirty="0" err="1">
-                <a:latin typeface="Lucida Console" panose="020B0609040504020204" pitchFamily="49" charset="0"/>
-              </a:rPr>
-              <a:t>customerDOB</a:t>
+                <a:latin typeface="Droid Sans" panose="020B0606030804020204" pitchFamily="34" charset="0"/>
+                <a:ea typeface="Droid Sans" panose="020B0606030804020204" pitchFamily="34" charset="0"/>
+                <a:cs typeface="Droid Sans" panose="020B0606030804020204" pitchFamily="34" charset="0"/>
+              </a:rPr>
+              <a:t>customerStatus</a:t>
             </a:r>
             <a:r>
               <a:rPr lang="en-GB" sz="1200" dirty="0">
-                <a:latin typeface="Lucida Console" panose="020B0609040504020204" pitchFamily="49" charset="0"/>
-              </a:rPr>
-              <a:t>                 DATE ,</a:t>
+                <a:latin typeface="Droid Sans" panose="020B0606030804020204" pitchFamily="34" charset="0"/>
+                <a:ea typeface="Droid Sans" panose="020B0606030804020204" pitchFamily="34" charset="0"/>
+                <a:cs typeface="Droid Sans" panose="020B0606030804020204" pitchFamily="34" charset="0"/>
+              </a:rPr>
+              <a:t>              		VARCHAR2 (45) ,</a:t>
             </a:r>
           </a:p>
           <a:p>
             <a:r>
               <a:rPr lang="en-GB" sz="1200" dirty="0">
-                <a:latin typeface="Lucida Console" panose="020B0609040504020204" pitchFamily="49" charset="0"/>
+                <a:latin typeface="Droid Sans" panose="020B0606030804020204" pitchFamily="34" charset="0"/>
+                <a:ea typeface="Droid Sans" panose="020B0606030804020204" pitchFamily="34" charset="0"/>
+                <a:cs typeface="Droid Sans" panose="020B0606030804020204" pitchFamily="34" charset="0"/>
               </a:rPr>
               <a:t>    </a:t>
             </a:r>
             <a:r>
               <a:rPr lang="en-GB" sz="1200" dirty="0" err="1">
-                <a:latin typeface="Lucida Console" panose="020B0609040504020204" pitchFamily="49" charset="0"/>
-              </a:rPr>
-              <a:t>customerStatus</a:t>
+                <a:latin typeface="Droid Sans" panose="020B0606030804020204" pitchFamily="34" charset="0"/>
+                <a:ea typeface="Droid Sans" panose="020B0606030804020204" pitchFamily="34" charset="0"/>
+                <a:cs typeface="Droid Sans" panose="020B0606030804020204" pitchFamily="34" charset="0"/>
+              </a:rPr>
+              <a:t>customerEmail</a:t>
             </a:r>
             <a:r>
               <a:rPr lang="en-GB" sz="1200" dirty="0">
-                <a:latin typeface="Lucida Console" panose="020B0609040504020204" pitchFamily="49" charset="0"/>
-              </a:rPr>
-              <a:t>              VARCHAR2 (45) ,</a:t>
+                <a:latin typeface="Droid Sans" panose="020B0606030804020204" pitchFamily="34" charset="0"/>
+                <a:ea typeface="Droid Sans" panose="020B0606030804020204" pitchFamily="34" charset="0"/>
+                <a:cs typeface="Droid Sans" panose="020B0606030804020204" pitchFamily="34" charset="0"/>
+              </a:rPr>
+              <a:t>               		VARCHAR2 (45) ,</a:t>
             </a:r>
           </a:p>
           <a:p>
             <a:r>
               <a:rPr lang="en-GB" sz="1200" dirty="0">
-                <a:latin typeface="Lucida Console" panose="020B0609040504020204" pitchFamily="49" charset="0"/>
+                <a:latin typeface="Droid Sans" panose="020B0606030804020204" pitchFamily="34" charset="0"/>
+                <a:ea typeface="Droid Sans" panose="020B0606030804020204" pitchFamily="34" charset="0"/>
+                <a:cs typeface="Droid Sans" panose="020B0606030804020204" pitchFamily="34" charset="0"/>
               </a:rPr>
               <a:t>    </a:t>
             </a:r>
             <a:r>
               <a:rPr lang="en-GB" sz="1200" dirty="0" err="1">
-                <a:latin typeface="Lucida Console" panose="020B0609040504020204" pitchFamily="49" charset="0"/>
-              </a:rPr>
-              <a:t>customerEmail</a:t>
+                <a:latin typeface="Droid Sans" panose="020B0606030804020204" pitchFamily="34" charset="0"/>
+                <a:ea typeface="Droid Sans" panose="020B0606030804020204" pitchFamily="34" charset="0"/>
+                <a:cs typeface="Droid Sans" panose="020B0606030804020204" pitchFamily="34" charset="0"/>
+              </a:rPr>
+              <a:t>customerPhone</a:t>
             </a:r>
             <a:r>
               <a:rPr lang="en-GB" sz="1200" dirty="0">
-                <a:latin typeface="Lucida Console" panose="020B0609040504020204" pitchFamily="49" charset="0"/>
-              </a:rPr>
-              <a:t>               VARCHAR2 (45) ,</a:t>
+                <a:latin typeface="Droid Sans" panose="020B0606030804020204" pitchFamily="34" charset="0"/>
+                <a:ea typeface="Droid Sans" panose="020B0606030804020204" pitchFamily="34" charset="0"/>
+                <a:cs typeface="Droid Sans" panose="020B0606030804020204" pitchFamily="34" charset="0"/>
+              </a:rPr>
+              <a:t>               	INTEGER ,</a:t>
             </a:r>
           </a:p>
           <a:p>
             <a:r>
               <a:rPr lang="en-GB" sz="1200" dirty="0">
-                <a:latin typeface="Lucida Console" panose="020B0609040504020204" pitchFamily="49" charset="0"/>
+                <a:latin typeface="Droid Sans" panose="020B0606030804020204" pitchFamily="34" charset="0"/>
+                <a:ea typeface="Droid Sans" panose="020B0606030804020204" pitchFamily="34" charset="0"/>
+                <a:cs typeface="Droid Sans" panose="020B0606030804020204" pitchFamily="34" charset="0"/>
               </a:rPr>
               <a:t>    </a:t>
             </a:r>
             <a:r>
               <a:rPr lang="en-GB" sz="1200" dirty="0" err="1">
-                <a:latin typeface="Lucida Console" panose="020B0609040504020204" pitchFamily="49" charset="0"/>
-              </a:rPr>
-              <a:t>customerPhone</a:t>
+                <a:latin typeface="Droid Sans" panose="020B0606030804020204" pitchFamily="34" charset="0"/>
+                <a:ea typeface="Droid Sans" panose="020B0606030804020204" pitchFamily="34" charset="0"/>
+                <a:cs typeface="Droid Sans" panose="020B0606030804020204" pitchFamily="34" charset="0"/>
+              </a:rPr>
+              <a:t>PaymentDetails_cardNumber</a:t>
             </a:r>
             <a:r>
               <a:rPr lang="en-GB" sz="1200" dirty="0">
-                <a:latin typeface="Lucida Console" panose="020B0609040504020204" pitchFamily="49" charset="0"/>
-              </a:rPr>
-              <a:t>               INTEGER ,</a:t>
+                <a:latin typeface="Droid Sans" panose="020B0606030804020204" pitchFamily="34" charset="0"/>
+                <a:ea typeface="Droid Sans" panose="020B0606030804020204" pitchFamily="34" charset="0"/>
+                <a:cs typeface="Droid Sans" panose="020B0606030804020204" pitchFamily="34" charset="0"/>
+              </a:rPr>
+              <a:t>   VARCHAR2 (16) NOT NULL ,</a:t>
             </a:r>
           </a:p>
           <a:p>
             <a:r>
               <a:rPr lang="en-GB" sz="1200" dirty="0">
-                <a:latin typeface="Lucida Console" panose="020B0609040504020204" pitchFamily="49" charset="0"/>
+                <a:latin typeface="Droid Sans" panose="020B0606030804020204" pitchFamily="34" charset="0"/>
+                <a:ea typeface="Droid Sans" panose="020B0606030804020204" pitchFamily="34" charset="0"/>
+                <a:cs typeface="Droid Sans" panose="020B0606030804020204" pitchFamily="34" charset="0"/>
               </a:rPr>
               <a:t>    </a:t>
             </a:r>
             <a:r>
               <a:rPr lang="en-GB" sz="1200" dirty="0" err="1">
-                <a:latin typeface="Lucida Console" panose="020B0609040504020204" pitchFamily="49" charset="0"/>
-              </a:rPr>
-              <a:t>PaymentDetails_cardNumber</a:t>
+                <a:latin typeface="Droid Sans" panose="020B0606030804020204" pitchFamily="34" charset="0"/>
+                <a:ea typeface="Droid Sans" panose="020B0606030804020204" pitchFamily="34" charset="0"/>
+                <a:cs typeface="Droid Sans" panose="020B0606030804020204" pitchFamily="34" charset="0"/>
+              </a:rPr>
+              <a:t>PaymentDetails_cardSecurity</a:t>
             </a:r>
             <a:r>
               <a:rPr lang="en-GB" sz="1200" dirty="0">
-                <a:latin typeface="Lucida Console" panose="020B0609040504020204" pitchFamily="49" charset="0"/>
-              </a:rPr>
-              <a:t>   VARCHAR2 (16) NOT NULL ,</a:t>
+                <a:latin typeface="Droid Sans" panose="020B0606030804020204" pitchFamily="34" charset="0"/>
+                <a:ea typeface="Droid Sans" panose="020B0606030804020204" pitchFamily="34" charset="0"/>
+                <a:cs typeface="Droid Sans" panose="020B0606030804020204" pitchFamily="34" charset="0"/>
+              </a:rPr>
+              <a:t> 	VARCHAR2 (3) NOT NULL</a:t>
             </a:r>
           </a:p>
           <a:p>
             <a:r>
               <a:rPr lang="en-GB" sz="1200" dirty="0">
-                <a:latin typeface="Lucida Console" panose="020B0609040504020204" pitchFamily="49" charset="0"/>
-              </a:rPr>
-              <a:t>    </a:t>
-            </a:r>
-            <a:r>
-              <a:rPr lang="en-GB" sz="1200" dirty="0" err="1">
-                <a:latin typeface="Lucida Console" panose="020B0609040504020204" pitchFamily="49" charset="0"/>
-              </a:rPr>
-              <a:t>PaymentDetails_cardSecurity</a:t>
-            </a:r>
-            <a:r>
-              <a:rPr lang="en-GB" sz="1200" dirty="0">
-                <a:latin typeface="Lucida Console" panose="020B0609040504020204" pitchFamily="49" charset="0"/>
-              </a:rPr>
-              <a:t> VARCHAR2 (3) NOT NULL</a:t>
-            </a:r>
-          </a:p>
-          <a:p>
-            <a:r>
-              <a:rPr lang="en-GB" sz="1200" dirty="0">
-                <a:latin typeface="Lucida Console" panose="020B0609040504020204" pitchFamily="49" charset="0"/>
-              </a:rPr>
-              <a:t>  ) </a:t>
-            </a:r>
-            <a:r>
-              <a:rPr lang="en-GB" sz="1200" dirty="0" smtClean="0">
-                <a:latin typeface="Lucida Console" panose="020B0609040504020204" pitchFamily="49" charset="0"/>
-              </a:rPr>
-              <a:t>;</a:t>
+                <a:latin typeface="Droid Sans" panose="020B0606030804020204" pitchFamily="34" charset="0"/>
+                <a:ea typeface="Droid Sans" panose="020B0606030804020204" pitchFamily="34" charset="0"/>
+                <a:cs typeface="Droid Sans" panose="020B0606030804020204" pitchFamily="34" charset="0"/>
+              </a:rPr>
+              <a:t>  ) ;</a:t>
             </a:r>
           </a:p>
           <a:p>
             <a:endParaRPr lang="en-GB" sz="1200" dirty="0">
-              <a:latin typeface="Lucida Console" panose="020B0609040504020204" pitchFamily="49" charset="0"/>
+              <a:latin typeface="Droid Sans" panose="020B0606030804020204" pitchFamily="34" charset="0"/>
+              <a:ea typeface="Droid Sans" panose="020B0606030804020204" pitchFamily="34" charset="0"/>
+              <a:cs typeface="Droid Sans" panose="020B0606030804020204" pitchFamily="34" charset="0"/>
             </a:endParaRPr>
           </a:p>
           <a:p>
-            <a:r>
-              <a:rPr lang="en-GB" sz="1200" dirty="0">
-                <a:latin typeface="Lucida Console" panose="020B0609040504020204" pitchFamily="49" charset="0"/>
-              </a:rPr>
-              <a:t>ALTER TABLE Customer </a:t>
-            </a:r>
             <a:r>
               <a:rPr lang="en-GB" sz="1200" dirty="0">
                 <a:solidFill>
                   <a:srgbClr val="FF0066"/>
                 </a:solidFill>
-                <a:latin typeface="Lucida Console" panose="020B0609040504020204" pitchFamily="49" charset="0"/>
-              </a:rPr>
-              <a:t>ADD CONSTRAINT </a:t>
-            </a:r>
-            <a:r>
-              <a:rPr lang="en-GB" sz="1200" dirty="0" err="1">
-                <a:latin typeface="Lucida Console" panose="020B0609040504020204" pitchFamily="49" charset="0"/>
-              </a:rPr>
-              <a:t>Customer_PK</a:t>
+                <a:latin typeface="Droid Sans" panose="020B0606030804020204" pitchFamily="34" charset="0"/>
+                <a:ea typeface="Droid Sans" panose="020B0606030804020204" pitchFamily="34" charset="0"/>
+                <a:cs typeface="Droid Sans" panose="020B0606030804020204" pitchFamily="34" charset="0"/>
+              </a:rPr>
+              <a:t>ALTER TABLE </a:t>
             </a:r>
             <a:r>
               <a:rPr lang="en-GB" sz="1200" dirty="0">
-                <a:latin typeface="Lucida Console" panose="020B0609040504020204" pitchFamily="49" charset="0"/>
-              </a:rPr>
-              <a:t> </a:t>
-            </a:r>
+                <a:latin typeface="Droid Sans" panose="020B0606030804020204" pitchFamily="34" charset="0"/>
+                <a:ea typeface="Droid Sans" panose="020B0606030804020204" pitchFamily="34" charset="0"/>
+                <a:cs typeface="Droid Sans" panose="020B0606030804020204" pitchFamily="34" charset="0"/>
+              </a:rPr>
+              <a:t>Customer</a:t>
+            </a:r>
+          </a:p>
+          <a:p>
             <a:r>
               <a:rPr lang="en-GB" sz="1200" dirty="0">
                 <a:solidFill>
                   <a:srgbClr val="FF0066"/>
                 </a:solidFill>
-                <a:latin typeface="Lucida Console" panose="020B0609040504020204" pitchFamily="49" charset="0"/>
-              </a:rPr>
-              <a:t>PRIMARY KEY </a:t>
-            </a:r>
-            <a:r>
-              <a:rPr lang="en-GB" sz="1200" dirty="0">
-                <a:latin typeface="Lucida Console" panose="020B0609040504020204" pitchFamily="49" charset="0"/>
-              </a:rPr>
-              <a:t>( </a:t>
+                <a:latin typeface="Droid Sans" panose="020B0606030804020204" pitchFamily="34" charset="0"/>
+                <a:ea typeface="Droid Sans" panose="020B0606030804020204" pitchFamily="34" charset="0"/>
+                <a:cs typeface="Droid Sans" panose="020B0606030804020204" pitchFamily="34" charset="0"/>
+              </a:rPr>
+              <a:t>	ADD CONSTRAINT </a:t>
             </a:r>
             <a:r>
               <a:rPr lang="en-GB" sz="1200" dirty="0" err="1">
-                <a:latin typeface="Lucida Console" panose="020B0609040504020204" pitchFamily="49" charset="0"/>
-              </a:rPr>
-              <a:t>customerID</a:t>
-            </a:r>
-            <a:r>
-              <a:rPr lang="en-GB" sz="1200" dirty="0">
-                <a:latin typeface="Lucida Console" panose="020B0609040504020204" pitchFamily="49" charset="0"/>
-              </a:rPr>
-              <a:t> ) </a:t>
-            </a:r>
-            <a:r>
-              <a:rPr lang="en-GB" sz="1200" dirty="0" smtClean="0">
-                <a:latin typeface="Lucida Console" panose="020B0609040504020204" pitchFamily="49" charset="0"/>
-              </a:rPr>
-              <a:t>;</a:t>
-            </a:r>
-          </a:p>
-          <a:p>
+                <a:latin typeface="Droid Sans" panose="020B0606030804020204" pitchFamily="34" charset="0"/>
+                <a:ea typeface="Droid Sans" panose="020B0606030804020204" pitchFamily="34" charset="0"/>
+                <a:cs typeface="Droid Sans" panose="020B0606030804020204" pitchFamily="34" charset="0"/>
+              </a:rPr>
+              <a:t>Customer_PK</a:t>
+            </a:r>
             <a:endParaRPr lang="en-GB" sz="1200" dirty="0">
-              <a:latin typeface="Lucida Console" panose="020B0609040504020204" pitchFamily="49" charset="0"/>
+              <a:latin typeface="Droid Sans" panose="020B0606030804020204" pitchFamily="34" charset="0"/>
+              <a:ea typeface="Droid Sans" panose="020B0606030804020204" pitchFamily="34" charset="0"/>
+              <a:cs typeface="Droid Sans" panose="020B0606030804020204" pitchFamily="34" charset="0"/>
             </a:endParaRPr>
           </a:p>
           <a:p>
-            <a:r>
-              <a:rPr lang="en-GB" sz="1200" dirty="0">
-                <a:latin typeface="Lucida Console" panose="020B0609040504020204" pitchFamily="49" charset="0"/>
-              </a:rPr>
-              <a:t>ALTER TABLE </a:t>
-            </a:r>
-            <a:r>
-              <a:rPr lang="en-GB" sz="1200" dirty="0" err="1">
-                <a:latin typeface="Lucida Console" panose="020B0609040504020204" pitchFamily="49" charset="0"/>
-              </a:rPr>
-              <a:t>CustomerOrder</a:t>
-            </a:r>
-            <a:r>
-              <a:rPr lang="en-GB" sz="1200" dirty="0">
-                <a:latin typeface="Lucida Console" panose="020B0609040504020204" pitchFamily="49" charset="0"/>
-              </a:rPr>
-              <a:t> ADD CONSTRAINT </a:t>
-            </a:r>
-            <a:r>
-              <a:rPr lang="en-GB" sz="1200" dirty="0" err="1">
-                <a:latin typeface="Lucida Console" panose="020B0609040504020204" pitchFamily="49" charset="0"/>
-              </a:rPr>
-              <a:t>CO_Address_FK</a:t>
-            </a:r>
-            <a:r>
-              <a:rPr lang="en-GB" sz="1200" dirty="0">
-                <a:latin typeface="Lucida Console" panose="020B0609040504020204" pitchFamily="49" charset="0"/>
-              </a:rPr>
-              <a:t> </a:t>
-            </a:r>
             <a:r>
               <a:rPr lang="en-GB" sz="1200" dirty="0">
                 <a:solidFill>
                   <a:srgbClr val="FF0066"/>
                 </a:solidFill>
-                <a:latin typeface="Lucida Console" panose="020B0609040504020204" pitchFamily="49" charset="0"/>
+                <a:latin typeface="Droid Sans" panose="020B0606030804020204" pitchFamily="34" charset="0"/>
+                <a:ea typeface="Droid Sans" panose="020B0606030804020204" pitchFamily="34" charset="0"/>
+                <a:cs typeface="Droid Sans" panose="020B0606030804020204" pitchFamily="34" charset="0"/>
+              </a:rPr>
+              <a:t>	PRIMARY KEY </a:t>
+            </a:r>
+            <a:r>
+              <a:rPr lang="en-GB" sz="1200" dirty="0">
+                <a:latin typeface="Droid Sans" panose="020B0606030804020204" pitchFamily="34" charset="0"/>
+                <a:ea typeface="Droid Sans" panose="020B0606030804020204" pitchFamily="34" charset="0"/>
+                <a:cs typeface="Droid Sans" panose="020B0606030804020204" pitchFamily="34" charset="0"/>
+              </a:rPr>
+              <a:t>( </a:t>
+            </a:r>
+            <a:r>
+              <a:rPr lang="en-GB" sz="1200" dirty="0" err="1">
+                <a:latin typeface="Droid Sans" panose="020B0606030804020204" pitchFamily="34" charset="0"/>
+                <a:ea typeface="Droid Sans" panose="020B0606030804020204" pitchFamily="34" charset="0"/>
+                <a:cs typeface="Droid Sans" panose="020B0606030804020204" pitchFamily="34" charset="0"/>
+              </a:rPr>
+              <a:t>customerID</a:t>
+            </a:r>
+            <a:r>
+              <a:rPr lang="en-GB" sz="1200" dirty="0">
+                <a:latin typeface="Droid Sans" panose="020B0606030804020204" pitchFamily="34" charset="0"/>
+                <a:ea typeface="Droid Sans" panose="020B0606030804020204" pitchFamily="34" charset="0"/>
+                <a:cs typeface="Droid Sans" panose="020B0606030804020204" pitchFamily="34" charset="0"/>
+              </a:rPr>
+              <a:t> ) ;</a:t>
+            </a:r>
+          </a:p>
+          <a:p>
+            <a:endParaRPr lang="en-GB" sz="1200" dirty="0">
+              <a:latin typeface="Droid Sans" panose="020B0606030804020204" pitchFamily="34" charset="0"/>
+              <a:ea typeface="Droid Sans" panose="020B0606030804020204" pitchFamily="34" charset="0"/>
+              <a:cs typeface="Droid Sans" panose="020B0606030804020204" pitchFamily="34" charset="0"/>
+            </a:endParaRPr>
+          </a:p>
+          <a:p>
+            <a:r>
+              <a:rPr lang="en-GB" sz="1200" dirty="0">
+                <a:latin typeface="Droid Sans" panose="020B0606030804020204" pitchFamily="34" charset="0"/>
+                <a:ea typeface="Droid Sans" panose="020B0606030804020204" pitchFamily="34" charset="0"/>
+                <a:cs typeface="Droid Sans" panose="020B0606030804020204" pitchFamily="34" charset="0"/>
+              </a:rPr>
+              <a:t>ALTER TABLE Customer</a:t>
+            </a:r>
+          </a:p>
+          <a:p>
+            <a:r>
+              <a:rPr lang="en-GB" sz="1200" dirty="0">
+                <a:latin typeface="Droid Sans" panose="020B0606030804020204" pitchFamily="34" charset="0"/>
+                <a:ea typeface="Droid Sans" panose="020B0606030804020204" pitchFamily="34" charset="0"/>
+                <a:cs typeface="Droid Sans" panose="020B0606030804020204" pitchFamily="34" charset="0"/>
+              </a:rPr>
+              <a:t>	ADD CONSTRAINT </a:t>
+            </a:r>
+            <a:r>
+              <a:rPr lang="en-GB" sz="1200" dirty="0" err="1">
+                <a:latin typeface="Droid Sans" panose="020B0606030804020204" pitchFamily="34" charset="0"/>
+                <a:ea typeface="Droid Sans" panose="020B0606030804020204" pitchFamily="34" charset="0"/>
+                <a:cs typeface="Droid Sans" panose="020B0606030804020204" pitchFamily="34" charset="0"/>
+              </a:rPr>
+              <a:t>C_PaymentDetails_FK</a:t>
+            </a:r>
+            <a:endParaRPr lang="en-GB" sz="1200" dirty="0">
+              <a:latin typeface="Droid Sans" panose="020B0606030804020204" pitchFamily="34" charset="0"/>
+              <a:ea typeface="Droid Sans" panose="020B0606030804020204" pitchFamily="34" charset="0"/>
+              <a:cs typeface="Droid Sans" panose="020B0606030804020204" pitchFamily="34" charset="0"/>
+            </a:endParaRPr>
+          </a:p>
+          <a:p>
+            <a:r>
+              <a:rPr lang="en-GB" sz="1200" dirty="0">
+                <a:latin typeface="Droid Sans" panose="020B0606030804020204" pitchFamily="34" charset="0"/>
+                <a:ea typeface="Droid Sans" panose="020B0606030804020204" pitchFamily="34" charset="0"/>
+                <a:cs typeface="Droid Sans" panose="020B0606030804020204" pitchFamily="34" charset="0"/>
+              </a:rPr>
+              <a:t>	</a:t>
+            </a:r>
+            <a:r>
+              <a:rPr lang="en-GB" sz="1200" dirty="0">
+                <a:solidFill>
+                  <a:srgbClr val="FF0066"/>
+                </a:solidFill>
+                <a:latin typeface="Droid Sans" panose="020B0606030804020204" pitchFamily="34" charset="0"/>
+                <a:ea typeface="Droid Sans" panose="020B0606030804020204" pitchFamily="34" charset="0"/>
+                <a:cs typeface="Droid Sans" panose="020B0606030804020204" pitchFamily="34" charset="0"/>
               </a:rPr>
               <a:t>FOREIGN KEY </a:t>
             </a:r>
             <a:r>
               <a:rPr lang="en-GB" sz="1200" dirty="0">
-                <a:latin typeface="Lucida Console" panose="020B0609040504020204" pitchFamily="49" charset="0"/>
+                <a:latin typeface="Droid Sans" panose="020B0606030804020204" pitchFamily="34" charset="0"/>
+                <a:ea typeface="Droid Sans" panose="020B0606030804020204" pitchFamily="34" charset="0"/>
+                <a:cs typeface="Droid Sans" panose="020B0606030804020204" pitchFamily="34" charset="0"/>
               </a:rPr>
               <a:t>( </a:t>
             </a:r>
             <a:r>
               <a:rPr lang="en-GB" sz="1200" dirty="0" err="1">
-                <a:latin typeface="Lucida Console" panose="020B0609040504020204" pitchFamily="49" charset="0"/>
-              </a:rPr>
-              <a:t>Address_addressHouse</a:t>
+                <a:latin typeface="Droid Sans" panose="020B0606030804020204" pitchFamily="34" charset="0"/>
+                <a:ea typeface="Droid Sans" panose="020B0606030804020204" pitchFamily="34" charset="0"/>
+                <a:cs typeface="Droid Sans" panose="020B0606030804020204" pitchFamily="34" charset="0"/>
+              </a:rPr>
+              <a:t>PaymentDetails_cardNumber</a:t>
             </a:r>
             <a:r>
               <a:rPr lang="en-GB" sz="1200" dirty="0">
-                <a:latin typeface="Lucida Console" panose="020B0609040504020204" pitchFamily="49" charset="0"/>
+                <a:latin typeface="Droid Sans" panose="020B0606030804020204" pitchFamily="34" charset="0"/>
+                <a:ea typeface="Droid Sans" panose="020B0606030804020204" pitchFamily="34" charset="0"/>
+                <a:cs typeface="Droid Sans" panose="020B0606030804020204" pitchFamily="34" charset="0"/>
               </a:rPr>
               <a:t>, </a:t>
             </a:r>
             <a:r>
               <a:rPr lang="en-GB" sz="1200" dirty="0" err="1">
-                <a:latin typeface="Lucida Console" panose="020B0609040504020204" pitchFamily="49" charset="0"/>
-              </a:rPr>
-              <a:t>Address_addressPostcode</a:t>
+                <a:latin typeface="Droid Sans" panose="020B0606030804020204" pitchFamily="34" charset="0"/>
+                <a:ea typeface="Droid Sans" panose="020B0606030804020204" pitchFamily="34" charset="0"/>
+                <a:cs typeface="Droid Sans" panose="020B0606030804020204" pitchFamily="34" charset="0"/>
+              </a:rPr>
+              <a:t>PaymentDetails_cardSecurity</a:t>
             </a:r>
             <a:r>
               <a:rPr lang="en-GB" sz="1200" dirty="0">
-                <a:latin typeface="Lucida Console" panose="020B0609040504020204" pitchFamily="49" charset="0"/>
-              </a:rPr>
-              <a:t> ) REFERENCES Address ( </a:t>
+                <a:latin typeface="Droid Sans" panose="020B0606030804020204" pitchFamily="34" charset="0"/>
+                <a:ea typeface="Droid Sans" panose="020B0606030804020204" pitchFamily="34" charset="0"/>
+                <a:cs typeface="Droid Sans" panose="020B0606030804020204" pitchFamily="34" charset="0"/>
+              </a:rPr>
+              <a:t> )</a:t>
+            </a:r>
+          </a:p>
+          <a:p>
+            <a:r>
+              <a:rPr lang="en-GB" sz="1200" dirty="0">
+                <a:latin typeface="Droid Sans" panose="020B0606030804020204" pitchFamily="34" charset="0"/>
+                <a:ea typeface="Droid Sans" panose="020B0606030804020204" pitchFamily="34" charset="0"/>
+                <a:cs typeface="Droid Sans" panose="020B0606030804020204" pitchFamily="34" charset="0"/>
+              </a:rPr>
+              <a:t>	REFERENCES </a:t>
             </a:r>
             <a:r>
               <a:rPr lang="en-GB" sz="1200" dirty="0" err="1">
-                <a:latin typeface="Lucida Console" panose="020B0609040504020204" pitchFamily="49" charset="0"/>
-              </a:rPr>
-              <a:t>addressHouse</a:t>
+                <a:latin typeface="Droid Sans" panose="020B0606030804020204" pitchFamily="34" charset="0"/>
+                <a:ea typeface="Droid Sans" panose="020B0606030804020204" pitchFamily="34" charset="0"/>
+                <a:cs typeface="Droid Sans" panose="020B0606030804020204" pitchFamily="34" charset="0"/>
+              </a:rPr>
+              <a:t>PaymentDetails</a:t>
             </a:r>
             <a:r>
               <a:rPr lang="en-GB" sz="1200" dirty="0">
-                <a:latin typeface="Lucida Console" panose="020B0609040504020204" pitchFamily="49" charset="0"/>
+                <a:latin typeface="Droid Sans" panose="020B0606030804020204" pitchFamily="34" charset="0"/>
+                <a:ea typeface="Droid Sans" panose="020B0606030804020204" pitchFamily="34" charset="0"/>
+                <a:cs typeface="Droid Sans" panose="020B0606030804020204" pitchFamily="34" charset="0"/>
+              </a:rPr>
+              <a:t> ( </a:t>
+            </a:r>
+            <a:r>
+              <a:rPr lang="en-GB" sz="1200" dirty="0" err="1">
+                <a:latin typeface="Droid Sans" panose="020B0606030804020204" pitchFamily="34" charset="0"/>
+                <a:ea typeface="Droid Sans" panose="020B0606030804020204" pitchFamily="34" charset="0"/>
+                <a:cs typeface="Droid Sans" panose="020B0606030804020204" pitchFamily="34" charset="0"/>
+              </a:rPr>
+              <a:t>cardNumber</a:t>
+            </a:r>
+            <a:r>
+              <a:rPr lang="en-GB" sz="1200" dirty="0">
+                <a:latin typeface="Droid Sans" panose="020B0606030804020204" pitchFamily="34" charset="0"/>
+                <a:ea typeface="Droid Sans" panose="020B0606030804020204" pitchFamily="34" charset="0"/>
+                <a:cs typeface="Droid Sans" panose="020B0606030804020204" pitchFamily="34" charset="0"/>
               </a:rPr>
               <a:t>, </a:t>
             </a:r>
             <a:r>
               <a:rPr lang="en-GB" sz="1200" dirty="0" err="1">
-                <a:latin typeface="Lucida Console" panose="020B0609040504020204" pitchFamily="49" charset="0"/>
-              </a:rPr>
-              <a:t>addressPostcode</a:t>
+                <a:latin typeface="Droid Sans" panose="020B0606030804020204" pitchFamily="34" charset="0"/>
+                <a:ea typeface="Droid Sans" panose="020B0606030804020204" pitchFamily="34" charset="0"/>
+                <a:cs typeface="Droid Sans" panose="020B0606030804020204" pitchFamily="34" charset="0"/>
+              </a:rPr>
+              <a:t>cardSecurity</a:t>
             </a:r>
             <a:r>
               <a:rPr lang="en-GB" sz="1200" dirty="0">
-                <a:latin typeface="Lucida Console" panose="020B0609040504020204" pitchFamily="49" charset="0"/>
-              </a:rPr>
-              <a:t> ) ;</a:t>
-            </a:r>
-          </a:p>
-          <a:p>
-            <a:endParaRPr lang="en-GB" sz="1200" dirty="0">
-              <a:latin typeface="Lucida Console" panose="020B0609040504020204" pitchFamily="49" charset="0"/>
-            </a:endParaRPr>
-          </a:p>
-          <a:p>
-            <a:r>
-              <a:rPr lang="en-GB" sz="1200" dirty="0">
-                <a:latin typeface="Lucida Console" panose="020B0609040504020204" pitchFamily="49" charset="0"/>
-              </a:rPr>
-              <a:t>ALTER TABLE </a:t>
-            </a:r>
-            <a:r>
-              <a:rPr lang="en-GB" sz="1200" dirty="0" err="1">
-                <a:latin typeface="Lucida Console" panose="020B0609040504020204" pitchFamily="49" charset="0"/>
-              </a:rPr>
-              <a:t>CustomerOrder</a:t>
-            </a:r>
-            <a:r>
-              <a:rPr lang="en-GB" sz="1200" dirty="0">
-                <a:latin typeface="Lucida Console" panose="020B0609040504020204" pitchFamily="49" charset="0"/>
-              </a:rPr>
-              <a:t> ADD CONSTRAINT </a:t>
-            </a:r>
-            <a:r>
-              <a:rPr lang="en-GB" sz="1200" dirty="0" err="1">
-                <a:latin typeface="Lucida Console" panose="020B0609040504020204" pitchFamily="49" charset="0"/>
-              </a:rPr>
-              <a:t>CO_Customer_FK</a:t>
-            </a:r>
-            <a:r>
-              <a:rPr lang="en-GB" sz="1200" dirty="0">
-                <a:latin typeface="Lucida Console" panose="020B0609040504020204" pitchFamily="49" charset="0"/>
-              </a:rPr>
-              <a:t> FOREIGN KEY ( </a:t>
-            </a:r>
-            <a:r>
-              <a:rPr lang="en-GB" sz="1200" dirty="0" err="1">
-                <a:latin typeface="Lucida Console" panose="020B0609040504020204" pitchFamily="49" charset="0"/>
-              </a:rPr>
-              <a:t>Customer_customerID</a:t>
-            </a:r>
-            <a:r>
-              <a:rPr lang="en-GB" sz="1200" dirty="0">
-                <a:latin typeface="Lucida Console" panose="020B0609040504020204" pitchFamily="49" charset="0"/>
-              </a:rPr>
-              <a:t> ) REFERENCES Customer ( </a:t>
-            </a:r>
-            <a:r>
-              <a:rPr lang="en-GB" sz="1200" dirty="0" err="1">
-                <a:latin typeface="Lucida Console" panose="020B0609040504020204" pitchFamily="49" charset="0"/>
-              </a:rPr>
-              <a:t>customerID</a:t>
-            </a:r>
-            <a:r>
-              <a:rPr lang="en-GB" sz="1200" dirty="0">
-                <a:latin typeface="Lucida Console" panose="020B0609040504020204" pitchFamily="49" charset="0"/>
+                <a:latin typeface="Droid Sans" panose="020B0606030804020204" pitchFamily="34" charset="0"/>
+                <a:ea typeface="Droid Sans" panose="020B0606030804020204" pitchFamily="34" charset="0"/>
+                <a:cs typeface="Droid Sans" panose="020B0606030804020204" pitchFamily="34" charset="0"/>
               </a:rPr>
               <a:t> ) ;</a:t>
             </a:r>
@@ -5979,13 +6034,6 @@
       </p:transition>
     </mc:Fallback>
   </mc:AlternateContent>
-  <p:timing>
-    <p:tnLst>
-      <p:par>
-        <p:cTn id="1" dur="indefinite" restart="never" nodeType="tmRoot"/>
-      </p:par>
-    </p:tnLst>
-  </p:timing>
 </p:sld>
 </file>
 
@@ -6022,12 +6070,18 @@
           <a:lstStyle/>
           <a:p>
             <a:r>
-              <a:rPr lang="en-US" dirty="0" smtClean="0">
+              <a:rPr lang="en-US" dirty="0">
                 <a:latin typeface="Crete Round" panose="02000503050000020004" pitchFamily="50" charset="0"/>
               </a:rPr>
-              <a:t>MongoDB: Create</a:t>
-            </a:r>
-            <a:endParaRPr lang="en-US" dirty="0">
+              <a:t>MongoDB: </a:t>
+            </a:r>
+            <a:r>
+              <a:rPr lang="en-US" sz="3200" b="0" dirty="0">
+                <a:latin typeface="Crete Round" panose="02000503050000020004" pitchFamily="50" charset="0"/>
+              </a:rPr>
+              <a:t>Create</a:t>
+            </a:r>
+            <a:endParaRPr lang="en-US" b="0" dirty="0">
               <a:latin typeface="Crete Round" panose="02000503050000020004" pitchFamily="50" charset="0"/>
             </a:endParaRPr>
           </a:p>
@@ -6041,8 +6095,8 @@
         </p:nvSpPr>
         <p:spPr>
           <a:xfrm>
-            <a:off x="914400" y="2348880"/>
-            <a:ext cx="10371015" cy="3960440"/>
+            <a:off x="1066800" y="2348880"/>
+            <a:ext cx="10109199" cy="4316080"/>
           </a:xfrm>
           <a:prstGeom prst="rect">
             <a:avLst/>
@@ -6083,722 +6137,678 @@
           <a:lstStyle/>
           <a:p>
             <a:r>
-              <a:rPr lang="en-GB" sz="1000" dirty="0" err="1">
+              <a:rPr lang="en-GB" sz="1100" dirty="0" err="1">
                 <a:solidFill>
                   <a:srgbClr val="FF0066"/>
                 </a:solidFill>
-                <a:latin typeface="Lucida Console" panose="020B0609040504020204" pitchFamily="49" charset="0"/>
+                <a:latin typeface="Droid Sans" panose="020B0606030804020204" pitchFamily="34" charset="0"/>
+                <a:ea typeface="Droid Sans" panose="020B0606030804020204" pitchFamily="34" charset="0"/>
+                <a:cs typeface="Droid Sans" panose="020B0606030804020204" pitchFamily="34" charset="0"/>
               </a:rPr>
               <a:t>db.Customer.ensureIndex</a:t>
             </a:r>
             <a:r>
-              <a:rPr lang="en-GB" sz="1000" dirty="0">
-                <a:latin typeface="Lucida Console" panose="020B0609040504020204" pitchFamily="49" charset="0"/>
-              </a:rPr>
-              <a:t> </a:t>
-            </a:r>
-            <a:r>
-              <a:rPr lang="en-GB" sz="1000" dirty="0" smtClean="0">
-                <a:latin typeface="Lucida Console" panose="020B0609040504020204" pitchFamily="49" charset="0"/>
-              </a:rPr>
-              <a:t>({</a:t>
-            </a:r>
-            <a:r>
-              <a:rPr lang="en-GB" sz="1000" dirty="0" err="1" smtClean="0">
-                <a:latin typeface="Lucida Console" panose="020B0609040504020204" pitchFamily="49" charset="0"/>
+              <a:rPr lang="en-GB" sz="1100" dirty="0">
+                <a:latin typeface="Droid Sans" panose="020B0606030804020204" pitchFamily="34" charset="0"/>
+                <a:ea typeface="Droid Sans" panose="020B0606030804020204" pitchFamily="34" charset="0"/>
+                <a:cs typeface="Droid Sans" panose="020B0606030804020204" pitchFamily="34" charset="0"/>
+              </a:rPr>
+              <a:t> ({</a:t>
+            </a:r>
+            <a:r>
+              <a:rPr lang="en-GB" sz="1100" dirty="0" err="1">
+                <a:latin typeface="Droid Sans" panose="020B0606030804020204" pitchFamily="34" charset="0"/>
+                <a:ea typeface="Droid Sans" panose="020B0606030804020204" pitchFamily="34" charset="0"/>
+                <a:cs typeface="Droid Sans" panose="020B0606030804020204" pitchFamily="34" charset="0"/>
               </a:rPr>
               <a:t>customerID</a:t>
             </a:r>
             <a:r>
-              <a:rPr lang="en-GB" sz="1000" dirty="0" smtClean="0">
-                <a:latin typeface="Lucida Console" panose="020B0609040504020204" pitchFamily="49" charset="0"/>
-              </a:rPr>
-              <a:t> </a:t>
-            </a:r>
-            <a:r>
-              <a:rPr lang="en-GB" sz="1000" dirty="0">
-                <a:latin typeface="Lucida Console" panose="020B0609040504020204" pitchFamily="49" charset="0"/>
-              </a:rPr>
-              <a:t>: </a:t>
-            </a:r>
-            <a:r>
-              <a:rPr lang="en-GB" sz="1000" dirty="0" smtClean="0">
-                <a:latin typeface="Lucida Console" panose="020B0609040504020204" pitchFamily="49" charset="0"/>
-              </a:rPr>
-              <a:t>1}, {unique </a:t>
-            </a:r>
-            <a:r>
-              <a:rPr lang="en-GB" sz="1000" dirty="0">
-                <a:latin typeface="Lucida Console" panose="020B0609040504020204" pitchFamily="49" charset="0"/>
-              </a:rPr>
-              <a:t>: </a:t>
-            </a:r>
-            <a:r>
-              <a:rPr lang="en-GB" sz="1000" dirty="0" smtClean="0">
-                <a:latin typeface="Lucida Console" panose="020B0609040504020204" pitchFamily="49" charset="0"/>
-              </a:rPr>
-              <a:t>1})</a:t>
-            </a:r>
-            <a:endParaRPr lang="en-GB" sz="1000" dirty="0">
-              <a:latin typeface="Lucida Console" panose="020B0609040504020204" pitchFamily="49" charset="0"/>
+              <a:rPr lang="en-GB" sz="1100" dirty="0">
+                <a:latin typeface="Droid Sans" panose="020B0606030804020204" pitchFamily="34" charset="0"/>
+                <a:ea typeface="Droid Sans" panose="020B0606030804020204" pitchFamily="34" charset="0"/>
+                <a:cs typeface="Droid Sans" panose="020B0606030804020204" pitchFamily="34" charset="0"/>
+              </a:rPr>
+              <a:t> : 1}, {unique : 1})</a:t>
+            </a:r>
+          </a:p>
+          <a:p>
+            <a:endParaRPr lang="en-GB" sz="1100" dirty="0">
+              <a:latin typeface="Droid Sans" panose="020B0606030804020204" pitchFamily="34" charset="0"/>
+              <a:ea typeface="Droid Sans" panose="020B0606030804020204" pitchFamily="34" charset="0"/>
+              <a:cs typeface="Droid Sans" panose="020B0606030804020204" pitchFamily="34" charset="0"/>
             </a:endParaRPr>
           </a:p>
           <a:p>
-            <a:endParaRPr lang="en-GB" sz="1000" dirty="0" smtClean="0">
-              <a:latin typeface="Lucida Console" panose="020B0609040504020204" pitchFamily="49" charset="0"/>
-            </a:endParaRPr>
-          </a:p>
-          <a:p>
-            <a:r>
-              <a:rPr lang="en-GB" sz="1000" dirty="0" err="1" smtClean="0">
+            <a:r>
+              <a:rPr lang="en-GB" sz="1100" dirty="0" err="1">
                 <a:solidFill>
                   <a:srgbClr val="FF0066"/>
                 </a:solidFill>
-                <a:latin typeface="Lucida Console" panose="020B0609040504020204" pitchFamily="49" charset="0"/>
+                <a:latin typeface="Droid Sans" panose="020B0606030804020204" pitchFamily="34" charset="0"/>
+                <a:ea typeface="Droid Sans" panose="020B0606030804020204" pitchFamily="34" charset="0"/>
+                <a:cs typeface="Droid Sans" panose="020B0606030804020204" pitchFamily="34" charset="0"/>
               </a:rPr>
               <a:t>db.Customer.insert</a:t>
             </a:r>
             <a:r>
-              <a:rPr lang="en-GB" sz="1000" dirty="0" smtClean="0">
-                <a:latin typeface="Lucida Console" panose="020B0609040504020204" pitchFamily="49" charset="0"/>
+              <a:rPr lang="en-GB" sz="1100" dirty="0">
+                <a:latin typeface="Droid Sans" panose="020B0606030804020204" pitchFamily="34" charset="0"/>
+                <a:ea typeface="Droid Sans" panose="020B0606030804020204" pitchFamily="34" charset="0"/>
+                <a:cs typeface="Droid Sans" panose="020B0606030804020204" pitchFamily="34" charset="0"/>
               </a:rPr>
               <a:t> ({</a:t>
             </a:r>
             <a:r>
-              <a:rPr lang="en-GB" sz="1000" dirty="0" err="1" smtClean="0">
-                <a:latin typeface="Lucida Console" panose="020B0609040504020204" pitchFamily="49" charset="0"/>
+              <a:rPr lang="en-GB" sz="1100" dirty="0" err="1">
+                <a:latin typeface="Droid Sans" panose="020B0606030804020204" pitchFamily="34" charset="0"/>
+                <a:ea typeface="Droid Sans" panose="020B0606030804020204" pitchFamily="34" charset="0"/>
+                <a:cs typeface="Droid Sans" panose="020B0606030804020204" pitchFamily="34" charset="0"/>
               </a:rPr>
               <a:t>customerID</a:t>
             </a:r>
             <a:r>
-              <a:rPr lang="en-GB" sz="1000" dirty="0" smtClean="0">
-                <a:latin typeface="Lucida Console" panose="020B0609040504020204" pitchFamily="49" charset="0"/>
-              </a:rPr>
-              <a:t> </a:t>
-            </a:r>
-            <a:r>
-              <a:rPr lang="en-GB" sz="1000" dirty="0">
-                <a:latin typeface="Lucida Console" panose="020B0609040504020204" pitchFamily="49" charset="0"/>
-              </a:rPr>
-              <a:t>: </a:t>
-            </a:r>
-            <a:r>
-              <a:rPr lang="en-GB" sz="1000" dirty="0" smtClean="0">
-                <a:latin typeface="Lucida Console" panose="020B0609040504020204" pitchFamily="49" charset="0"/>
-              </a:rPr>
-              <a:t>800002, </a:t>
-            </a:r>
-            <a:endParaRPr lang="en-GB" sz="1000" dirty="0">
-              <a:latin typeface="Lucida Console" panose="020B0609040504020204" pitchFamily="49" charset="0"/>
-            </a:endParaRPr>
-          </a:p>
-          <a:p>
-            <a:r>
-              <a:rPr lang="en-GB" sz="1000" dirty="0">
-                <a:latin typeface="Lucida Console" panose="020B0609040504020204" pitchFamily="49" charset="0"/>
+              <a:rPr lang="en-GB" sz="1100" dirty="0">
+                <a:latin typeface="Droid Sans" panose="020B0606030804020204" pitchFamily="34" charset="0"/>
+                <a:ea typeface="Droid Sans" panose="020B0606030804020204" pitchFamily="34" charset="0"/>
+                <a:cs typeface="Droid Sans" panose="020B0606030804020204" pitchFamily="34" charset="0"/>
+              </a:rPr>
+              <a:t> : 800002, </a:t>
+            </a:r>
+          </a:p>
+          <a:p>
+            <a:pPr lvl="1"/>
+            <a:r>
+              <a:rPr lang="en-GB" sz="1100" dirty="0" err="1">
+                <a:latin typeface="Droid Sans" panose="020B0606030804020204" pitchFamily="34" charset="0"/>
+                <a:ea typeface="Droid Sans" panose="020B0606030804020204" pitchFamily="34" charset="0"/>
+                <a:cs typeface="Droid Sans" panose="020B0606030804020204" pitchFamily="34" charset="0"/>
+              </a:rPr>
+              <a:t>customerName</a:t>
+            </a:r>
+            <a:r>
+              <a:rPr lang="en-GB" sz="1100" dirty="0">
+                <a:latin typeface="Droid Sans" panose="020B0606030804020204" pitchFamily="34" charset="0"/>
+                <a:ea typeface="Droid Sans" panose="020B0606030804020204" pitchFamily="34" charset="0"/>
+                <a:cs typeface="Droid Sans" panose="020B0606030804020204" pitchFamily="34" charset="0"/>
+              </a:rPr>
+              <a:t> : "Oliver </a:t>
+            </a:r>
+            <a:r>
+              <a:rPr lang="en-GB" sz="1100" dirty="0" err="1">
+                <a:latin typeface="Droid Sans" panose="020B0606030804020204" pitchFamily="34" charset="0"/>
+                <a:ea typeface="Droid Sans" panose="020B0606030804020204" pitchFamily="34" charset="0"/>
+                <a:cs typeface="Droid Sans" panose="020B0606030804020204" pitchFamily="34" charset="0"/>
+              </a:rPr>
+              <a:t>Heald</a:t>
+            </a:r>
+            <a:r>
+              <a:rPr lang="en-GB" sz="1100" dirty="0">
+                <a:latin typeface="Droid Sans" panose="020B0606030804020204" pitchFamily="34" charset="0"/>
+                <a:ea typeface="Droid Sans" panose="020B0606030804020204" pitchFamily="34" charset="0"/>
+                <a:cs typeface="Droid Sans" panose="020B0606030804020204" pitchFamily="34" charset="0"/>
+              </a:rPr>
+              <a:t>", </a:t>
+            </a:r>
+          </a:p>
+          <a:p>
+            <a:r>
+              <a:rPr lang="en-GB" sz="1100" dirty="0">
+                <a:latin typeface="Droid Sans" panose="020B0606030804020204" pitchFamily="34" charset="0"/>
+                <a:ea typeface="Droid Sans" panose="020B0606030804020204" pitchFamily="34" charset="0"/>
+                <a:cs typeface="Droid Sans" panose="020B0606030804020204" pitchFamily="34" charset="0"/>
+              </a:rPr>
+              <a:t>	</a:t>
+            </a:r>
+            <a:r>
+              <a:rPr lang="en-GB" sz="1100" dirty="0" err="1">
+                <a:latin typeface="Droid Sans" panose="020B0606030804020204" pitchFamily="34" charset="0"/>
+                <a:ea typeface="Droid Sans" panose="020B0606030804020204" pitchFamily="34" charset="0"/>
+                <a:cs typeface="Droid Sans" panose="020B0606030804020204" pitchFamily="34" charset="0"/>
+              </a:rPr>
+              <a:t>customerDateOfBirth</a:t>
+            </a:r>
+            <a:r>
+              <a:rPr lang="en-GB" sz="1100" dirty="0">
+                <a:latin typeface="Droid Sans" panose="020B0606030804020204" pitchFamily="34" charset="0"/>
+                <a:ea typeface="Droid Sans" panose="020B0606030804020204" pitchFamily="34" charset="0"/>
+                <a:cs typeface="Droid Sans" panose="020B0606030804020204" pitchFamily="34" charset="0"/>
+              </a:rPr>
+              <a:t> : new Date (1940, 02, 18), </a:t>
+            </a:r>
+          </a:p>
+          <a:p>
+            <a:r>
+              <a:rPr lang="en-GB" sz="1100" dirty="0">
+                <a:latin typeface="Droid Sans" panose="020B0606030804020204" pitchFamily="34" charset="0"/>
+                <a:ea typeface="Droid Sans" panose="020B0606030804020204" pitchFamily="34" charset="0"/>
+                <a:cs typeface="Droid Sans" panose="020B0606030804020204" pitchFamily="34" charset="0"/>
+              </a:rPr>
+              <a:t>	</a:t>
+            </a:r>
+            <a:r>
+              <a:rPr lang="en-GB" sz="1100" dirty="0" err="1">
+                <a:latin typeface="Droid Sans" panose="020B0606030804020204" pitchFamily="34" charset="0"/>
+                <a:ea typeface="Droid Sans" panose="020B0606030804020204" pitchFamily="34" charset="0"/>
+                <a:cs typeface="Droid Sans" panose="020B0606030804020204" pitchFamily="34" charset="0"/>
+              </a:rPr>
+              <a:t>customerEmail</a:t>
+            </a:r>
+            <a:r>
+              <a:rPr lang="en-GB" sz="1100" dirty="0">
+                <a:latin typeface="Droid Sans" panose="020B0606030804020204" pitchFamily="34" charset="0"/>
+                <a:ea typeface="Droid Sans" panose="020B0606030804020204" pitchFamily="34" charset="0"/>
+                <a:cs typeface="Droid Sans" panose="020B0606030804020204" pitchFamily="34" charset="0"/>
+              </a:rPr>
+              <a:t> : "heald@email.com", </a:t>
+            </a:r>
+          </a:p>
+          <a:p>
+            <a:r>
+              <a:rPr lang="en-GB" sz="1100" dirty="0">
+                <a:latin typeface="Droid Sans" panose="020B0606030804020204" pitchFamily="34" charset="0"/>
+                <a:ea typeface="Droid Sans" panose="020B0606030804020204" pitchFamily="34" charset="0"/>
+                <a:cs typeface="Droid Sans" panose="020B0606030804020204" pitchFamily="34" charset="0"/>
+              </a:rPr>
+              <a:t>	</a:t>
+            </a:r>
+            <a:r>
+              <a:rPr lang="en-GB" sz="1100" dirty="0" err="1">
+                <a:latin typeface="Droid Sans" panose="020B0606030804020204" pitchFamily="34" charset="0"/>
+                <a:ea typeface="Droid Sans" panose="020B0606030804020204" pitchFamily="34" charset="0"/>
+                <a:cs typeface="Droid Sans" panose="020B0606030804020204" pitchFamily="34" charset="0"/>
+              </a:rPr>
+              <a:t>customerPhone</a:t>
+            </a:r>
+            <a:r>
+              <a:rPr lang="en-GB" sz="1100" dirty="0">
+                <a:latin typeface="Droid Sans" panose="020B0606030804020204" pitchFamily="34" charset="0"/>
+                <a:ea typeface="Droid Sans" panose="020B0606030804020204" pitchFamily="34" charset="0"/>
+                <a:cs typeface="Droid Sans" panose="020B0606030804020204" pitchFamily="34" charset="0"/>
+              </a:rPr>
+              <a:t> : 4454370987976, </a:t>
+            </a:r>
+          </a:p>
+          <a:p>
+            <a:r>
+              <a:rPr lang="en-GB" sz="1100" dirty="0">
+                <a:latin typeface="Droid Sans" panose="020B0606030804020204" pitchFamily="34" charset="0"/>
+                <a:ea typeface="Droid Sans" panose="020B0606030804020204" pitchFamily="34" charset="0"/>
+                <a:cs typeface="Droid Sans" panose="020B0606030804020204" pitchFamily="34" charset="0"/>
+              </a:rPr>
+              <a:t>	</a:t>
+            </a:r>
+            <a:r>
+              <a:rPr lang="en-GB" sz="1100" dirty="0" err="1">
+                <a:latin typeface="Droid Sans" panose="020B0606030804020204" pitchFamily="34" charset="0"/>
+                <a:ea typeface="Droid Sans" panose="020B0606030804020204" pitchFamily="34" charset="0"/>
+                <a:cs typeface="Droid Sans" panose="020B0606030804020204" pitchFamily="34" charset="0"/>
+              </a:rPr>
+              <a:t>customerStatus</a:t>
+            </a:r>
+            <a:r>
+              <a:rPr lang="en-GB" sz="1100" dirty="0">
+                <a:latin typeface="Droid Sans" panose="020B0606030804020204" pitchFamily="34" charset="0"/>
+                <a:ea typeface="Droid Sans" panose="020B0606030804020204" pitchFamily="34" charset="0"/>
+                <a:cs typeface="Droid Sans" panose="020B0606030804020204" pitchFamily="34" charset="0"/>
+              </a:rPr>
+              <a:t> : "hold",</a:t>
+            </a:r>
+          </a:p>
+          <a:p>
+            <a:r>
+              <a:rPr lang="en-GB" sz="1100" dirty="0">
+                <a:latin typeface="Droid Sans" panose="020B0606030804020204" pitchFamily="34" charset="0"/>
+                <a:ea typeface="Droid Sans" panose="020B0606030804020204" pitchFamily="34" charset="0"/>
+                <a:cs typeface="Droid Sans" panose="020B0606030804020204" pitchFamily="34" charset="0"/>
+              </a:rPr>
+              <a:t>	</a:t>
+            </a:r>
+            <a:r>
+              <a:rPr lang="en-GB" sz="1100" dirty="0" err="1">
+                <a:latin typeface="Droid Sans" panose="020B0606030804020204" pitchFamily="34" charset="0"/>
+                <a:ea typeface="Droid Sans" panose="020B0606030804020204" pitchFamily="34" charset="0"/>
+                <a:cs typeface="Droid Sans" panose="020B0606030804020204" pitchFamily="34" charset="0"/>
+              </a:rPr>
+              <a:t>customerCard</a:t>
+            </a:r>
+            <a:r>
+              <a:rPr lang="en-GB" sz="1100" dirty="0">
+                <a:latin typeface="Droid Sans" panose="020B0606030804020204" pitchFamily="34" charset="0"/>
+                <a:ea typeface="Droid Sans" panose="020B0606030804020204" pitchFamily="34" charset="0"/>
+                <a:cs typeface="Droid Sans" panose="020B0606030804020204" pitchFamily="34" charset="0"/>
+              </a:rPr>
+              <a:t> : {</a:t>
+            </a:r>
+            <a:r>
+              <a:rPr lang="en-GB" sz="1100" dirty="0" err="1">
+                <a:latin typeface="Droid Sans" panose="020B0606030804020204" pitchFamily="34" charset="0"/>
+                <a:ea typeface="Droid Sans" panose="020B0606030804020204" pitchFamily="34" charset="0"/>
+                <a:cs typeface="Droid Sans" panose="020B0606030804020204" pitchFamily="34" charset="0"/>
+              </a:rPr>
+              <a:t>cardNumber</a:t>
+            </a:r>
+            <a:r>
+              <a:rPr lang="en-GB" sz="1100" dirty="0">
+                <a:latin typeface="Droid Sans" panose="020B0606030804020204" pitchFamily="34" charset="0"/>
+                <a:ea typeface="Droid Sans" panose="020B0606030804020204" pitchFamily="34" charset="0"/>
+                <a:cs typeface="Droid Sans" panose="020B0606030804020204" pitchFamily="34" charset="0"/>
+              </a:rPr>
+              <a:t> : 2345678901234567,</a:t>
+            </a:r>
+          </a:p>
+          <a:p>
+            <a:r>
+              <a:rPr lang="en-GB" sz="1100" dirty="0">
+                <a:latin typeface="Droid Sans" panose="020B0606030804020204" pitchFamily="34" charset="0"/>
+                <a:ea typeface="Droid Sans" panose="020B0606030804020204" pitchFamily="34" charset="0"/>
+                <a:cs typeface="Droid Sans" panose="020B0606030804020204" pitchFamily="34" charset="0"/>
+              </a:rPr>
+              <a:t>			   </a:t>
+            </a:r>
+            <a:r>
+              <a:rPr lang="en-GB" sz="1100" dirty="0" err="1">
+                <a:latin typeface="Droid Sans" panose="020B0606030804020204" pitchFamily="34" charset="0"/>
+                <a:ea typeface="Droid Sans" panose="020B0606030804020204" pitchFamily="34" charset="0"/>
+                <a:cs typeface="Droid Sans" panose="020B0606030804020204" pitchFamily="34" charset="0"/>
+              </a:rPr>
+              <a:t>cardExpiry</a:t>
+            </a:r>
+            <a:r>
+              <a:rPr lang="en-GB" sz="1100" dirty="0">
+                <a:latin typeface="Droid Sans" panose="020B0606030804020204" pitchFamily="34" charset="0"/>
+                <a:ea typeface="Droid Sans" panose="020B0606030804020204" pitchFamily="34" charset="0"/>
+                <a:cs typeface="Droid Sans" panose="020B0606030804020204" pitchFamily="34" charset="0"/>
+              </a:rPr>
+              <a:t> : "05/17",</a:t>
+            </a:r>
+          </a:p>
+          <a:p>
+            <a:r>
+              <a:rPr lang="en-GB" sz="1100" dirty="0">
+                <a:latin typeface="Droid Sans" panose="020B0606030804020204" pitchFamily="34" charset="0"/>
+                <a:ea typeface="Droid Sans" panose="020B0606030804020204" pitchFamily="34" charset="0"/>
+                <a:cs typeface="Droid Sans" panose="020B0606030804020204" pitchFamily="34" charset="0"/>
+              </a:rPr>
+              <a:t>			   </a:t>
+            </a:r>
+            <a:r>
+              <a:rPr lang="en-GB" sz="1100" dirty="0" err="1">
+                <a:latin typeface="Droid Sans" panose="020B0606030804020204" pitchFamily="34" charset="0"/>
+                <a:ea typeface="Droid Sans" panose="020B0606030804020204" pitchFamily="34" charset="0"/>
+                <a:cs typeface="Droid Sans" panose="020B0606030804020204" pitchFamily="34" charset="0"/>
+              </a:rPr>
+              <a:t>cardSecurity</a:t>
+            </a:r>
+            <a:r>
+              <a:rPr lang="en-GB" sz="1100" dirty="0">
+                <a:latin typeface="Droid Sans" panose="020B0606030804020204" pitchFamily="34" charset="0"/>
+                <a:ea typeface="Droid Sans" panose="020B0606030804020204" pitchFamily="34" charset="0"/>
+                <a:cs typeface="Droid Sans" panose="020B0606030804020204" pitchFamily="34" charset="0"/>
+              </a:rPr>
+              <a:t> : 234,</a:t>
+            </a:r>
+          </a:p>
+          <a:p>
+            <a:r>
+              <a:rPr lang="en-GB" sz="1100" dirty="0">
+                <a:latin typeface="Droid Sans" panose="020B0606030804020204" pitchFamily="34" charset="0"/>
+                <a:ea typeface="Droid Sans" panose="020B0606030804020204" pitchFamily="34" charset="0"/>
+                <a:cs typeface="Droid Sans" panose="020B0606030804020204" pitchFamily="34" charset="0"/>
+              </a:rPr>
+              <a:t>			   </a:t>
+            </a:r>
+            <a:r>
+              <a:rPr lang="en-GB" sz="1100" dirty="0" err="1">
+                <a:latin typeface="Droid Sans" panose="020B0606030804020204" pitchFamily="34" charset="0"/>
+                <a:ea typeface="Droid Sans" panose="020B0606030804020204" pitchFamily="34" charset="0"/>
+                <a:cs typeface="Droid Sans" panose="020B0606030804020204" pitchFamily="34" charset="0"/>
+              </a:rPr>
+              <a:t>cardBillingID</a:t>
+            </a:r>
+            <a:r>
+              <a:rPr lang="en-GB" sz="1100" dirty="0">
+                <a:latin typeface="Droid Sans" panose="020B0606030804020204" pitchFamily="34" charset="0"/>
+                <a:ea typeface="Droid Sans" panose="020B0606030804020204" pitchFamily="34" charset="0"/>
+                <a:cs typeface="Droid Sans" panose="020B0606030804020204" pitchFamily="34" charset="0"/>
+              </a:rPr>
+              <a:t> : 810002 }})</a:t>
+            </a:r>
+          </a:p>
+          <a:p>
+            <a:r>
+              <a:rPr lang="en-GB" sz="1100" dirty="0">
+                <a:latin typeface="Droid Sans" panose="020B0606030804020204" pitchFamily="34" charset="0"/>
+                <a:ea typeface="Droid Sans" panose="020B0606030804020204" pitchFamily="34" charset="0"/>
+                <a:cs typeface="Droid Sans" panose="020B0606030804020204" pitchFamily="34" charset="0"/>
               </a:rPr>
               <a:t>    </a:t>
             </a:r>
             <a:r>
-              <a:rPr lang="en-GB" sz="1000" dirty="0" err="1">
-                <a:latin typeface="Lucida Console" panose="020B0609040504020204" pitchFamily="49" charset="0"/>
-              </a:rPr>
-              <a:t>customerName</a:t>
-            </a:r>
-            <a:r>
-              <a:rPr lang="en-GB" sz="1000" dirty="0">
-                <a:latin typeface="Lucida Console" panose="020B0609040504020204" pitchFamily="49" charset="0"/>
-              </a:rPr>
-              <a:t> : </a:t>
-            </a:r>
-            <a:r>
-              <a:rPr lang="en-GB" sz="1000" dirty="0" smtClean="0">
-                <a:latin typeface="Lucida Console" panose="020B0609040504020204" pitchFamily="49" charset="0"/>
-              </a:rPr>
-              <a:t>"</a:t>
-            </a:r>
-            <a:r>
-              <a:rPr lang="en-GB" sz="1000" dirty="0">
-                <a:latin typeface="Lucida Console" panose="020B0609040504020204" pitchFamily="49" charset="0"/>
-              </a:rPr>
-              <a:t>Oliver </a:t>
-            </a:r>
-            <a:r>
-              <a:rPr lang="en-GB" sz="1000" dirty="0" err="1">
-                <a:latin typeface="Lucida Console" panose="020B0609040504020204" pitchFamily="49" charset="0"/>
-              </a:rPr>
-              <a:t>Heald</a:t>
-            </a:r>
-            <a:r>
-              <a:rPr lang="en-GB" sz="1000" dirty="0" smtClean="0">
-                <a:latin typeface="Lucida Console" panose="020B0609040504020204" pitchFamily="49" charset="0"/>
-              </a:rPr>
-              <a:t>", </a:t>
-            </a:r>
-            <a:endParaRPr lang="en-GB" sz="1000" dirty="0">
-              <a:latin typeface="Lucida Console" panose="020B0609040504020204" pitchFamily="49" charset="0"/>
-            </a:endParaRPr>
-          </a:p>
-          <a:p>
-            <a:r>
-              <a:rPr lang="en-GB" sz="1000" dirty="0">
-                <a:latin typeface="Lucida Console" panose="020B0609040504020204" pitchFamily="49" charset="0"/>
-              </a:rPr>
-              <a:t>    </a:t>
-            </a:r>
-            <a:r>
-              <a:rPr lang="en-GB" sz="1000" dirty="0" err="1">
-                <a:latin typeface="Lucida Console" panose="020B0609040504020204" pitchFamily="49" charset="0"/>
-              </a:rPr>
-              <a:t>customerDateOfBirth</a:t>
-            </a:r>
-            <a:r>
-              <a:rPr lang="en-GB" sz="1000" dirty="0">
-                <a:latin typeface="Lucida Console" panose="020B0609040504020204" pitchFamily="49" charset="0"/>
-              </a:rPr>
-              <a:t> : new Date (1940, 02, 18</a:t>
-            </a:r>
-            <a:r>
-              <a:rPr lang="en-GB" sz="1000" dirty="0" smtClean="0">
-                <a:latin typeface="Lucida Console" panose="020B0609040504020204" pitchFamily="49" charset="0"/>
-              </a:rPr>
-              <a:t>), </a:t>
-            </a:r>
-            <a:endParaRPr lang="en-GB" sz="1000" dirty="0">
-              <a:latin typeface="Lucida Console" panose="020B0609040504020204" pitchFamily="49" charset="0"/>
-            </a:endParaRPr>
-          </a:p>
-          <a:p>
-            <a:r>
-              <a:rPr lang="en-GB" sz="1000" dirty="0">
-                <a:latin typeface="Lucida Console" panose="020B0609040504020204" pitchFamily="49" charset="0"/>
-              </a:rPr>
-              <a:t>    </a:t>
-            </a:r>
-            <a:r>
-              <a:rPr lang="en-GB" sz="1000" dirty="0" err="1">
-                <a:latin typeface="Lucida Console" panose="020B0609040504020204" pitchFamily="49" charset="0"/>
-              </a:rPr>
-              <a:t>customerEmail</a:t>
-            </a:r>
-            <a:r>
-              <a:rPr lang="en-GB" sz="1000" dirty="0">
-                <a:latin typeface="Lucida Console" panose="020B0609040504020204" pitchFamily="49" charset="0"/>
-              </a:rPr>
-              <a:t> : </a:t>
-            </a:r>
-            <a:r>
-              <a:rPr lang="en-GB" sz="1000" dirty="0" smtClean="0">
-                <a:latin typeface="Lucida Console" panose="020B0609040504020204" pitchFamily="49" charset="0"/>
-              </a:rPr>
-              <a:t>"heald@email.com", </a:t>
-            </a:r>
-            <a:endParaRPr lang="en-GB" sz="1000" dirty="0">
-              <a:latin typeface="Lucida Console" panose="020B0609040504020204" pitchFamily="49" charset="0"/>
-            </a:endParaRPr>
-          </a:p>
-          <a:p>
-            <a:r>
-              <a:rPr lang="en-GB" sz="1000" dirty="0">
-                <a:latin typeface="Lucida Console" panose="020B0609040504020204" pitchFamily="49" charset="0"/>
-              </a:rPr>
-              <a:t>    </a:t>
-            </a:r>
-            <a:r>
-              <a:rPr lang="en-GB" sz="1000" dirty="0" err="1">
-                <a:latin typeface="Lucida Console" panose="020B0609040504020204" pitchFamily="49" charset="0"/>
-              </a:rPr>
-              <a:t>customerPhone</a:t>
-            </a:r>
-            <a:r>
-              <a:rPr lang="en-GB" sz="1000" dirty="0">
-                <a:latin typeface="Lucida Console" panose="020B0609040504020204" pitchFamily="49" charset="0"/>
-              </a:rPr>
-              <a:t> : </a:t>
-            </a:r>
-            <a:r>
-              <a:rPr lang="en-GB" sz="1000" dirty="0" smtClean="0">
-                <a:latin typeface="Lucida Console" panose="020B0609040504020204" pitchFamily="49" charset="0"/>
-              </a:rPr>
-              <a:t>4454370987976, </a:t>
-            </a:r>
-            <a:endParaRPr lang="en-GB" sz="1000" dirty="0">
-              <a:latin typeface="Lucida Console" panose="020B0609040504020204" pitchFamily="49" charset="0"/>
-            </a:endParaRPr>
-          </a:p>
-          <a:p>
-            <a:r>
-              <a:rPr lang="en-GB" sz="1000" dirty="0">
-                <a:latin typeface="Lucida Console" panose="020B0609040504020204" pitchFamily="49" charset="0"/>
-              </a:rPr>
-              <a:t>    </a:t>
-            </a:r>
-            <a:r>
-              <a:rPr lang="en-GB" sz="1000" dirty="0" err="1">
-                <a:latin typeface="Lucida Console" panose="020B0609040504020204" pitchFamily="49" charset="0"/>
-              </a:rPr>
-              <a:t>customerStatus</a:t>
-            </a:r>
-            <a:r>
-              <a:rPr lang="en-GB" sz="1000" dirty="0">
-                <a:latin typeface="Lucida Console" panose="020B0609040504020204" pitchFamily="49" charset="0"/>
-              </a:rPr>
-              <a:t> : </a:t>
-            </a:r>
-            <a:r>
-              <a:rPr lang="en-GB" sz="1000" dirty="0" smtClean="0">
-                <a:latin typeface="Lucida Console" panose="020B0609040504020204" pitchFamily="49" charset="0"/>
-              </a:rPr>
-              <a:t>"</a:t>
-            </a:r>
-            <a:r>
-              <a:rPr lang="en-GB" sz="1000" dirty="0">
-                <a:latin typeface="Lucida Console" panose="020B0609040504020204" pitchFamily="49" charset="0"/>
-              </a:rPr>
-              <a:t>hold</a:t>
-            </a:r>
-            <a:r>
-              <a:rPr lang="en-GB" sz="1000" dirty="0" smtClean="0">
-                <a:latin typeface="Lucida Console" panose="020B0609040504020204" pitchFamily="49" charset="0"/>
-              </a:rPr>
-              <a:t>",</a:t>
-            </a:r>
-            <a:endParaRPr lang="en-GB" sz="1000" dirty="0">
-              <a:latin typeface="Lucida Console" panose="020B0609040504020204" pitchFamily="49" charset="0"/>
-            </a:endParaRPr>
-          </a:p>
-          <a:p>
-            <a:r>
-              <a:rPr lang="en-GB" sz="1000" dirty="0">
-                <a:latin typeface="Lucida Console" panose="020B0609040504020204" pitchFamily="49" charset="0"/>
-              </a:rPr>
-              <a:t>    </a:t>
-            </a:r>
-            <a:r>
-              <a:rPr lang="en-GB" sz="1000" dirty="0" err="1">
-                <a:latin typeface="Lucida Console" panose="020B0609040504020204" pitchFamily="49" charset="0"/>
-              </a:rPr>
-              <a:t>customerCard</a:t>
-            </a:r>
-            <a:r>
-              <a:rPr lang="en-GB" sz="1000" dirty="0">
-                <a:latin typeface="Lucida Console" panose="020B0609040504020204" pitchFamily="49" charset="0"/>
-              </a:rPr>
-              <a:t> : </a:t>
-            </a:r>
-            <a:r>
-              <a:rPr lang="en-GB" sz="1000" dirty="0" smtClean="0">
-                <a:latin typeface="Lucida Console" panose="020B0609040504020204" pitchFamily="49" charset="0"/>
-              </a:rPr>
-              <a:t>{</a:t>
-            </a:r>
-            <a:r>
-              <a:rPr lang="en-GB" sz="1000" dirty="0" err="1" smtClean="0">
-                <a:latin typeface="Lucida Console" panose="020B0609040504020204" pitchFamily="49" charset="0"/>
-              </a:rPr>
-              <a:t>cardNumber</a:t>
-            </a:r>
-            <a:r>
-              <a:rPr lang="en-GB" sz="1000" dirty="0" smtClean="0">
-                <a:latin typeface="Lucida Console" panose="020B0609040504020204" pitchFamily="49" charset="0"/>
-              </a:rPr>
-              <a:t> </a:t>
-            </a:r>
-            <a:r>
-              <a:rPr lang="en-GB" sz="1000" dirty="0">
-                <a:latin typeface="Lucida Console" panose="020B0609040504020204" pitchFamily="49" charset="0"/>
-              </a:rPr>
-              <a:t>: </a:t>
-            </a:r>
-            <a:r>
-              <a:rPr lang="en-GB" sz="1000" dirty="0" smtClean="0">
-                <a:latin typeface="Lucida Console" panose="020B0609040504020204" pitchFamily="49" charset="0"/>
-              </a:rPr>
-              <a:t>2345678901234567, </a:t>
-            </a:r>
-            <a:r>
-              <a:rPr lang="en-GB" sz="1000" dirty="0" err="1">
-                <a:latin typeface="Lucida Console" panose="020B0609040504020204" pitchFamily="49" charset="0"/>
-              </a:rPr>
-              <a:t>cardExpiry</a:t>
-            </a:r>
-            <a:r>
-              <a:rPr lang="en-GB" sz="1000" dirty="0">
-                <a:latin typeface="Lucida Console" panose="020B0609040504020204" pitchFamily="49" charset="0"/>
-              </a:rPr>
-              <a:t> : "05/17</a:t>
-            </a:r>
-            <a:r>
-              <a:rPr lang="en-GB" sz="1000" dirty="0" smtClean="0">
-                <a:latin typeface="Lucida Console" panose="020B0609040504020204" pitchFamily="49" charset="0"/>
-              </a:rPr>
-              <a:t>", </a:t>
-            </a:r>
-            <a:r>
-              <a:rPr lang="en-GB" sz="1000" dirty="0" err="1">
-                <a:latin typeface="Lucida Console" panose="020B0609040504020204" pitchFamily="49" charset="0"/>
-              </a:rPr>
-              <a:t>cardSecurity</a:t>
-            </a:r>
-            <a:r>
-              <a:rPr lang="en-GB" sz="1000" dirty="0">
-                <a:latin typeface="Lucida Console" panose="020B0609040504020204" pitchFamily="49" charset="0"/>
-              </a:rPr>
-              <a:t> : </a:t>
-            </a:r>
-            <a:r>
-              <a:rPr lang="en-GB" sz="1000" dirty="0" smtClean="0">
-                <a:latin typeface="Lucida Console" panose="020B0609040504020204" pitchFamily="49" charset="0"/>
-              </a:rPr>
-              <a:t>234, </a:t>
-            </a:r>
-            <a:r>
-              <a:rPr lang="en-GB" sz="1000" dirty="0" err="1">
-                <a:latin typeface="Lucida Console" panose="020B0609040504020204" pitchFamily="49" charset="0"/>
-              </a:rPr>
-              <a:t>cardBillingID</a:t>
-            </a:r>
-            <a:r>
-              <a:rPr lang="en-GB" sz="1000" dirty="0">
-                <a:latin typeface="Lucida Console" panose="020B0609040504020204" pitchFamily="49" charset="0"/>
-              </a:rPr>
-              <a:t>: 810002 </a:t>
-            </a:r>
-            <a:r>
-              <a:rPr lang="en-GB" sz="1000" dirty="0" smtClean="0">
-                <a:latin typeface="Lucida Console" panose="020B0609040504020204" pitchFamily="49" charset="0"/>
-              </a:rPr>
-              <a:t>}})</a:t>
-            </a:r>
-            <a:endParaRPr lang="en-GB" sz="1000" dirty="0">
-              <a:latin typeface="Lucida Console" panose="020B0609040504020204" pitchFamily="49" charset="0"/>
-            </a:endParaRPr>
-          </a:p>
-          <a:p>
-            <a:r>
-              <a:rPr lang="en-GB" sz="1000" dirty="0">
-                <a:latin typeface="Lucida Console" panose="020B0609040504020204" pitchFamily="49" charset="0"/>
-              </a:rPr>
-              <a:t>    </a:t>
-            </a:r>
-            <a:r>
-              <a:rPr lang="en-GB" sz="1000" dirty="0" err="1">
+              <a:rPr lang="en-GB" sz="1100" dirty="0" err="1">
                 <a:solidFill>
                   <a:srgbClr val="FF0066"/>
                 </a:solidFill>
-                <a:latin typeface="Lucida Console" panose="020B0609040504020204" pitchFamily="49" charset="0"/>
+                <a:latin typeface="Droid Sans" panose="020B0606030804020204" pitchFamily="34" charset="0"/>
+                <a:ea typeface="Droid Sans" panose="020B0606030804020204" pitchFamily="34" charset="0"/>
+                <a:cs typeface="Droid Sans" panose="020B0606030804020204" pitchFamily="34" charset="0"/>
               </a:rPr>
               <a:t>customerAddress</a:t>
             </a:r>
             <a:r>
-              <a:rPr lang="en-GB" sz="1000" dirty="0">
-                <a:latin typeface="Lucida Console" panose="020B0609040504020204" pitchFamily="49" charset="0"/>
-              </a:rPr>
-              <a:t> </a:t>
-            </a:r>
-            <a:r>
-              <a:rPr lang="en-GB" sz="1000" dirty="0" smtClean="0">
-                <a:latin typeface="Lucida Console" panose="020B0609040504020204" pitchFamily="49" charset="0"/>
-              </a:rPr>
-              <a:t>[{</a:t>
-            </a:r>
-            <a:r>
-              <a:rPr lang="en-GB" sz="1000" dirty="0" err="1" smtClean="0">
-                <a:latin typeface="Lucida Console" panose="020B0609040504020204" pitchFamily="49" charset="0"/>
+              <a:rPr lang="en-GB" sz="1100" dirty="0">
+                <a:latin typeface="Droid Sans" panose="020B0606030804020204" pitchFamily="34" charset="0"/>
+                <a:ea typeface="Droid Sans" panose="020B0606030804020204" pitchFamily="34" charset="0"/>
+                <a:cs typeface="Droid Sans" panose="020B0606030804020204" pitchFamily="34" charset="0"/>
+              </a:rPr>
+              <a:t> [{</a:t>
+            </a:r>
+            <a:r>
+              <a:rPr lang="en-GB" sz="1100" dirty="0" err="1">
+                <a:latin typeface="Droid Sans" panose="020B0606030804020204" pitchFamily="34" charset="0"/>
+                <a:ea typeface="Droid Sans" panose="020B0606030804020204" pitchFamily="34" charset="0"/>
+                <a:cs typeface="Droid Sans" panose="020B0606030804020204" pitchFamily="34" charset="0"/>
               </a:rPr>
               <a:t>addressID</a:t>
             </a:r>
             <a:r>
-              <a:rPr lang="en-GB" sz="1000" dirty="0" smtClean="0">
-                <a:latin typeface="Lucida Console" panose="020B0609040504020204" pitchFamily="49" charset="0"/>
-              </a:rPr>
-              <a:t> </a:t>
-            </a:r>
-            <a:r>
-              <a:rPr lang="en-GB" sz="1000" dirty="0">
-                <a:latin typeface="Lucida Console" panose="020B0609040504020204" pitchFamily="49" charset="0"/>
-              </a:rPr>
-              <a:t>: </a:t>
-            </a:r>
-            <a:r>
-              <a:rPr lang="en-GB" sz="1000" dirty="0" smtClean="0">
-                <a:latin typeface="Lucida Console" panose="020B0609040504020204" pitchFamily="49" charset="0"/>
-              </a:rPr>
-              <a:t>810002, </a:t>
-            </a:r>
-            <a:r>
-              <a:rPr lang="en-GB" sz="1000" dirty="0" err="1">
-                <a:latin typeface="Lucida Console" panose="020B0609040504020204" pitchFamily="49" charset="0"/>
+              <a:rPr lang="en-GB" sz="1100" dirty="0">
+                <a:latin typeface="Droid Sans" panose="020B0606030804020204" pitchFamily="34" charset="0"/>
+                <a:ea typeface="Droid Sans" panose="020B0606030804020204" pitchFamily="34" charset="0"/>
+                <a:cs typeface="Droid Sans" panose="020B0606030804020204" pitchFamily="34" charset="0"/>
+              </a:rPr>
+              <a:t> : 810002,</a:t>
+            </a:r>
+          </a:p>
+          <a:p>
+            <a:r>
+              <a:rPr lang="en-GB" sz="1100" dirty="0">
+                <a:latin typeface="Droid Sans" panose="020B0606030804020204" pitchFamily="34" charset="0"/>
+                <a:ea typeface="Droid Sans" panose="020B0606030804020204" pitchFamily="34" charset="0"/>
+                <a:cs typeface="Droid Sans" panose="020B0606030804020204" pitchFamily="34" charset="0"/>
+              </a:rPr>
+              <a:t>			</a:t>
+            </a:r>
+            <a:r>
+              <a:rPr lang="en-GB" sz="1100" dirty="0" err="1">
+                <a:latin typeface="Droid Sans" panose="020B0606030804020204" pitchFamily="34" charset="0"/>
+                <a:ea typeface="Droid Sans" panose="020B0606030804020204" pitchFamily="34" charset="0"/>
+                <a:cs typeface="Droid Sans" panose="020B0606030804020204" pitchFamily="34" charset="0"/>
               </a:rPr>
               <a:t>addressHouse</a:t>
             </a:r>
             <a:r>
-              <a:rPr lang="en-GB" sz="1000" dirty="0">
-                <a:latin typeface="Lucida Console" panose="020B0609040504020204" pitchFamily="49" charset="0"/>
-              </a:rPr>
-              <a:t> : "11</a:t>
-            </a:r>
-            <a:r>
-              <a:rPr lang="en-GB" sz="1000" dirty="0" smtClean="0">
-                <a:latin typeface="Lucida Console" panose="020B0609040504020204" pitchFamily="49" charset="0"/>
-              </a:rPr>
-              <a:t>", </a:t>
-            </a:r>
-            <a:r>
-              <a:rPr lang="en-GB" sz="1000" dirty="0" err="1">
-                <a:latin typeface="Lucida Console" panose="020B0609040504020204" pitchFamily="49" charset="0"/>
+              <a:rPr lang="en-GB" sz="1100" dirty="0">
+                <a:latin typeface="Droid Sans" panose="020B0606030804020204" pitchFamily="34" charset="0"/>
+                <a:ea typeface="Droid Sans" panose="020B0606030804020204" pitchFamily="34" charset="0"/>
+                <a:cs typeface="Droid Sans" panose="020B0606030804020204" pitchFamily="34" charset="0"/>
+              </a:rPr>
+              <a:t> : "11",</a:t>
+            </a:r>
+          </a:p>
+          <a:p>
+            <a:r>
+              <a:rPr lang="en-GB" sz="1100" dirty="0">
+                <a:latin typeface="Droid Sans" panose="020B0606030804020204" pitchFamily="34" charset="0"/>
+                <a:ea typeface="Droid Sans" panose="020B0606030804020204" pitchFamily="34" charset="0"/>
+                <a:cs typeface="Droid Sans" panose="020B0606030804020204" pitchFamily="34" charset="0"/>
+              </a:rPr>
+              <a:t>			</a:t>
+            </a:r>
+            <a:r>
+              <a:rPr lang="en-GB" sz="1100" dirty="0" err="1">
+                <a:latin typeface="Droid Sans" panose="020B0606030804020204" pitchFamily="34" charset="0"/>
+                <a:ea typeface="Droid Sans" panose="020B0606030804020204" pitchFamily="34" charset="0"/>
+                <a:cs typeface="Droid Sans" panose="020B0606030804020204" pitchFamily="34" charset="0"/>
               </a:rPr>
               <a:t>addressStreet</a:t>
             </a:r>
             <a:r>
-              <a:rPr lang="en-GB" sz="1000" dirty="0">
-                <a:latin typeface="Lucida Console" panose="020B0609040504020204" pitchFamily="49" charset="0"/>
-              </a:rPr>
-              <a:t> : "Street" </a:t>
-            </a:r>
-            <a:r>
-              <a:rPr lang="en-GB" sz="1000" dirty="0" smtClean="0">
-                <a:latin typeface="Lucida Console" panose="020B0609040504020204" pitchFamily="49" charset="0"/>
-              </a:rPr>
-              <a:t>,</a:t>
-            </a:r>
-          </a:p>
-          <a:p>
-            <a:r>
-              <a:rPr lang="en-GB" sz="1000" dirty="0">
-                <a:latin typeface="Lucida Console" panose="020B0609040504020204" pitchFamily="49" charset="0"/>
-              </a:rPr>
-              <a:t>	</a:t>
-            </a:r>
-            <a:r>
-              <a:rPr lang="en-GB" sz="1000" dirty="0" smtClean="0">
-                <a:latin typeface="Lucida Console" panose="020B0609040504020204" pitchFamily="49" charset="0"/>
-              </a:rPr>
-              <a:t>		    </a:t>
-            </a:r>
-            <a:r>
-              <a:rPr lang="en-GB" sz="1000" dirty="0" err="1" smtClean="0">
-                <a:latin typeface="Lucida Console" panose="020B0609040504020204" pitchFamily="49" charset="0"/>
+              <a:rPr lang="en-GB" sz="1100" dirty="0">
+                <a:latin typeface="Droid Sans" panose="020B0606030804020204" pitchFamily="34" charset="0"/>
+                <a:ea typeface="Droid Sans" panose="020B0606030804020204" pitchFamily="34" charset="0"/>
+                <a:cs typeface="Droid Sans" panose="020B0606030804020204" pitchFamily="34" charset="0"/>
+              </a:rPr>
+              <a:t> : "Street" ,</a:t>
+            </a:r>
+          </a:p>
+          <a:p>
+            <a:r>
+              <a:rPr lang="en-GB" sz="1100" dirty="0">
+                <a:latin typeface="Droid Sans" panose="020B0606030804020204" pitchFamily="34" charset="0"/>
+                <a:ea typeface="Droid Sans" panose="020B0606030804020204" pitchFamily="34" charset="0"/>
+                <a:cs typeface="Droid Sans" panose="020B0606030804020204" pitchFamily="34" charset="0"/>
+              </a:rPr>
+              <a:t>			</a:t>
+            </a:r>
+            <a:r>
+              <a:rPr lang="en-GB" sz="1100" dirty="0" err="1">
+                <a:latin typeface="Droid Sans" panose="020B0606030804020204" pitchFamily="34" charset="0"/>
+                <a:ea typeface="Droid Sans" panose="020B0606030804020204" pitchFamily="34" charset="0"/>
+                <a:cs typeface="Droid Sans" panose="020B0606030804020204" pitchFamily="34" charset="0"/>
               </a:rPr>
               <a:t>addressCity</a:t>
             </a:r>
             <a:r>
-              <a:rPr lang="en-GB" sz="1000" dirty="0" smtClean="0">
-                <a:latin typeface="Lucida Console" panose="020B0609040504020204" pitchFamily="49" charset="0"/>
-              </a:rPr>
-              <a:t> </a:t>
-            </a:r>
-            <a:r>
-              <a:rPr lang="en-GB" sz="1000" dirty="0">
-                <a:latin typeface="Lucida Console" panose="020B0609040504020204" pitchFamily="49" charset="0"/>
-              </a:rPr>
-              <a:t>: "Letchworth Garden City</a:t>
-            </a:r>
-            <a:r>
-              <a:rPr lang="en-GB" sz="1000" dirty="0" smtClean="0">
-                <a:latin typeface="Lucida Console" panose="020B0609040504020204" pitchFamily="49" charset="0"/>
-              </a:rPr>
-              <a:t>", </a:t>
-            </a:r>
-            <a:r>
-              <a:rPr lang="en-GB" sz="1000" dirty="0" err="1">
-                <a:latin typeface="Lucida Console" panose="020B0609040504020204" pitchFamily="49" charset="0"/>
+              <a:rPr lang="en-GB" sz="1100" dirty="0">
+                <a:latin typeface="Droid Sans" panose="020B0606030804020204" pitchFamily="34" charset="0"/>
+                <a:ea typeface="Droid Sans" panose="020B0606030804020204" pitchFamily="34" charset="0"/>
+                <a:cs typeface="Droid Sans" panose="020B0606030804020204" pitchFamily="34" charset="0"/>
+              </a:rPr>
+              <a:t> : "Letchworth Garden City",</a:t>
+            </a:r>
+          </a:p>
+          <a:p>
+            <a:r>
+              <a:rPr lang="en-GB" sz="1100" dirty="0">
+                <a:latin typeface="Droid Sans" panose="020B0606030804020204" pitchFamily="34" charset="0"/>
+                <a:ea typeface="Droid Sans" panose="020B0606030804020204" pitchFamily="34" charset="0"/>
+                <a:cs typeface="Droid Sans" panose="020B0606030804020204" pitchFamily="34" charset="0"/>
+              </a:rPr>
+              <a:t>			</a:t>
+            </a:r>
+            <a:r>
+              <a:rPr lang="en-GB" sz="1100" dirty="0" err="1">
+                <a:latin typeface="Droid Sans" panose="020B0606030804020204" pitchFamily="34" charset="0"/>
+                <a:ea typeface="Droid Sans" panose="020B0606030804020204" pitchFamily="34" charset="0"/>
+                <a:cs typeface="Droid Sans" panose="020B0606030804020204" pitchFamily="34" charset="0"/>
               </a:rPr>
               <a:t>addressCounty</a:t>
             </a:r>
             <a:r>
-              <a:rPr lang="en-GB" sz="1000" dirty="0">
-                <a:latin typeface="Lucida Console" panose="020B0609040504020204" pitchFamily="49" charset="0"/>
-              </a:rPr>
-              <a:t> : "Hertfordshire</a:t>
-            </a:r>
-            <a:r>
-              <a:rPr lang="en-GB" sz="1000" dirty="0" smtClean="0">
-                <a:latin typeface="Lucida Console" panose="020B0609040504020204" pitchFamily="49" charset="0"/>
-              </a:rPr>
-              <a:t>", </a:t>
-            </a:r>
-            <a:r>
-              <a:rPr lang="en-GB" sz="1000" dirty="0" err="1">
-                <a:latin typeface="Lucida Console" panose="020B0609040504020204" pitchFamily="49" charset="0"/>
+              <a:rPr lang="en-GB" sz="1100" dirty="0">
+                <a:latin typeface="Droid Sans" panose="020B0606030804020204" pitchFamily="34" charset="0"/>
+                <a:ea typeface="Droid Sans" panose="020B0606030804020204" pitchFamily="34" charset="0"/>
+                <a:cs typeface="Droid Sans" panose="020B0606030804020204" pitchFamily="34" charset="0"/>
+              </a:rPr>
+              <a:t> : "Hertfordshire",</a:t>
+            </a:r>
+          </a:p>
+          <a:p>
+            <a:r>
+              <a:rPr lang="en-GB" sz="1100" dirty="0">
+                <a:latin typeface="Droid Sans" panose="020B0606030804020204" pitchFamily="34" charset="0"/>
+                <a:ea typeface="Droid Sans" panose="020B0606030804020204" pitchFamily="34" charset="0"/>
+                <a:cs typeface="Droid Sans" panose="020B0606030804020204" pitchFamily="34" charset="0"/>
+              </a:rPr>
+              <a:t>			</a:t>
+            </a:r>
+            <a:r>
+              <a:rPr lang="en-GB" sz="1100" dirty="0" err="1">
+                <a:latin typeface="Droid Sans" panose="020B0606030804020204" pitchFamily="34" charset="0"/>
+                <a:ea typeface="Droid Sans" panose="020B0606030804020204" pitchFamily="34" charset="0"/>
+                <a:cs typeface="Droid Sans" panose="020B0606030804020204" pitchFamily="34" charset="0"/>
               </a:rPr>
               <a:t>addressPostcode</a:t>
             </a:r>
             <a:r>
-              <a:rPr lang="en-GB" sz="1000" dirty="0">
-                <a:latin typeface="Lucida Console" panose="020B0609040504020204" pitchFamily="49" charset="0"/>
-              </a:rPr>
-              <a:t> : "SG6 OH1</a:t>
-            </a:r>
-            <a:r>
-              <a:rPr lang="en-GB" sz="1000" dirty="0" smtClean="0">
-                <a:latin typeface="Lucida Console" panose="020B0609040504020204" pitchFamily="49" charset="0"/>
-              </a:rPr>
-              <a:t>"}</a:t>
-            </a:r>
-            <a:endParaRPr lang="en-GB" sz="1000" dirty="0">
-              <a:latin typeface="Lucida Console" panose="020B0609040504020204" pitchFamily="49" charset="0"/>
-            </a:endParaRPr>
-          </a:p>
-          <a:p>
-            <a:r>
-              <a:rPr lang="en-GB" sz="1000" dirty="0">
-                <a:latin typeface="Lucida Console" panose="020B0609040504020204" pitchFamily="49" charset="0"/>
-              </a:rPr>
-              <a:t>                     </a:t>
-            </a:r>
-            <a:r>
-              <a:rPr lang="en-GB" sz="1000" dirty="0" smtClean="0">
-                <a:latin typeface="Lucida Console" panose="020B0609040504020204" pitchFamily="49" charset="0"/>
-              </a:rPr>
-              <a:t>{</a:t>
-            </a:r>
-            <a:r>
-              <a:rPr lang="en-GB" sz="1000" dirty="0" err="1" smtClean="0">
-                <a:latin typeface="Lucida Console" panose="020B0609040504020204" pitchFamily="49" charset="0"/>
+              <a:rPr lang="en-GB" sz="1100" dirty="0">
+                <a:latin typeface="Droid Sans" panose="020B0606030804020204" pitchFamily="34" charset="0"/>
+                <a:ea typeface="Droid Sans" panose="020B0606030804020204" pitchFamily="34" charset="0"/>
+                <a:cs typeface="Droid Sans" panose="020B0606030804020204" pitchFamily="34" charset="0"/>
+              </a:rPr>
+              <a:t> : "SG6 OH1"}</a:t>
+            </a:r>
+          </a:p>
+          <a:p>
+            <a:r>
+              <a:rPr lang="en-GB" sz="1100" dirty="0">
+                <a:latin typeface="Droid Sans" panose="020B0606030804020204" pitchFamily="34" charset="0"/>
+                <a:ea typeface="Droid Sans" panose="020B0606030804020204" pitchFamily="34" charset="0"/>
+                <a:cs typeface="Droid Sans" panose="020B0606030804020204" pitchFamily="34" charset="0"/>
+              </a:rPr>
+              <a:t>                     	           {</a:t>
+            </a:r>
+            <a:r>
+              <a:rPr lang="en-GB" sz="1100" dirty="0" err="1">
+                <a:latin typeface="Droid Sans" panose="020B0606030804020204" pitchFamily="34" charset="0"/>
+                <a:ea typeface="Droid Sans" panose="020B0606030804020204" pitchFamily="34" charset="0"/>
+                <a:cs typeface="Droid Sans" panose="020B0606030804020204" pitchFamily="34" charset="0"/>
               </a:rPr>
               <a:t>addressID</a:t>
             </a:r>
             <a:r>
-              <a:rPr lang="en-GB" sz="1000" dirty="0" smtClean="0">
-                <a:latin typeface="Lucida Console" panose="020B0609040504020204" pitchFamily="49" charset="0"/>
-              </a:rPr>
-              <a:t> </a:t>
-            </a:r>
-            <a:r>
-              <a:rPr lang="en-GB" sz="1000" dirty="0">
-                <a:latin typeface="Lucida Console" panose="020B0609040504020204" pitchFamily="49" charset="0"/>
-              </a:rPr>
-              <a:t>: </a:t>
-            </a:r>
-            <a:r>
-              <a:rPr lang="en-GB" sz="1000" dirty="0" smtClean="0">
-                <a:latin typeface="Lucida Console" panose="020B0609040504020204" pitchFamily="49" charset="0"/>
-              </a:rPr>
-              <a:t>810003, </a:t>
-            </a:r>
-            <a:r>
-              <a:rPr lang="en-GB" sz="1000" dirty="0" err="1">
-                <a:latin typeface="Lucida Console" panose="020B0609040504020204" pitchFamily="49" charset="0"/>
+              <a:rPr lang="en-GB" sz="1100" dirty="0">
+                <a:latin typeface="Droid Sans" panose="020B0606030804020204" pitchFamily="34" charset="0"/>
+                <a:ea typeface="Droid Sans" panose="020B0606030804020204" pitchFamily="34" charset="0"/>
+                <a:cs typeface="Droid Sans" panose="020B0606030804020204" pitchFamily="34" charset="0"/>
+              </a:rPr>
+              <a:t> : 810003,</a:t>
+            </a:r>
+          </a:p>
+          <a:p>
+            <a:r>
+              <a:rPr lang="en-GB" sz="1100" dirty="0">
+                <a:latin typeface="Droid Sans" panose="020B0606030804020204" pitchFamily="34" charset="0"/>
+                <a:ea typeface="Droid Sans" panose="020B0606030804020204" pitchFamily="34" charset="0"/>
+                <a:cs typeface="Droid Sans" panose="020B0606030804020204" pitchFamily="34" charset="0"/>
+              </a:rPr>
+              <a:t>			</a:t>
+            </a:r>
+            <a:r>
+              <a:rPr lang="en-GB" sz="1100" dirty="0" err="1">
+                <a:latin typeface="Droid Sans" panose="020B0606030804020204" pitchFamily="34" charset="0"/>
+                <a:ea typeface="Droid Sans" panose="020B0606030804020204" pitchFamily="34" charset="0"/>
+                <a:cs typeface="Droid Sans" panose="020B0606030804020204" pitchFamily="34" charset="0"/>
               </a:rPr>
               <a:t>addressHouse</a:t>
             </a:r>
             <a:r>
-              <a:rPr lang="en-GB" sz="1000" dirty="0">
-                <a:latin typeface="Lucida Console" panose="020B0609040504020204" pitchFamily="49" charset="0"/>
-              </a:rPr>
-              <a:t> : "12</a:t>
-            </a:r>
-            <a:r>
-              <a:rPr lang="en-GB" sz="1000" dirty="0" smtClean="0">
-                <a:latin typeface="Lucida Console" panose="020B0609040504020204" pitchFamily="49" charset="0"/>
-              </a:rPr>
-              <a:t>", </a:t>
-            </a:r>
-            <a:r>
-              <a:rPr lang="en-GB" sz="1000" dirty="0" err="1">
-                <a:latin typeface="Lucida Console" panose="020B0609040504020204" pitchFamily="49" charset="0"/>
+              <a:rPr lang="en-GB" sz="1100" dirty="0">
+                <a:latin typeface="Droid Sans" panose="020B0606030804020204" pitchFamily="34" charset="0"/>
+                <a:ea typeface="Droid Sans" panose="020B0606030804020204" pitchFamily="34" charset="0"/>
+                <a:cs typeface="Droid Sans" panose="020B0606030804020204" pitchFamily="34" charset="0"/>
+              </a:rPr>
+              <a:t> : "12",</a:t>
+            </a:r>
+          </a:p>
+          <a:p>
+            <a:r>
+              <a:rPr lang="en-GB" sz="1100" dirty="0">
+                <a:latin typeface="Droid Sans" panose="020B0606030804020204" pitchFamily="34" charset="0"/>
+                <a:ea typeface="Droid Sans" panose="020B0606030804020204" pitchFamily="34" charset="0"/>
+                <a:cs typeface="Droid Sans" panose="020B0606030804020204" pitchFamily="34" charset="0"/>
+              </a:rPr>
+              <a:t>			</a:t>
+            </a:r>
+            <a:r>
+              <a:rPr lang="en-GB" sz="1100" dirty="0" err="1">
+                <a:latin typeface="Droid Sans" panose="020B0606030804020204" pitchFamily="34" charset="0"/>
+                <a:ea typeface="Droid Sans" panose="020B0606030804020204" pitchFamily="34" charset="0"/>
+                <a:cs typeface="Droid Sans" panose="020B0606030804020204" pitchFamily="34" charset="0"/>
               </a:rPr>
               <a:t>addressStreet</a:t>
             </a:r>
             <a:r>
-              <a:rPr lang="en-GB" sz="1000" dirty="0">
-                <a:latin typeface="Lucida Console" panose="020B0609040504020204" pitchFamily="49" charset="0"/>
-              </a:rPr>
-              <a:t> : "Street" </a:t>
-            </a:r>
-            <a:r>
-              <a:rPr lang="en-GB" sz="1000" dirty="0" smtClean="0">
-                <a:latin typeface="Lucida Console" panose="020B0609040504020204" pitchFamily="49" charset="0"/>
-              </a:rPr>
-              <a:t>,</a:t>
-            </a:r>
-          </a:p>
-          <a:p>
-            <a:r>
-              <a:rPr lang="en-GB" sz="1000" dirty="0">
-                <a:latin typeface="Lucida Console" panose="020B0609040504020204" pitchFamily="49" charset="0"/>
-              </a:rPr>
-              <a:t>	</a:t>
-            </a:r>
-            <a:r>
-              <a:rPr lang="en-GB" sz="1000" dirty="0" smtClean="0">
-                <a:latin typeface="Lucida Console" panose="020B0609040504020204" pitchFamily="49" charset="0"/>
-              </a:rPr>
-              <a:t>		    </a:t>
-            </a:r>
-            <a:r>
-              <a:rPr lang="en-GB" sz="1000" dirty="0" err="1" smtClean="0">
-                <a:latin typeface="Lucida Console" panose="020B0609040504020204" pitchFamily="49" charset="0"/>
+              <a:rPr lang="en-GB" sz="1100" dirty="0">
+                <a:latin typeface="Droid Sans" panose="020B0606030804020204" pitchFamily="34" charset="0"/>
+                <a:ea typeface="Droid Sans" panose="020B0606030804020204" pitchFamily="34" charset="0"/>
+                <a:cs typeface="Droid Sans" panose="020B0606030804020204" pitchFamily="34" charset="0"/>
+              </a:rPr>
+              <a:t> : "Street",</a:t>
+            </a:r>
+          </a:p>
+          <a:p>
+            <a:r>
+              <a:rPr lang="en-GB" sz="1100" dirty="0">
+                <a:latin typeface="Droid Sans" panose="020B0606030804020204" pitchFamily="34" charset="0"/>
+                <a:ea typeface="Droid Sans" panose="020B0606030804020204" pitchFamily="34" charset="0"/>
+                <a:cs typeface="Droid Sans" panose="020B0606030804020204" pitchFamily="34" charset="0"/>
+              </a:rPr>
+              <a:t>			</a:t>
+            </a:r>
+            <a:r>
+              <a:rPr lang="en-GB" sz="1100" dirty="0" err="1">
+                <a:latin typeface="Droid Sans" panose="020B0606030804020204" pitchFamily="34" charset="0"/>
+                <a:ea typeface="Droid Sans" panose="020B0606030804020204" pitchFamily="34" charset="0"/>
+                <a:cs typeface="Droid Sans" panose="020B0606030804020204" pitchFamily="34" charset="0"/>
               </a:rPr>
               <a:t>addressCity</a:t>
             </a:r>
             <a:r>
-              <a:rPr lang="en-GB" sz="1000" dirty="0" smtClean="0">
-                <a:latin typeface="Lucida Console" panose="020B0609040504020204" pitchFamily="49" charset="0"/>
-              </a:rPr>
-              <a:t> </a:t>
-            </a:r>
-            <a:r>
-              <a:rPr lang="en-GB" sz="1000" dirty="0">
-                <a:latin typeface="Lucida Console" panose="020B0609040504020204" pitchFamily="49" charset="0"/>
-              </a:rPr>
-              <a:t>: "Letchworth Garden City</a:t>
-            </a:r>
-            <a:r>
-              <a:rPr lang="en-GB" sz="1000" dirty="0" smtClean="0">
-                <a:latin typeface="Lucida Console" panose="020B0609040504020204" pitchFamily="49" charset="0"/>
-              </a:rPr>
-              <a:t>", </a:t>
-            </a:r>
-            <a:r>
-              <a:rPr lang="en-GB" sz="1000" dirty="0" err="1">
-                <a:latin typeface="Lucida Console" panose="020B0609040504020204" pitchFamily="49" charset="0"/>
+              <a:rPr lang="en-GB" sz="1100" dirty="0">
+                <a:latin typeface="Droid Sans" panose="020B0606030804020204" pitchFamily="34" charset="0"/>
+                <a:ea typeface="Droid Sans" panose="020B0606030804020204" pitchFamily="34" charset="0"/>
+                <a:cs typeface="Droid Sans" panose="020B0606030804020204" pitchFamily="34" charset="0"/>
+              </a:rPr>
+              <a:t> : "Letchworth Garden City",</a:t>
+            </a:r>
+          </a:p>
+          <a:p>
+            <a:r>
+              <a:rPr lang="en-GB" sz="1100" dirty="0">
+                <a:latin typeface="Droid Sans" panose="020B0606030804020204" pitchFamily="34" charset="0"/>
+                <a:ea typeface="Droid Sans" panose="020B0606030804020204" pitchFamily="34" charset="0"/>
+                <a:cs typeface="Droid Sans" panose="020B0606030804020204" pitchFamily="34" charset="0"/>
+              </a:rPr>
+              <a:t>			</a:t>
+            </a:r>
+            <a:r>
+              <a:rPr lang="en-GB" sz="1100" dirty="0" err="1">
+                <a:latin typeface="Droid Sans" panose="020B0606030804020204" pitchFamily="34" charset="0"/>
+                <a:ea typeface="Droid Sans" panose="020B0606030804020204" pitchFamily="34" charset="0"/>
+                <a:cs typeface="Droid Sans" panose="020B0606030804020204" pitchFamily="34" charset="0"/>
               </a:rPr>
               <a:t>addressCounty</a:t>
             </a:r>
             <a:r>
-              <a:rPr lang="en-GB" sz="1000" dirty="0">
-                <a:latin typeface="Lucida Console" panose="020B0609040504020204" pitchFamily="49" charset="0"/>
-              </a:rPr>
-              <a:t> : "Hertfordshire</a:t>
-            </a:r>
-            <a:r>
-              <a:rPr lang="en-GB" sz="1000" dirty="0" smtClean="0">
-                <a:latin typeface="Lucida Console" panose="020B0609040504020204" pitchFamily="49" charset="0"/>
-              </a:rPr>
-              <a:t>", </a:t>
-            </a:r>
-            <a:r>
-              <a:rPr lang="en-GB" sz="1000" dirty="0" err="1">
-                <a:latin typeface="Lucida Console" panose="020B0609040504020204" pitchFamily="49" charset="0"/>
+              <a:rPr lang="en-GB" sz="1100" dirty="0">
+                <a:latin typeface="Droid Sans" panose="020B0606030804020204" pitchFamily="34" charset="0"/>
+                <a:ea typeface="Droid Sans" panose="020B0606030804020204" pitchFamily="34" charset="0"/>
+                <a:cs typeface="Droid Sans" panose="020B0606030804020204" pitchFamily="34" charset="0"/>
+              </a:rPr>
+              <a:t> : "Hertfordshire",</a:t>
+            </a:r>
+          </a:p>
+          <a:p>
+            <a:r>
+              <a:rPr lang="en-GB" sz="1100" dirty="0">
+                <a:latin typeface="Droid Sans" panose="020B0606030804020204" pitchFamily="34" charset="0"/>
+                <a:ea typeface="Droid Sans" panose="020B0606030804020204" pitchFamily="34" charset="0"/>
+                <a:cs typeface="Droid Sans" panose="020B0606030804020204" pitchFamily="34" charset="0"/>
+              </a:rPr>
+              <a:t>			</a:t>
+            </a:r>
+            <a:r>
+              <a:rPr lang="en-GB" sz="1100" dirty="0" err="1">
+                <a:latin typeface="Droid Sans" panose="020B0606030804020204" pitchFamily="34" charset="0"/>
+                <a:ea typeface="Droid Sans" panose="020B0606030804020204" pitchFamily="34" charset="0"/>
+                <a:cs typeface="Droid Sans" panose="020B0606030804020204" pitchFamily="34" charset="0"/>
               </a:rPr>
               <a:t>addressPostcode</a:t>
             </a:r>
             <a:r>
-              <a:rPr lang="en-GB" sz="1000" dirty="0">
-                <a:latin typeface="Lucida Console" panose="020B0609040504020204" pitchFamily="49" charset="0"/>
-              </a:rPr>
-              <a:t> : "SG6 OH1</a:t>
-            </a:r>
-            <a:r>
-              <a:rPr lang="en-GB" sz="1000" dirty="0" smtClean="0">
-                <a:latin typeface="Lucida Console" panose="020B0609040504020204" pitchFamily="49" charset="0"/>
-              </a:rPr>
-              <a:t>"}})</a:t>
-            </a:r>
-            <a:endParaRPr lang="en-GB" sz="1000" dirty="0">
-              <a:latin typeface="Lucida Console" panose="020B0609040504020204" pitchFamily="49" charset="0"/>
-            </a:endParaRPr>
-          </a:p>
-          <a:p>
-            <a:endParaRPr lang="en-GB" sz="1000" dirty="0">
-              <a:latin typeface="Lucida Console" panose="020B0609040504020204" pitchFamily="49" charset="0"/>
-            </a:endParaRPr>
-          </a:p>
-          <a:p>
-            <a:endParaRPr lang="en-GB" sz="1200" dirty="0">
-              <a:latin typeface="Lucida Console" panose="020B0609040504020204" pitchFamily="49" charset="0"/>
+              <a:rPr lang="en-GB" sz="1100" dirty="0">
+                <a:latin typeface="Droid Sans" panose="020B0606030804020204" pitchFamily="34" charset="0"/>
+                <a:ea typeface="Droid Sans" panose="020B0606030804020204" pitchFamily="34" charset="0"/>
+                <a:cs typeface="Droid Sans" panose="020B0606030804020204" pitchFamily="34" charset="0"/>
+              </a:rPr>
+              <a:t> : "SG6 OH1"}})</a:t>
+            </a:r>
+            <a:endParaRPr lang="en-GB" sz="1600" dirty="0">
+              <a:latin typeface="Droid Sans" panose="020B0606030804020204" pitchFamily="34" charset="0"/>
+              <a:ea typeface="Droid Sans" panose="020B0606030804020204" pitchFamily="34" charset="0"/>
+              <a:cs typeface="Droid Sans" panose="020B0606030804020204" pitchFamily="34" charset="0"/>
             </a:endParaRPr>
           </a:p>
         </p:txBody>
@@ -6825,13 +6835,6 @@
       </p:transition>
     </mc:Fallback>
   </mc:AlternateContent>
-  <p:timing>
-    <p:tnLst>
-      <p:par>
-        <p:cTn id="1" dur="indefinite" restart="never" nodeType="tmRoot"/>
-      </p:par>
-    </p:tnLst>
-  </p:timing>
 </p:sld>
 </file>
 
@@ -6868,20 +6871,17 @@
           <a:lstStyle/>
           <a:p>
             <a:r>
-              <a:rPr lang="en-US" dirty="0" smtClean="0">
+              <a:rPr lang="en-US" dirty="0">
                 <a:latin typeface="Crete Round" panose="02000503050000020004" pitchFamily="50" charset="0"/>
               </a:rPr>
               <a:t>Oracle &amp; MongoDB: </a:t>
             </a:r>
             <a:r>
-              <a:rPr lang="en-US" sz="3200" b="0" dirty="0" smtClean="0">
+              <a:rPr lang="en-US" sz="3200" b="0" dirty="0">
                 <a:latin typeface="Crete Round" panose="02000503050000020004" pitchFamily="50" charset="0"/>
               </a:rPr>
               <a:t>Secure</a:t>
             </a:r>
-            <a:endParaRPr lang="en-US" sz="3200" b="0" dirty="0">
-              <a:latin typeface="Crete Round" panose="02000503050000020004" pitchFamily="50" charset="0"/>
-            </a:endParaRPr>
           </a:p>
         </p:txBody>
       </p:sp>
@@ -6938,32 +6938,21 @@
                 <a:solidFill>
                   <a:schemeClr val="tx1"/>
                 </a:solidFill>
-                <a:latin typeface="Lucida Console" panose="020B0609040504020204" pitchFamily="49" charset="0"/>
-              </a:rPr>
-              <a:t>CREATE ROLE Accounts IDENTIFIED BY </a:t>
-            </a:r>
-            <a:r>
-              <a:rPr lang="en-GB" sz="1150" dirty="0" smtClean="0">
-                <a:solidFill>
-                  <a:schemeClr val="tx1"/>
-                </a:solidFill>
-                <a:latin typeface="Lucida Console" panose="020B0609040504020204" pitchFamily="49" charset="0"/>
-              </a:rPr>
-              <a:t>password;</a:t>
-            </a:r>
+                <a:latin typeface="Droid Sans" panose="020B0606030804020204" pitchFamily="34" charset="0"/>
+                <a:ea typeface="Droid Sans" panose="020B0606030804020204" pitchFamily="34" charset="0"/>
+                <a:cs typeface="Droid Sans" panose="020B0606030804020204" pitchFamily="34" charset="0"/>
+              </a:rPr>
+              <a:t>CREATE ROLE Accounts IDENTIFIED BY password;</a:t>
+            </a:r>
+          </a:p>
+          <a:p>
             <a:endParaRPr lang="en-GB" sz="1150" dirty="0">
               <a:solidFill>
                 <a:schemeClr val="tx1"/>
               </a:solidFill>
-              <a:latin typeface="Lucida Console" panose="020B0609040504020204" pitchFamily="49" charset="0"/>
-            </a:endParaRPr>
-          </a:p>
-          <a:p>
-            <a:endParaRPr lang="en-GB" sz="1150" dirty="0">
-              <a:solidFill>
-                <a:schemeClr val="tx1"/>
-              </a:solidFill>
-              <a:latin typeface="Lucida Console" panose="020B0609040504020204" pitchFamily="49" charset="0"/>
+              <a:latin typeface="Droid Sans" panose="020B0606030804020204" pitchFamily="34" charset="0"/>
+              <a:ea typeface="Droid Sans" panose="020B0606030804020204" pitchFamily="34" charset="0"/>
+              <a:cs typeface="Droid Sans" panose="020B0606030804020204" pitchFamily="34" charset="0"/>
             </a:endParaRPr>
           </a:p>
           <a:p>
@@ -6972,7 +6961,9 @@
                 <a:solidFill>
                   <a:schemeClr val="tx1"/>
                 </a:solidFill>
-                <a:latin typeface="Lucida Console" panose="020B0609040504020204" pitchFamily="49" charset="0"/>
+                <a:latin typeface="Droid Sans" panose="020B0606030804020204" pitchFamily="34" charset="0"/>
+                <a:ea typeface="Droid Sans" panose="020B0606030804020204" pitchFamily="34" charset="0"/>
+                <a:cs typeface="Droid Sans" panose="020B0606030804020204" pitchFamily="34" charset="0"/>
               </a:rPr>
               <a:t>GRANT SELECT ON Customer to Accounts;</a:t>
             </a:r>
@@ -6983,7 +6974,9 @@
                 <a:solidFill>
                   <a:schemeClr val="tx1"/>
                 </a:solidFill>
-                <a:latin typeface="Lucida Console" panose="020B0609040504020204" pitchFamily="49" charset="0"/>
+                <a:latin typeface="Droid Sans" panose="020B0606030804020204" pitchFamily="34" charset="0"/>
+                <a:ea typeface="Droid Sans" panose="020B0606030804020204" pitchFamily="34" charset="0"/>
+                <a:cs typeface="Droid Sans" panose="020B0606030804020204" pitchFamily="34" charset="0"/>
               </a:rPr>
               <a:t>GRANT INSERT ON Customer to Accounts;</a:t>
             </a:r>
@@ -6994,7 +6987,9 @@
                 <a:solidFill>
                   <a:schemeClr val="tx1"/>
                 </a:solidFill>
-                <a:latin typeface="Lucida Console" panose="020B0609040504020204" pitchFamily="49" charset="0"/>
+                <a:latin typeface="Droid Sans" panose="020B0606030804020204" pitchFamily="34" charset="0"/>
+                <a:ea typeface="Droid Sans" panose="020B0606030804020204" pitchFamily="34" charset="0"/>
+                <a:cs typeface="Droid Sans" panose="020B0606030804020204" pitchFamily="34" charset="0"/>
               </a:rPr>
               <a:t>GRANT UPDATE ON Customer to Accounts;</a:t>
             </a:r>
@@ -7051,26 +7046,34 @@
           <a:p>
             <a:r>
               <a:rPr lang="en-GB" sz="1150" dirty="0">
-                <a:latin typeface="Lucida Console" panose="020B0609040504020204" pitchFamily="49" charset="0"/>
+                <a:latin typeface="Droid Sans" panose="020B0606030804020204" pitchFamily="34" charset="0"/>
+                <a:ea typeface="Droid Sans" panose="020B0606030804020204" pitchFamily="34" charset="0"/>
+                <a:cs typeface="Droid Sans" panose="020B0606030804020204" pitchFamily="34" charset="0"/>
               </a:rPr>
               <a:t>use admin</a:t>
             </a:r>
           </a:p>
           <a:p>
             <a:endParaRPr lang="en-GB" sz="1150" dirty="0">
-              <a:latin typeface="Lucida Console" panose="020B0609040504020204" pitchFamily="49" charset="0"/>
+              <a:latin typeface="Droid Sans" panose="020B0606030804020204" pitchFamily="34" charset="0"/>
+              <a:ea typeface="Droid Sans" panose="020B0606030804020204" pitchFamily="34" charset="0"/>
+              <a:cs typeface="Droid Sans" panose="020B0606030804020204" pitchFamily="34" charset="0"/>
             </a:endParaRPr>
           </a:p>
           <a:p>
             <a:r>
               <a:rPr lang="en-GB" sz="1150" dirty="0" err="1">
-                <a:latin typeface="Lucida Console" panose="020B0609040504020204" pitchFamily="49" charset="0"/>
+                <a:latin typeface="Droid Sans" panose="020B0606030804020204" pitchFamily="34" charset="0"/>
+                <a:ea typeface="Droid Sans" panose="020B0606030804020204" pitchFamily="34" charset="0"/>
+                <a:cs typeface="Droid Sans" panose="020B0606030804020204" pitchFamily="34" charset="0"/>
               </a:rPr>
               <a:t>db.createUser</a:t>
             </a:r>
             <a:r>
               <a:rPr lang="en-GB" sz="1150" dirty="0">
-                <a:latin typeface="Lucida Console" panose="020B0609040504020204" pitchFamily="49" charset="0"/>
+                <a:latin typeface="Droid Sans" panose="020B0606030804020204" pitchFamily="34" charset="0"/>
+                <a:ea typeface="Droid Sans" panose="020B0606030804020204" pitchFamily="34" charset="0"/>
+                <a:cs typeface="Droid Sans" panose="020B0606030804020204" pitchFamily="34" charset="0"/>
               </a:rPr>
               <a:t> (</a:t>
             </a:r>
@@ -7078,367 +7081,279 @@
           <a:p>
             <a:r>
               <a:rPr lang="en-GB" sz="1150" dirty="0">
-                <a:latin typeface="Lucida Console" panose="020B0609040504020204" pitchFamily="49" charset="0"/>
+                <a:latin typeface="Droid Sans" panose="020B0606030804020204" pitchFamily="34" charset="0"/>
+                <a:ea typeface="Droid Sans" panose="020B0606030804020204" pitchFamily="34" charset="0"/>
+                <a:cs typeface="Droid Sans" panose="020B0606030804020204" pitchFamily="34" charset="0"/>
+              </a:rPr>
+              <a:t>	user : "Accounts",</a:t>
+            </a:r>
+          </a:p>
+          <a:p>
+            <a:r>
+              <a:rPr lang="en-GB" sz="1150" dirty="0">
+                <a:latin typeface="Droid Sans" panose="020B0606030804020204" pitchFamily="34" charset="0"/>
+                <a:ea typeface="Droid Sans" panose="020B0606030804020204" pitchFamily="34" charset="0"/>
+                <a:cs typeface="Droid Sans" panose="020B0606030804020204" pitchFamily="34" charset="0"/>
               </a:rPr>
               <a:t>	</a:t>
             </a:r>
             <a:r>
-              <a:rPr lang="en-GB" sz="1150" dirty="0" err="1" smtClean="0">
-                <a:latin typeface="Lucida Console" panose="020B0609040504020204" pitchFamily="49" charset="0"/>
-              </a:rPr>
-              <a:t>user:</a:t>
-            </a:r>
-            <a:r>
               <a:rPr lang="en-GB" sz="1150" dirty="0" err="1">
-                <a:latin typeface="Lucida Console" panose="020B0609040504020204" pitchFamily="49" charset="0"/>
-              </a:rPr>
-              <a:t>"</a:t>
-            </a:r>
-            <a:r>
-              <a:rPr lang="en-GB" sz="1150" dirty="0" err="1" smtClean="0">
-                <a:latin typeface="Lucida Console" panose="020B0609040504020204" pitchFamily="49" charset="0"/>
-              </a:rPr>
-              <a:t>Accounts</a:t>
+                <a:latin typeface="Droid Sans" panose="020B0606030804020204" pitchFamily="34" charset="0"/>
+                <a:ea typeface="Droid Sans" panose="020B0606030804020204" pitchFamily="34" charset="0"/>
+                <a:cs typeface="Droid Sans" panose="020B0606030804020204" pitchFamily="34" charset="0"/>
+              </a:rPr>
+              <a:t>pwd</a:t>
             </a:r>
             <a:r>
               <a:rPr lang="en-GB" sz="1150" dirty="0">
-                <a:latin typeface="Lucida Console" panose="020B0609040504020204" pitchFamily="49" charset="0"/>
-              </a:rPr>
-              <a:t>"</a:t>
-            </a:r>
-            <a:r>
-              <a:rPr lang="en-GB" sz="1150" dirty="0" smtClean="0">
-                <a:latin typeface="Lucida Console" panose="020B0609040504020204" pitchFamily="49" charset="0"/>
-              </a:rPr>
-              <a:t>,</a:t>
-            </a:r>
+                <a:latin typeface="Droid Sans" panose="020B0606030804020204" pitchFamily="34" charset="0"/>
+                <a:ea typeface="Droid Sans" panose="020B0606030804020204" pitchFamily="34" charset="0"/>
+                <a:cs typeface="Droid Sans" panose="020B0606030804020204" pitchFamily="34" charset="0"/>
+              </a:rPr>
+              <a:t> : "password",</a:t>
+            </a:r>
+          </a:p>
+          <a:p>
+            <a:r>
+              <a:rPr lang="en-GB" sz="1150" dirty="0">
+                <a:latin typeface="Droid Sans" panose="020B0606030804020204" pitchFamily="34" charset="0"/>
+                <a:ea typeface="Droid Sans" panose="020B0606030804020204" pitchFamily="34" charset="0"/>
+                <a:cs typeface="Droid Sans" panose="020B0606030804020204" pitchFamily="34" charset="0"/>
+              </a:rPr>
+              <a:t>	roles : [{</a:t>
+            </a:r>
+          </a:p>
+          <a:p>
+            <a:r>
+              <a:rPr lang="en-GB" sz="1150" dirty="0">
+                <a:latin typeface="Droid Sans" panose="020B0606030804020204" pitchFamily="34" charset="0"/>
+                <a:ea typeface="Droid Sans" panose="020B0606030804020204" pitchFamily="34" charset="0"/>
+                <a:cs typeface="Droid Sans" panose="020B0606030804020204" pitchFamily="34" charset="0"/>
+              </a:rPr>
+              <a:t>		role : "</a:t>
+            </a:r>
+            <a:r>
+              <a:rPr lang="en-GB" sz="1150" dirty="0" err="1">
+                <a:latin typeface="Droid Sans" panose="020B0606030804020204" pitchFamily="34" charset="0"/>
+                <a:ea typeface="Droid Sans" panose="020B0606030804020204" pitchFamily="34" charset="0"/>
+                <a:cs typeface="Droid Sans" panose="020B0606030804020204" pitchFamily="34" charset="0"/>
+              </a:rPr>
+              <a:t>readWrite</a:t>
+            </a:r>
+            <a:r>
+              <a:rPr lang="en-GB" sz="1150" dirty="0">
+                <a:latin typeface="Droid Sans" panose="020B0606030804020204" pitchFamily="34" charset="0"/>
+                <a:ea typeface="Droid Sans" panose="020B0606030804020204" pitchFamily="34" charset="0"/>
+                <a:cs typeface="Droid Sans" panose="020B0606030804020204" pitchFamily="34" charset="0"/>
+              </a:rPr>
+              <a:t>",</a:t>
+            </a:r>
+          </a:p>
+          <a:p>
+            <a:r>
+              <a:rPr lang="en-GB" sz="1150" dirty="0">
+                <a:latin typeface="Droid Sans" panose="020B0606030804020204" pitchFamily="34" charset="0"/>
+                <a:ea typeface="Droid Sans" panose="020B0606030804020204" pitchFamily="34" charset="0"/>
+                <a:cs typeface="Droid Sans" panose="020B0606030804020204" pitchFamily="34" charset="0"/>
+              </a:rPr>
+              <a:t>		</a:t>
+            </a:r>
+            <a:r>
+              <a:rPr lang="en-GB" sz="1150" dirty="0" err="1">
+                <a:latin typeface="Droid Sans" panose="020B0606030804020204" pitchFamily="34" charset="0"/>
+                <a:ea typeface="Droid Sans" panose="020B0606030804020204" pitchFamily="34" charset="0"/>
+                <a:cs typeface="Droid Sans" panose="020B0606030804020204" pitchFamily="34" charset="0"/>
+              </a:rPr>
+              <a:t>db</a:t>
+            </a:r>
+            <a:r>
+              <a:rPr lang="en-GB" sz="1150" dirty="0">
+                <a:latin typeface="Droid Sans" panose="020B0606030804020204" pitchFamily="34" charset="0"/>
+                <a:ea typeface="Droid Sans" panose="020B0606030804020204" pitchFamily="34" charset="0"/>
+                <a:cs typeface="Droid Sans" panose="020B0606030804020204" pitchFamily="34" charset="0"/>
+              </a:rPr>
+              <a:t> : "</a:t>
+            </a:r>
+            <a:r>
+              <a:rPr lang="en-GB" sz="1150" dirty="0" err="1">
+                <a:latin typeface="Droid Sans" panose="020B0606030804020204" pitchFamily="34" charset="0"/>
+                <a:ea typeface="Droid Sans" panose="020B0606030804020204" pitchFamily="34" charset="0"/>
+                <a:cs typeface="Droid Sans" panose="020B0606030804020204" pitchFamily="34" charset="0"/>
+              </a:rPr>
+              <a:t>NBGardens</a:t>
+            </a:r>
+            <a:r>
+              <a:rPr lang="en-GB" sz="1150" dirty="0">
+                <a:latin typeface="Droid Sans" panose="020B0606030804020204" pitchFamily="34" charset="0"/>
+                <a:ea typeface="Droid Sans" panose="020B0606030804020204" pitchFamily="34" charset="0"/>
+                <a:cs typeface="Droid Sans" panose="020B0606030804020204" pitchFamily="34" charset="0"/>
+              </a:rPr>
+              <a:t>",</a:t>
+            </a:r>
+          </a:p>
+          <a:p>
+            <a:r>
+              <a:rPr lang="en-GB" sz="1150" dirty="0">
+                <a:latin typeface="Droid Sans" panose="020B0606030804020204" pitchFamily="34" charset="0"/>
+                <a:ea typeface="Droid Sans" panose="020B0606030804020204" pitchFamily="34" charset="0"/>
+                <a:cs typeface="Droid Sans" panose="020B0606030804020204" pitchFamily="34" charset="0"/>
+              </a:rPr>
+              <a:t>		collection : "Customer"</a:t>
+            </a:r>
+          </a:p>
+          <a:p>
+            <a:r>
+              <a:rPr lang="en-GB" sz="1150" dirty="0">
+                <a:latin typeface="Droid Sans" panose="020B0606030804020204" pitchFamily="34" charset="0"/>
+                <a:ea typeface="Droid Sans" panose="020B0606030804020204" pitchFamily="34" charset="0"/>
+                <a:cs typeface="Droid Sans" panose="020B0606030804020204" pitchFamily="34" charset="0"/>
+              </a:rPr>
+              <a:t>}]})</a:t>
+            </a:r>
+          </a:p>
+          <a:p>
             <a:endParaRPr lang="en-GB" sz="1150" dirty="0">
-              <a:latin typeface="Lucida Console" panose="020B0609040504020204" pitchFamily="49" charset="0"/>
+              <a:latin typeface="Droid Sans" panose="020B0606030804020204" pitchFamily="34" charset="0"/>
+              <a:ea typeface="Droid Sans" panose="020B0606030804020204" pitchFamily="34" charset="0"/>
+              <a:cs typeface="Droid Sans" panose="020B0606030804020204" pitchFamily="34" charset="0"/>
             </a:endParaRPr>
           </a:p>
           <a:p>
             <a:r>
+              <a:rPr lang="en-GB" sz="1150" dirty="0" err="1">
+                <a:latin typeface="Droid Sans" panose="020B0606030804020204" pitchFamily="34" charset="0"/>
+                <a:ea typeface="Droid Sans" panose="020B0606030804020204" pitchFamily="34" charset="0"/>
+                <a:cs typeface="Droid Sans" panose="020B0606030804020204" pitchFamily="34" charset="0"/>
+              </a:rPr>
+              <a:t>db.runCommand</a:t>
+            </a:r>
+            <a:r>
               <a:rPr lang="en-GB" sz="1150" dirty="0">
-                <a:latin typeface="Lucida Console" panose="020B0609040504020204" pitchFamily="49" charset="0"/>
+                <a:latin typeface="Droid Sans" panose="020B0606030804020204" pitchFamily="34" charset="0"/>
+                <a:ea typeface="Droid Sans" panose="020B0606030804020204" pitchFamily="34" charset="0"/>
+                <a:cs typeface="Droid Sans" panose="020B0606030804020204" pitchFamily="34" charset="0"/>
+              </a:rPr>
+              <a:t> ({</a:t>
+            </a:r>
+          </a:p>
+          <a:p>
+            <a:r>
+              <a:rPr lang="en-GB" sz="1150" dirty="0">
+                <a:latin typeface="Droid Sans" panose="020B0606030804020204" pitchFamily="34" charset="0"/>
+                <a:ea typeface="Droid Sans" panose="020B0606030804020204" pitchFamily="34" charset="0"/>
+                <a:cs typeface="Droid Sans" panose="020B0606030804020204" pitchFamily="34" charset="0"/>
               </a:rPr>
               <a:t>	</a:t>
             </a:r>
             <a:r>
               <a:rPr lang="en-GB" sz="1150" dirty="0" err="1">
-                <a:latin typeface="Lucida Console" panose="020B0609040504020204" pitchFamily="49" charset="0"/>
-              </a:rPr>
-              <a:t>pwd</a:t>
-            </a:r>
-            <a:r>
-              <a:rPr lang="en-GB" sz="1150" dirty="0" smtClean="0">
-                <a:latin typeface="Lucida Console" panose="020B0609040504020204" pitchFamily="49" charset="0"/>
-              </a:rPr>
-              <a:t>:</a:t>
+                <a:latin typeface="Droid Sans" panose="020B0606030804020204" pitchFamily="34" charset="0"/>
+                <a:ea typeface="Droid Sans" panose="020B0606030804020204" pitchFamily="34" charset="0"/>
+                <a:cs typeface="Droid Sans" panose="020B0606030804020204" pitchFamily="34" charset="0"/>
+              </a:rPr>
+              <a:t>updateRole</a:t>
             </a:r>
             <a:r>
               <a:rPr lang="en-GB" sz="1150" dirty="0">
-                <a:latin typeface="Lucida Console" panose="020B0609040504020204" pitchFamily="49" charset="0"/>
-              </a:rPr>
-              <a:t>"</a:t>
-            </a:r>
-            <a:r>
-              <a:rPr lang="en-GB" sz="1150" dirty="0" smtClean="0">
-                <a:latin typeface="Lucida Console" panose="020B0609040504020204" pitchFamily="49" charset="0"/>
-              </a:rPr>
-              <a:t>password</a:t>
-            </a:r>
+                <a:latin typeface="Droid Sans" panose="020B0606030804020204" pitchFamily="34" charset="0"/>
+                <a:ea typeface="Droid Sans" panose="020B0606030804020204" pitchFamily="34" charset="0"/>
+                <a:cs typeface="Droid Sans" panose="020B0606030804020204" pitchFamily="34" charset="0"/>
+              </a:rPr>
+              <a:t> : “Accounts",</a:t>
+            </a:r>
+          </a:p>
+          <a:p>
             <a:r>
               <a:rPr lang="en-GB" sz="1150" dirty="0">
-                <a:latin typeface="Lucida Console" panose="020B0609040504020204" pitchFamily="49" charset="0"/>
-              </a:rPr>
-              <a:t>"</a:t>
-            </a:r>
-            <a:r>
-              <a:rPr lang="en-GB" sz="1150" dirty="0" smtClean="0">
-                <a:latin typeface="Lucida Console" panose="020B0609040504020204" pitchFamily="49" charset="0"/>
-              </a:rPr>
-              <a:t>,</a:t>
-            </a:r>
-            <a:endParaRPr lang="en-GB" sz="1150" dirty="0">
-              <a:latin typeface="Lucida Console" panose="020B0609040504020204" pitchFamily="49" charset="0"/>
-            </a:endParaRPr>
+                <a:latin typeface="Droid Sans" panose="020B0606030804020204" pitchFamily="34" charset="0"/>
+                <a:ea typeface="Droid Sans" panose="020B0606030804020204" pitchFamily="34" charset="0"/>
+                <a:cs typeface="Droid Sans" panose="020B0606030804020204" pitchFamily="34" charset="0"/>
+              </a:rPr>
+              <a:t>	privileges : [{</a:t>
+            </a:r>
           </a:p>
           <a:p>
             <a:r>
               <a:rPr lang="en-GB" sz="1150" dirty="0">
-                <a:latin typeface="Lucida Console" panose="020B0609040504020204" pitchFamily="49" charset="0"/>
-              </a:rPr>
-              <a:t>	roles:[{</a:t>
+                <a:latin typeface="Droid Sans" panose="020B0606030804020204" pitchFamily="34" charset="0"/>
+                <a:ea typeface="Droid Sans" panose="020B0606030804020204" pitchFamily="34" charset="0"/>
+                <a:cs typeface="Droid Sans" panose="020B0606030804020204" pitchFamily="34" charset="0"/>
+              </a:rPr>
+              <a:t>		resource : {</a:t>
             </a:r>
           </a:p>
           <a:p>
             <a:r>
               <a:rPr lang="en-GB" sz="1150" dirty="0">
-                <a:latin typeface="Lucida Console" panose="020B0609040504020204" pitchFamily="49" charset="0"/>
-              </a:rPr>
-              <a:t>		role</a:t>
-            </a:r>
-            <a:r>
-              <a:rPr lang="en-GB" sz="1150" dirty="0" smtClean="0">
-                <a:latin typeface="Lucida Console" panose="020B0609040504020204" pitchFamily="49" charset="0"/>
-              </a:rPr>
-              <a:t>:</a:t>
+                <a:latin typeface="Droid Sans" panose="020B0606030804020204" pitchFamily="34" charset="0"/>
+                <a:ea typeface="Droid Sans" panose="020B0606030804020204" pitchFamily="34" charset="0"/>
+                <a:cs typeface="Droid Sans" panose="020B0606030804020204" pitchFamily="34" charset="0"/>
+              </a:rPr>
+              <a:t>			</a:t>
+            </a:r>
+            <a:r>
+              <a:rPr lang="en-GB" sz="1150" dirty="0" err="1">
+                <a:latin typeface="Droid Sans" panose="020B0606030804020204" pitchFamily="34" charset="0"/>
+                <a:ea typeface="Droid Sans" panose="020B0606030804020204" pitchFamily="34" charset="0"/>
+                <a:cs typeface="Droid Sans" panose="020B0606030804020204" pitchFamily="34" charset="0"/>
+              </a:rPr>
+              <a:t>db</a:t>
             </a:r>
             <a:r>
               <a:rPr lang="en-GB" sz="1150" dirty="0">
-                <a:latin typeface="Lucida Console" panose="020B0609040504020204" pitchFamily="49" charset="0"/>
-              </a:rPr>
-              <a:t>"</a:t>
-            </a:r>
-            <a:r>
-              <a:rPr lang="en-GB" sz="1150" dirty="0" err="1" smtClean="0">
-                <a:latin typeface="Lucida Console" panose="020B0609040504020204" pitchFamily="49" charset="0"/>
-              </a:rPr>
-              <a:t>readWrite</a:t>
+                <a:latin typeface="Droid Sans" panose="020B0606030804020204" pitchFamily="34" charset="0"/>
+                <a:ea typeface="Droid Sans" panose="020B0606030804020204" pitchFamily="34" charset="0"/>
+                <a:cs typeface="Droid Sans" panose="020B0606030804020204" pitchFamily="34" charset="0"/>
+              </a:rPr>
+              <a:t> : “</a:t>
+            </a:r>
+            <a:r>
+              <a:rPr lang="en-GB" sz="1150" dirty="0" err="1">
+                <a:latin typeface="Droid Sans" panose="020B0606030804020204" pitchFamily="34" charset="0"/>
+                <a:ea typeface="Droid Sans" panose="020B0606030804020204" pitchFamily="34" charset="0"/>
+                <a:cs typeface="Droid Sans" panose="020B0606030804020204" pitchFamily="34" charset="0"/>
+              </a:rPr>
+              <a:t>NBGardens</a:t>
             </a:r>
             <a:r>
               <a:rPr lang="en-GB" sz="1150" dirty="0">
-                <a:latin typeface="Lucida Console" panose="020B0609040504020204" pitchFamily="49" charset="0"/>
-              </a:rPr>
-              <a:t>"</a:t>
-            </a:r>
-            <a:r>
-              <a:rPr lang="en-GB" sz="1150" dirty="0" smtClean="0">
-                <a:latin typeface="Lucida Console" panose="020B0609040504020204" pitchFamily="49" charset="0"/>
-              </a:rPr>
-              <a:t>,</a:t>
-            </a:r>
-            <a:endParaRPr lang="en-GB" sz="1150" dirty="0">
-              <a:latin typeface="Lucida Console" panose="020B0609040504020204" pitchFamily="49" charset="0"/>
-            </a:endParaRPr>
+                <a:latin typeface="Droid Sans" panose="020B0606030804020204" pitchFamily="34" charset="0"/>
+                <a:ea typeface="Droid Sans" panose="020B0606030804020204" pitchFamily="34" charset="0"/>
+                <a:cs typeface="Droid Sans" panose="020B0606030804020204" pitchFamily="34" charset="0"/>
+              </a:rPr>
+              <a:t>",</a:t>
+            </a:r>
           </a:p>
           <a:p>
             <a:r>
               <a:rPr lang="en-GB" sz="1150" dirty="0">
-                <a:latin typeface="Lucida Console" panose="020B0609040504020204" pitchFamily="49" charset="0"/>
-              </a:rPr>
-              <a:t>		</a:t>
-            </a:r>
-            <a:r>
-              <a:rPr lang="en-GB" sz="1150" dirty="0" err="1">
-                <a:latin typeface="Lucida Console" panose="020B0609040504020204" pitchFamily="49" charset="0"/>
-              </a:rPr>
-              <a:t>db</a:t>
-            </a:r>
-            <a:r>
-              <a:rPr lang="en-GB" sz="1150" dirty="0" smtClean="0">
-                <a:latin typeface="Lucida Console" panose="020B0609040504020204" pitchFamily="49" charset="0"/>
-              </a:rPr>
-              <a:t>:</a:t>
-            </a:r>
+                <a:latin typeface="Droid Sans" panose="020B0606030804020204" pitchFamily="34" charset="0"/>
+                <a:ea typeface="Droid Sans" panose="020B0606030804020204" pitchFamily="34" charset="0"/>
+                <a:cs typeface="Droid Sans" panose="020B0606030804020204" pitchFamily="34" charset="0"/>
+              </a:rPr>
+              <a:t>			collection : "Customer"},</a:t>
+            </a:r>
+          </a:p>
+          <a:p>
             <a:r>
               <a:rPr lang="en-GB" sz="1150" dirty="0">
-                <a:latin typeface="Lucida Console" panose="020B0609040504020204" pitchFamily="49" charset="0"/>
-              </a:rPr>
-              <a:t>"</a:t>
-            </a:r>
-            <a:r>
-              <a:rPr lang="en-GB" sz="1150" dirty="0" smtClean="0">
-                <a:latin typeface="Lucida Console" panose="020B0609040504020204" pitchFamily="49" charset="0"/>
-              </a:rPr>
-              <a:t>test</a:t>
-            </a:r>
+                <a:latin typeface="Droid Sans" panose="020B0606030804020204" pitchFamily="34" charset="0"/>
+                <a:ea typeface="Droid Sans" panose="020B0606030804020204" pitchFamily="34" charset="0"/>
+                <a:cs typeface="Droid Sans" panose="020B0606030804020204" pitchFamily="34" charset="0"/>
+              </a:rPr>
+              <a:t>		actions : ["find", "update", "insert", "remove"]</a:t>
+            </a:r>
+          </a:p>
+          <a:p>
             <a:r>
               <a:rPr lang="en-GB" sz="1150" dirty="0">
-                <a:latin typeface="Lucida Console" panose="020B0609040504020204" pitchFamily="49" charset="0"/>
-              </a:rPr>
-              <a:t>"</a:t>
-            </a:r>
-            <a:r>
-              <a:rPr lang="en-GB" sz="1150" dirty="0" smtClean="0">
-                <a:latin typeface="Lucida Console" panose="020B0609040504020204" pitchFamily="49" charset="0"/>
-              </a:rPr>
-              <a:t>,</a:t>
-            </a:r>
-            <a:endParaRPr lang="en-GB" sz="1150" dirty="0">
-              <a:latin typeface="Lucida Console" panose="020B0609040504020204" pitchFamily="49" charset="0"/>
-            </a:endParaRPr>
-          </a:p>
-          <a:p>
-            <a:r>
-              <a:rPr lang="en-GB" sz="1150" dirty="0">
-                <a:latin typeface="Lucida Console" panose="020B0609040504020204" pitchFamily="49" charset="0"/>
-              </a:rPr>
-              <a:t>		</a:t>
-            </a:r>
-            <a:r>
-              <a:rPr lang="en-GB" sz="1150" dirty="0" err="1">
-                <a:latin typeface="Lucida Console" panose="020B0609040504020204" pitchFamily="49" charset="0"/>
-              </a:rPr>
-              <a:t>collection</a:t>
-            </a:r>
-            <a:r>
-              <a:rPr lang="en-GB" sz="1150" dirty="0" err="1" smtClean="0">
-                <a:latin typeface="Lucida Console" panose="020B0609040504020204" pitchFamily="49" charset="0"/>
-              </a:rPr>
-              <a:t>:</a:t>
-            </a:r>
-            <a:r>
-              <a:rPr lang="en-GB" sz="1150" dirty="0" err="1">
-                <a:latin typeface="Lucida Console" panose="020B0609040504020204" pitchFamily="49" charset="0"/>
-              </a:rPr>
-              <a:t>"</a:t>
-            </a:r>
-            <a:r>
-              <a:rPr lang="en-GB" sz="1150" dirty="0" err="1" smtClean="0">
-                <a:latin typeface="Lucida Console" panose="020B0609040504020204" pitchFamily="49" charset="0"/>
-              </a:rPr>
-              <a:t>Customer</a:t>
-            </a:r>
-            <a:r>
-              <a:rPr lang="en-GB" sz="1150" dirty="0">
-                <a:latin typeface="Lucida Console" panose="020B0609040504020204" pitchFamily="49" charset="0"/>
-              </a:rPr>
-              <a:t>"</a:t>
-            </a:r>
-          </a:p>
-          <a:p>
-            <a:r>
-              <a:rPr lang="en-GB" sz="1150" dirty="0">
-                <a:latin typeface="Lucida Console" panose="020B0609040504020204" pitchFamily="49" charset="0"/>
+                <a:latin typeface="Droid Sans" panose="020B0606030804020204" pitchFamily="34" charset="0"/>
+                <a:ea typeface="Droid Sans" panose="020B0606030804020204" pitchFamily="34" charset="0"/>
+                <a:cs typeface="Droid Sans" panose="020B0606030804020204" pitchFamily="34" charset="0"/>
               </a:rPr>
               <a:t>}]})</a:t>
             </a:r>
-          </a:p>
-          <a:p>
-            <a:endParaRPr lang="en-GB" sz="1150" dirty="0">
-              <a:latin typeface="Lucida Console" panose="020B0609040504020204" pitchFamily="49" charset="0"/>
-            </a:endParaRPr>
-          </a:p>
-          <a:p>
-            <a:r>
-              <a:rPr lang="en-GB" sz="1150" dirty="0" err="1">
-                <a:latin typeface="Lucida Console" panose="020B0609040504020204" pitchFamily="49" charset="0"/>
-              </a:rPr>
-              <a:t>db.runCommand</a:t>
-            </a:r>
-            <a:r>
-              <a:rPr lang="en-GB" sz="1150" dirty="0">
-                <a:latin typeface="Lucida Console" panose="020B0609040504020204" pitchFamily="49" charset="0"/>
-              </a:rPr>
-              <a:t> ({</a:t>
-            </a:r>
-          </a:p>
-          <a:p>
-            <a:r>
-              <a:rPr lang="en-GB" sz="1150" dirty="0">
-                <a:latin typeface="Lucida Console" panose="020B0609040504020204" pitchFamily="49" charset="0"/>
-              </a:rPr>
-              <a:t>	</a:t>
-            </a:r>
-            <a:r>
-              <a:rPr lang="en-GB" sz="1150" dirty="0" err="1">
-                <a:latin typeface="Lucida Console" panose="020B0609040504020204" pitchFamily="49" charset="0"/>
-              </a:rPr>
-              <a:t>updateRole</a:t>
-            </a:r>
-            <a:r>
-              <a:rPr lang="en-GB" sz="1150" dirty="0">
-                <a:latin typeface="Lucida Console" panose="020B0609040504020204" pitchFamily="49" charset="0"/>
-              </a:rPr>
-              <a:t>:"test",</a:t>
-            </a:r>
-          </a:p>
-          <a:p>
-            <a:r>
-              <a:rPr lang="en-GB" sz="1150" dirty="0">
-                <a:latin typeface="Lucida Console" panose="020B0609040504020204" pitchFamily="49" charset="0"/>
-              </a:rPr>
-              <a:t>	</a:t>
-            </a:r>
-            <a:r>
-              <a:rPr lang="en-GB" sz="1150" dirty="0" smtClean="0">
-                <a:latin typeface="Lucida Console" panose="020B0609040504020204" pitchFamily="49" charset="0"/>
-              </a:rPr>
-              <a:t>privileges</a:t>
-            </a:r>
-            <a:r>
-              <a:rPr lang="en-GB" sz="1150" dirty="0">
-                <a:latin typeface="Lucida Console" panose="020B0609040504020204" pitchFamily="49" charset="0"/>
-              </a:rPr>
-              <a:t>:[{</a:t>
-            </a:r>
-          </a:p>
-          <a:p>
-            <a:r>
-              <a:rPr lang="en-GB" sz="1150" dirty="0">
-                <a:latin typeface="Lucida Console" panose="020B0609040504020204" pitchFamily="49" charset="0"/>
-              </a:rPr>
-              <a:t>		resource:{</a:t>
-            </a:r>
-          </a:p>
-          <a:p>
-            <a:r>
-              <a:rPr lang="en-GB" sz="1150" dirty="0">
-                <a:latin typeface="Lucida Console" panose="020B0609040504020204" pitchFamily="49" charset="0"/>
-              </a:rPr>
-              <a:t>			</a:t>
-            </a:r>
-            <a:r>
-              <a:rPr lang="en-GB" sz="1150" dirty="0" err="1">
-                <a:latin typeface="Lucida Console" panose="020B0609040504020204" pitchFamily="49" charset="0"/>
-              </a:rPr>
-              <a:t>db</a:t>
-            </a:r>
-            <a:r>
-              <a:rPr lang="en-GB" sz="1150" dirty="0">
-                <a:latin typeface="Lucida Console" panose="020B0609040504020204" pitchFamily="49" charset="0"/>
-              </a:rPr>
-              <a:t>:"test",</a:t>
-            </a:r>
-          </a:p>
-          <a:p>
-            <a:r>
-              <a:rPr lang="en-GB" sz="1150" dirty="0">
-                <a:latin typeface="Lucida Console" panose="020B0609040504020204" pitchFamily="49" charset="0"/>
-              </a:rPr>
-              <a:t>			</a:t>
-            </a:r>
-            <a:r>
-              <a:rPr lang="en-GB" sz="1150" dirty="0" err="1">
-                <a:latin typeface="Lucida Console" panose="020B0609040504020204" pitchFamily="49" charset="0"/>
-              </a:rPr>
-              <a:t>collection:"</a:t>
-            </a:r>
-            <a:r>
-              <a:rPr lang="en-GB" sz="1150" dirty="0" err="1" smtClean="0">
-                <a:latin typeface="Lucida Console" panose="020B0609040504020204" pitchFamily="49" charset="0"/>
-              </a:rPr>
-              <a:t>Customer</a:t>
-            </a:r>
-            <a:r>
-              <a:rPr lang="en-GB" sz="1150" dirty="0">
-                <a:latin typeface="Lucida Console" panose="020B0609040504020204" pitchFamily="49" charset="0"/>
-              </a:rPr>
-              <a:t>"</a:t>
-            </a:r>
-            <a:endParaRPr lang="en-GB" sz="1150" dirty="0" smtClean="0">
-              <a:latin typeface="Lucida Console" panose="020B0609040504020204" pitchFamily="49" charset="0"/>
-            </a:endParaRPr>
-          </a:p>
-          <a:p>
-            <a:r>
-              <a:rPr lang="en-GB" sz="1150" dirty="0">
-                <a:latin typeface="Lucida Console" panose="020B0609040504020204" pitchFamily="49" charset="0"/>
-              </a:rPr>
-              <a:t>		}, actions:["find", "update", "insert", "remove"]</a:t>
-            </a:r>
-          </a:p>
-          <a:p>
-            <a:r>
-              <a:rPr lang="en-GB" sz="1150" dirty="0">
-                <a:latin typeface="Lucida Console" panose="020B0609040504020204" pitchFamily="49" charset="0"/>
-              </a:rPr>
-              <a:t>}]})</a:t>
-            </a:r>
-            <a:endParaRPr lang="en-GB" sz="1150" dirty="0">
-              <a:latin typeface="Lucida Console" panose="020B0609040504020204" pitchFamily="49" charset="0"/>
-            </a:endParaRPr>
           </a:p>
         </p:txBody>
       </p:sp>
@@ -7545,7 +7460,7 @@
           <a:p>
             <a:pPr algn="ctr"/>
             <a:r>
-              <a:rPr lang="en-US" sz="3200" dirty="0" smtClean="0">
+              <a:rPr lang="en-US" sz="3200" dirty="0">
                 <a:latin typeface="Crete Round" panose="02000503050000020004" pitchFamily="50" charset="0"/>
               </a:rPr>
               <a:t>Oracle</a:t>
@@ -7659,7 +7574,7 @@
           <a:p>
             <a:pPr algn="ctr"/>
             <a:r>
-              <a:rPr lang="en-US" sz="3200" dirty="0" smtClean="0">
+              <a:rPr lang="en-US" sz="3200" dirty="0">
                 <a:latin typeface="Crete Round" panose="02000503050000020004" pitchFamily="50" charset="0"/>
               </a:rPr>
               <a:t>MongoDB</a:t>
@@ -7692,13 +7607,6 @@
       </p:transition>
     </mc:Fallback>
   </mc:AlternateContent>
-  <p:timing>
-    <p:tnLst>
-      <p:par>
-        <p:cTn id="1" dur="indefinite" restart="never" nodeType="tmRoot"/>
-      </p:par>
-    </p:tnLst>
-  </p:timing>
 </p:sld>
 </file>
 
@@ -7735,20 +7643,17 @@
           <a:lstStyle/>
           <a:p>
             <a:r>
-              <a:rPr lang="en-US" dirty="0" smtClean="0">
+              <a:rPr lang="en-US" dirty="0">
                 <a:latin typeface="Crete Round" panose="02000503050000020004" pitchFamily="50" charset="0"/>
               </a:rPr>
               <a:t>Oracle: </a:t>
             </a:r>
             <a:r>
-              <a:rPr lang="en-US" sz="3200" b="0" dirty="0" smtClean="0">
+              <a:rPr lang="en-US" sz="3200" b="0" dirty="0">
                 <a:latin typeface="Crete Round" panose="02000503050000020004" pitchFamily="50" charset="0"/>
               </a:rPr>
               <a:t>Query</a:t>
             </a:r>
-            <a:endParaRPr lang="en-US" sz="3200" b="0" dirty="0">
-              <a:latin typeface="Crete Round" panose="02000503050000020004" pitchFamily="50" charset="0"/>
-            </a:endParaRPr>
           </a:p>
         </p:txBody>
       </p:sp>
@@ -7760,7 +7665,7 @@
         </p:nvSpPr>
         <p:spPr>
           <a:xfrm>
-            <a:off x="163609" y="2204864"/>
+            <a:off x="12495953" y="5857942"/>
             <a:ext cx="5760452" cy="4555444"/>
           </a:xfrm>
           <a:prstGeom prst="rect">
@@ -7896,7 +7801,7 @@
               <a:t>    </a:t>
             </a:r>
             <a:r>
-              <a:rPr lang="en-GB" sz="900" dirty="0" err="1" smtClean="0">
+              <a:rPr lang="en-GB" sz="900" dirty="0" err="1">
                 <a:latin typeface="Lucida Console" panose="020B0609040504020204" pitchFamily="49" charset="0"/>
               </a:rPr>
               <a:t>Product.productprice</a:t>
@@ -8052,13 +7957,7 @@
               <a:rPr lang="en-GB" sz="900" dirty="0">
                 <a:latin typeface="Lucida Console" panose="020B0609040504020204" pitchFamily="49" charset="0"/>
               </a:rPr>
-              <a:t> = 5</a:t>
-            </a:r>
-            <a:r>
-              <a:rPr lang="en-GB" sz="900" dirty="0" smtClean="0">
-                <a:latin typeface="Lucida Console" panose="020B0609040504020204" pitchFamily="49" charset="0"/>
-              </a:rPr>
-              <a:t>;</a:t>
+              <a:t> = 5;</a:t>
             </a:r>
           </a:p>
           <a:p>
@@ -8068,48 +7967,22 @@
           </a:p>
           <a:p>
             <a:r>
-              <a:rPr lang="en-GB" sz="900" dirty="0" err="1" smtClean="0">
-                <a:latin typeface="Lucida Console" panose="020B0609040504020204" pitchFamily="49" charset="0"/>
-              </a:rPr>
-              <a:t>order_ID</a:t>
-            </a:r>
-            <a:r>
-              <a:rPr lang="en-GB" sz="900" dirty="0" smtClean="0">
-                <a:latin typeface="Lucida Console" panose="020B0609040504020204" pitchFamily="49" charset="0"/>
-              </a:rPr>
-              <a:t> </a:t>
-            </a:r>
-            <a:r>
               <a:rPr lang="en-GB" sz="900" dirty="0" err="1">
                 <a:latin typeface="Lucida Console" panose="020B0609040504020204" pitchFamily="49" charset="0"/>
               </a:rPr>
-              <a:t>CustomerOrder.orderID%type</a:t>
+              <a:t>order_ID</a:t>
             </a:r>
             <a:r>
               <a:rPr lang="en-GB" sz="900" dirty="0">
                 <a:latin typeface="Lucida Console" panose="020B0609040504020204" pitchFamily="49" charset="0"/>
               </a:rPr>
-              <a:t>;</a:t>
-            </a:r>
-          </a:p>
-          <a:p>
-            <a:r>
-              <a:rPr lang="en-GB" sz="900" dirty="0" err="1" smtClean="0">
-                <a:latin typeface="Lucida Console" panose="020B0609040504020204" pitchFamily="49" charset="0"/>
-              </a:rPr>
-              <a:t>product_ID</a:t>
-            </a:r>
-            <a:r>
-              <a:rPr lang="en-GB" sz="900" dirty="0" smtClean="0">
-                <a:latin typeface="Lucida Console" panose="020B0609040504020204" pitchFamily="49" charset="0"/>
-              </a:rPr>
               <a:t> </a:t>
             </a:r>
             <a:r>
               <a:rPr lang="en-GB" sz="900" dirty="0" err="1">
                 <a:latin typeface="Lucida Console" panose="020B0609040504020204" pitchFamily="49" charset="0"/>
               </a:rPr>
-              <a:t>CustomerOrderLine.productID%type</a:t>
+              <a:t>CustomerOrder.orderID%type</a:t>
             </a:r>
             <a:r>
               <a:rPr lang="en-GB" sz="900" dirty="0">
@@ -8120,45 +7993,71 @@
           </a:p>
           <a:p>
             <a:r>
-              <a:rPr lang="en-GB" sz="900" dirty="0" smtClean="0">
-                <a:latin typeface="Lucida Console" panose="020B0609040504020204" pitchFamily="49" charset="0"/>
-              </a:rPr>
-              <a:t>quantity </a:t>
-            </a:r>
-            <a:r>
               <a:rPr lang="en-GB" sz="900" dirty="0" err="1">
                 <a:latin typeface="Lucida Console" panose="020B0609040504020204" pitchFamily="49" charset="0"/>
               </a:rPr>
-              <a:t>CustomerOrderLine.clineQuantity%type</a:t>
+              <a:t>product_ID</a:t>
             </a:r>
             <a:r>
               <a:rPr lang="en-GB" sz="900" dirty="0">
                 <a:latin typeface="Lucida Console" panose="020B0609040504020204" pitchFamily="49" charset="0"/>
               </a:rPr>
-              <a:t>;</a:t>
-            </a:r>
-          </a:p>
-          <a:p>
-            <a:r>
-              <a:rPr lang="en-GB" sz="900" dirty="0" err="1" smtClean="0">
-                <a:latin typeface="Lucida Console" panose="020B0609040504020204" pitchFamily="49" charset="0"/>
-              </a:rPr>
-              <a:t>product_Price</a:t>
-            </a:r>
-            <a:r>
-              <a:rPr lang="en-GB" sz="900" dirty="0" smtClean="0">
-                <a:latin typeface="Lucida Console" panose="020B0609040504020204" pitchFamily="49" charset="0"/>
-              </a:rPr>
               <a:t> </a:t>
             </a:r>
             <a:r>
               <a:rPr lang="en-GB" sz="900" dirty="0" err="1">
                 <a:latin typeface="Lucida Console" panose="020B0609040504020204" pitchFamily="49" charset="0"/>
               </a:rPr>
+              <a:t>CustomerOrderLine.productID%type</a:t>
+            </a:r>
+            <a:r>
+              <a:rPr lang="en-GB" sz="900" dirty="0">
+                <a:latin typeface="Lucida Console" panose="020B0609040504020204" pitchFamily="49" charset="0"/>
+              </a:rPr>
+              <a:t>;</a:t>
+            </a:r>
+          </a:p>
+          <a:p>
+            <a:r>
+              <a:rPr lang="en-GB" sz="900" dirty="0">
+                <a:latin typeface="Lucida Console" panose="020B0609040504020204" pitchFamily="49" charset="0"/>
+              </a:rPr>
+              <a:t>quantity </a:t>
+            </a:r>
+            <a:r>
+              <a:rPr lang="en-GB" sz="900" dirty="0" err="1">
+                <a:latin typeface="Lucida Console" panose="020B0609040504020204" pitchFamily="49" charset="0"/>
+              </a:rPr>
+              <a:t>CustomerOrderLine.clineQuantity%type</a:t>
+            </a:r>
+            <a:r>
+              <a:rPr lang="en-GB" sz="900" dirty="0">
+                <a:latin typeface="Lucida Console" panose="020B0609040504020204" pitchFamily="49" charset="0"/>
+              </a:rPr>
+              <a:t>;</a:t>
+            </a:r>
+          </a:p>
+          <a:p>
+            <a:r>
+              <a:rPr lang="en-GB" sz="900" dirty="0" err="1">
+                <a:latin typeface="Lucida Console" panose="020B0609040504020204" pitchFamily="49" charset="0"/>
+              </a:rPr>
+              <a:t>product_Price</a:t>
+            </a:r>
+            <a:r>
+              <a:rPr lang="en-GB" sz="900" dirty="0">
+                <a:latin typeface="Lucida Console" panose="020B0609040504020204" pitchFamily="49" charset="0"/>
+              </a:rPr>
+              <a:t> </a:t>
+            </a:r>
+            <a:r>
+              <a:rPr lang="en-GB" sz="900" dirty="0" err="1">
+                <a:latin typeface="Lucida Console" panose="020B0609040504020204" pitchFamily="49" charset="0"/>
+              </a:rPr>
               <a:t>product.productPrice%type</a:t>
             </a:r>
             <a:r>
-              <a:rPr lang="en-GB" sz="900" dirty="0" smtClean="0">
+              <a:rPr lang="en-GB" sz="900" dirty="0">
                 <a:latin typeface="Lucida Console" panose="020B0609040504020204" pitchFamily="49" charset="0"/>
               </a:rPr>
               <a:t>;</a:t>
@@ -8171,7 +8070,7 @@
           </a:p>
           <a:p>
             <a:r>
-              <a:rPr lang="en-GB" sz="900" dirty="0" smtClean="0">
+              <a:rPr lang="en-GB" sz="900" dirty="0">
                 <a:latin typeface="Lucida Console" panose="020B0609040504020204" pitchFamily="49" charset="0"/>
               </a:rPr>
               <a:t>BEGIN</a:t>
@@ -8179,7 +8078,7 @@
           </a:p>
           <a:p>
             <a:r>
-              <a:rPr lang="en-GB" sz="900" dirty="0" smtClean="0">
+              <a:rPr lang="en-GB" sz="900" dirty="0">
                 <a:latin typeface="Lucida Console" panose="020B0609040504020204" pitchFamily="49" charset="0"/>
               </a:rPr>
               <a:t>OPEN cursor;</a:t>
@@ -8187,7 +8086,7 @@
           </a:p>
           <a:p>
             <a:r>
-              <a:rPr lang="en-GB" sz="900" dirty="0" smtClean="0">
+              <a:rPr lang="en-GB" sz="900" dirty="0">
                 <a:latin typeface="Lucida Console" panose="020B0609040504020204" pitchFamily="49" charset="0"/>
               </a:rPr>
               <a:t>LOOP</a:t>
@@ -8195,43 +8094,43 @@
           </a:p>
           <a:p>
             <a:r>
-              <a:rPr lang="en-GB" sz="900" dirty="0" smtClean="0">
+              <a:rPr lang="en-GB" sz="900" dirty="0">
                 <a:latin typeface="Lucida Console" panose="020B0609040504020204" pitchFamily="49" charset="0"/>
               </a:rPr>
               <a:t>  FETCH cursor into </a:t>
             </a:r>
             <a:r>
-              <a:rPr lang="en-GB" sz="900" dirty="0" err="1" smtClean="0">
+              <a:rPr lang="en-GB" sz="900" dirty="0" err="1">
                 <a:latin typeface="Lucida Console" panose="020B0609040504020204" pitchFamily="49" charset="0"/>
               </a:rPr>
               <a:t>order_ID</a:t>
             </a:r>
             <a:r>
-              <a:rPr lang="en-GB" sz="900" dirty="0" smtClean="0">
+              <a:rPr lang="en-GB" sz="900" dirty="0">
                 <a:latin typeface="Lucida Console" panose="020B0609040504020204" pitchFamily="49" charset="0"/>
               </a:rPr>
               <a:t>, </a:t>
             </a:r>
             <a:r>
-              <a:rPr lang="en-GB" sz="900" dirty="0" err="1" smtClean="0">
+              <a:rPr lang="en-GB" sz="900" dirty="0" err="1">
                 <a:latin typeface="Lucida Console" panose="020B0609040504020204" pitchFamily="49" charset="0"/>
               </a:rPr>
               <a:t>product_ID</a:t>
             </a:r>
             <a:r>
-              <a:rPr lang="en-GB" sz="900" dirty="0" smtClean="0">
+              <a:rPr lang="en-GB" sz="900" dirty="0">
                 <a:latin typeface="Lucida Console" panose="020B0609040504020204" pitchFamily="49" charset="0"/>
               </a:rPr>
               <a:t>, quantity, </a:t>
             </a:r>
             <a:r>
-              <a:rPr lang="en-GB" sz="900" dirty="0" err="1" smtClean="0">
+              <a:rPr lang="en-GB" sz="900" dirty="0" err="1">
                 <a:latin typeface="Lucida Console" panose="020B0609040504020204" pitchFamily="49" charset="0"/>
               </a:rPr>
               <a:t>product_Price</a:t>
             </a:r>
             <a:r>
-              <a:rPr lang="en-GB" sz="900" dirty="0" smtClean="0">
+              <a:rPr lang="en-GB" sz="900" dirty="0">
                 <a:latin typeface="Lucida Console" panose="020B0609040504020204" pitchFamily="49" charset="0"/>
               </a:rPr>
               <a:t>;</a:t>
@@ -8239,19 +8138,19 @@
           </a:p>
           <a:p>
             <a:r>
-              <a:rPr lang="en-GB" sz="900" dirty="0" smtClean="0">
+              <a:rPr lang="en-GB" sz="900" dirty="0">
                 <a:latin typeface="Lucida Console" panose="020B0609040504020204" pitchFamily="49" charset="0"/>
               </a:rPr>
               <a:t>  IF </a:t>
             </a:r>
             <a:r>
-              <a:rPr lang="en-GB" sz="900" dirty="0" err="1" smtClean="0">
+              <a:rPr lang="en-GB" sz="900" dirty="0" err="1">
                 <a:latin typeface="Lucida Console" panose="020B0609040504020204" pitchFamily="49" charset="0"/>
               </a:rPr>
               <a:t>cursor%found</a:t>
             </a:r>
             <a:r>
-              <a:rPr lang="en-GB" sz="900" dirty="0" smtClean="0">
+              <a:rPr lang="en-GB" sz="900" dirty="0">
                 <a:latin typeface="Lucida Console" panose="020B0609040504020204" pitchFamily="49" charset="0"/>
               </a:rPr>
               <a:t> then</a:t>
@@ -8259,31 +8158,31 @@
           </a:p>
           <a:p>
             <a:r>
-              <a:rPr lang="en-GB" sz="900" dirty="0" smtClean="0">
+              <a:rPr lang="en-GB" sz="900" dirty="0">
                 <a:latin typeface="Lucida Console" panose="020B0609040504020204" pitchFamily="49" charset="0"/>
               </a:rPr>
               <a:t>    </a:t>
             </a:r>
             <a:r>
-              <a:rPr lang="en-GB" sz="900" dirty="0" err="1" smtClean="0">
+              <a:rPr lang="en-GB" sz="900" dirty="0" err="1">
                 <a:latin typeface="Lucida Console" panose="020B0609040504020204" pitchFamily="49" charset="0"/>
               </a:rPr>
               <a:t>dbms_output.put_line</a:t>
             </a:r>
             <a:r>
-              <a:rPr lang="en-GB" sz="900" dirty="0" smtClean="0">
+              <a:rPr lang="en-GB" sz="900" dirty="0">
                 <a:latin typeface="Lucida Console" panose="020B0609040504020204" pitchFamily="49" charset="0"/>
               </a:rPr>
               <a:t>('Order ID: '||</a:t>
             </a:r>
             <a:r>
-              <a:rPr lang="en-GB" sz="900" dirty="0" err="1" smtClean="0">
+              <a:rPr lang="en-GB" sz="900" dirty="0" err="1">
                 <a:latin typeface="Lucida Console" panose="020B0609040504020204" pitchFamily="49" charset="0"/>
               </a:rPr>
               <a:t>order_ID</a:t>
             </a:r>
             <a:r>
-              <a:rPr lang="en-GB" sz="900" dirty="0" smtClean="0">
+              <a:rPr lang="en-GB" sz="900" dirty="0">
                 <a:latin typeface="Lucida Console" panose="020B0609040504020204" pitchFamily="49" charset="0"/>
               </a:rPr>
               <a:t> ||</a:t>
@@ -8291,19 +8190,19 @@
           </a:p>
           <a:p>
             <a:r>
-              <a:rPr lang="en-GB" sz="900" dirty="0" smtClean="0">
+              <a:rPr lang="en-GB" sz="900" dirty="0">
                 <a:latin typeface="Lucida Console" panose="020B0609040504020204" pitchFamily="49" charset="0"/>
               </a:rPr>
               <a:t>	'  Product ID: ' || </a:t>
             </a:r>
             <a:r>
-              <a:rPr lang="en-GB" sz="900" dirty="0" err="1" smtClean="0">
+              <a:rPr lang="en-GB" sz="900" dirty="0" err="1">
                 <a:latin typeface="Lucida Console" panose="020B0609040504020204" pitchFamily="49" charset="0"/>
               </a:rPr>
               <a:t>product_ID</a:t>
             </a:r>
             <a:r>
-              <a:rPr lang="en-GB" sz="900" dirty="0" smtClean="0">
+              <a:rPr lang="en-GB" sz="900" dirty="0">
                 <a:latin typeface="Lucida Console" panose="020B0609040504020204" pitchFamily="49" charset="0"/>
               </a:rPr>
               <a:t> ||</a:t>
@@ -8311,7 +8210,7 @@
           </a:p>
           <a:p>
             <a:r>
-              <a:rPr lang="en-GB" sz="900" dirty="0" smtClean="0">
+              <a:rPr lang="en-GB" sz="900" dirty="0">
                 <a:latin typeface="Lucida Console" panose="020B0609040504020204" pitchFamily="49" charset="0"/>
               </a:rPr>
               <a:t>	' Quantity: '|| quantity ||</a:t>
@@ -8319,19 +8218,19 @@
           </a:p>
           <a:p>
             <a:r>
-              <a:rPr lang="en-GB" sz="900" dirty="0" smtClean="0">
+              <a:rPr lang="en-GB" sz="900" dirty="0">
                 <a:latin typeface="Lucida Console" panose="020B0609040504020204" pitchFamily="49" charset="0"/>
               </a:rPr>
               <a:t>	' Product Price: '|| </a:t>
             </a:r>
             <a:r>
-              <a:rPr lang="en-GB" sz="900" dirty="0" err="1" smtClean="0">
+              <a:rPr lang="en-GB" sz="900" dirty="0" err="1">
                 <a:latin typeface="Lucida Console" panose="020B0609040504020204" pitchFamily="49" charset="0"/>
               </a:rPr>
               <a:t>product_Price</a:t>
             </a:r>
             <a:r>
-              <a:rPr lang="en-GB" sz="900" dirty="0" smtClean="0">
+              <a:rPr lang="en-GB" sz="900" dirty="0">
                 <a:latin typeface="Lucida Console" panose="020B0609040504020204" pitchFamily="49" charset="0"/>
               </a:rPr>
               <a:t>||</a:t>
@@ -8339,19 +8238,19 @@
           </a:p>
           <a:p>
             <a:r>
-              <a:rPr lang="en-GB" sz="900" dirty="0" smtClean="0">
+              <a:rPr lang="en-GB" sz="900" dirty="0">
                 <a:latin typeface="Lucida Console" panose="020B0609040504020204" pitchFamily="49" charset="0"/>
               </a:rPr>
               <a:t>	' Total: ' || quantity * </a:t>
             </a:r>
             <a:r>
-              <a:rPr lang="en-GB" sz="900" dirty="0" err="1" smtClean="0">
+              <a:rPr lang="en-GB" sz="900" dirty="0" err="1">
                 <a:latin typeface="Lucida Console" panose="020B0609040504020204" pitchFamily="49" charset="0"/>
               </a:rPr>
               <a:t>product_Price</a:t>
             </a:r>
             <a:r>
-              <a:rPr lang="en-GB" sz="900" dirty="0" smtClean="0">
+              <a:rPr lang="en-GB" sz="900" dirty="0">
                 <a:latin typeface="Lucida Console" panose="020B0609040504020204" pitchFamily="49" charset="0"/>
               </a:rPr>
               <a:t>);</a:t>
@@ -8359,7 +8258,7 @@
           </a:p>
           <a:p>
             <a:r>
-              <a:rPr lang="en-GB" sz="900" dirty="0" smtClean="0">
+              <a:rPr lang="en-GB" sz="900" dirty="0">
                 <a:latin typeface="Lucida Console" panose="020B0609040504020204" pitchFamily="49" charset="0"/>
               </a:rPr>
               <a:t>  ELSE exit;</a:t>
@@ -8367,7 +8266,7 @@
           </a:p>
           <a:p>
             <a:r>
-              <a:rPr lang="en-GB" sz="900" dirty="0" smtClean="0">
+              <a:rPr lang="en-GB" sz="900" dirty="0">
                 <a:latin typeface="Lucida Console" panose="020B0609040504020204" pitchFamily="49" charset="0"/>
               </a:rPr>
               <a:t>  END if;</a:t>
@@ -8375,7 +8274,7 @@
           </a:p>
           <a:p>
             <a:r>
-              <a:rPr lang="en-GB" sz="900" dirty="0" smtClean="0">
+              <a:rPr lang="en-GB" sz="900" dirty="0">
                 <a:latin typeface="Lucida Console" panose="020B0609040504020204" pitchFamily="49" charset="0"/>
               </a:rPr>
               <a:t>END loop;</a:t>
@@ -8383,7 +8282,7 @@
           </a:p>
           <a:p>
             <a:r>
-              <a:rPr lang="en-GB" sz="900" dirty="0" smtClean="0">
+              <a:rPr lang="en-GB" sz="900" dirty="0">
                 <a:latin typeface="Lucida Console" panose="020B0609040504020204" pitchFamily="49" charset="0"/>
               </a:rPr>
               <a:t>END;</a:t>
@@ -8391,14 +8290,11 @@
           </a:p>
           <a:p>
             <a:r>
-              <a:rPr lang="en-GB" sz="900" dirty="0" smtClean="0">
+              <a:rPr lang="en-GB" sz="900" dirty="0">
                 <a:latin typeface="Lucida Console" panose="020B0609040504020204" pitchFamily="49" charset="0"/>
               </a:rPr>
               <a:t>/</a:t>
             </a:r>
-            <a:endParaRPr lang="en-GB" sz="900" dirty="0">
-              <a:latin typeface="Lucida Console" panose="020B0609040504020204" pitchFamily="49" charset="0"/>
-            </a:endParaRPr>
           </a:p>
         </p:txBody>
       </p:sp>
@@ -8410,8 +8306,8 @@
         </p:nvSpPr>
         <p:spPr>
           <a:xfrm>
-            <a:off x="6255702" y="2190159"/>
-            <a:ext cx="5760452" cy="4555444"/>
+            <a:off x="3215773" y="5354319"/>
+            <a:ext cx="5760452" cy="802003"/>
           </a:xfrm>
           <a:prstGeom prst="rect">
             <a:avLst/>
@@ -8452,22 +8348,15 @@
           <a:lstStyle/>
           <a:p>
             <a:r>
-              <a:rPr lang="en-GB" sz="1000" dirty="0" smtClean="0">
-                <a:solidFill>
-                  <a:schemeClr val="accent6"/>
-                </a:solidFill>
-                <a:latin typeface="Lucida Console" panose="020B0609040504020204" pitchFamily="49" charset="0"/>
-              </a:rPr>
-              <a:t>Order </a:t>
-            </a:r>
-            <a:r>
               <a:rPr lang="en-GB" sz="1000" dirty="0">
                 <a:solidFill>
                   <a:schemeClr val="accent6"/>
                 </a:solidFill>
-                <a:latin typeface="Lucida Console" panose="020B0609040504020204" pitchFamily="49" charset="0"/>
-              </a:rPr>
-              <a:t>ID: 3  Product ID: 3 Quantity: 1  Product Price: 3000 Total: 3000</a:t>
+                <a:latin typeface="Droid Sans" panose="020B0606030804020204" pitchFamily="34" charset="0"/>
+                <a:ea typeface="Droid Sans" panose="020B0606030804020204" pitchFamily="34" charset="0"/>
+                <a:cs typeface="Droid Sans" panose="020B0606030804020204" pitchFamily="34" charset="0"/>
+              </a:rPr>
+              <a:t>Order ID: 3	Product ID: 3	Quantity: 1	Product Price: 3000	Total: 3000</a:t>
             </a:r>
           </a:p>
           <a:p>
@@ -8476,57 +8365,1316 @@
                 <a:solidFill>
                   <a:schemeClr val="accent6"/>
                 </a:solidFill>
-                <a:latin typeface="Lucida Console" panose="020B0609040504020204" pitchFamily="49" charset="0"/>
-              </a:rPr>
-              <a:t>Order ID: 4  Product ID: 2 Quantity: 1  Product Price: 100 </a:t>
-            </a:r>
-            <a:r>
-              <a:rPr lang="en-GB" sz="1000" dirty="0" smtClean="0">
-                <a:solidFill>
-                  <a:schemeClr val="accent6"/>
-                </a:solidFill>
-                <a:latin typeface="Lucida Console" panose="020B0609040504020204" pitchFamily="49" charset="0"/>
-              </a:rPr>
-              <a:t> Total</a:t>
-            </a:r>
+                <a:latin typeface="Droid Sans" panose="020B0606030804020204" pitchFamily="34" charset="0"/>
+                <a:ea typeface="Droid Sans" panose="020B0606030804020204" pitchFamily="34" charset="0"/>
+                <a:cs typeface="Droid Sans" panose="020B0606030804020204" pitchFamily="34" charset="0"/>
+              </a:rPr>
+              <a:t>Order ID: 4  	Product ID: 2 	Quantity: 1  	Product Price: 100  	Total: 100</a:t>
+            </a:r>
+          </a:p>
+          <a:p>
             <a:r>
               <a:rPr lang="en-GB" sz="1000" dirty="0">
                 <a:solidFill>
                   <a:schemeClr val="accent6"/>
                 </a:solidFill>
-                <a:latin typeface="Lucida Console" panose="020B0609040504020204" pitchFamily="49" charset="0"/>
-              </a:rPr>
-              <a:t>: 100</a:t>
-            </a:r>
-          </a:p>
-          <a:p>
-            <a:r>
-              <a:rPr lang="en-GB" sz="1000" dirty="0">
+                <a:latin typeface="Droid Sans" panose="020B0606030804020204" pitchFamily="34" charset="0"/>
+                <a:ea typeface="Droid Sans" panose="020B0606030804020204" pitchFamily="34" charset="0"/>
+                <a:cs typeface="Droid Sans" panose="020B0606030804020204" pitchFamily="34" charset="0"/>
+              </a:rPr>
+              <a:t>Order ID: 4  	Product ID: 5 	Quantity: 2  	Product Price: 300  	Total: 600</a:t>
+            </a:r>
+          </a:p>
+        </p:txBody>
+      </p:sp>
+      <p:graphicFrame>
+        <p:nvGraphicFramePr>
+          <p:cNvPr id="3" name="Table 2"/>
+          <p:cNvGraphicFramePr>
+            <a:graphicFrameLocks noGrp="1"/>
+          </p:cNvGraphicFramePr>
+          <p:nvPr>
+            <p:extLst>
+              <p:ext uri="{D42A27DB-BD31-4B8C-83A1-F6EECF244321}">
+                <p14:modId xmlns:p14="http://schemas.microsoft.com/office/powerpoint/2010/main" val="1220971497"/>
+              </p:ext>
+            </p:extLst>
+          </p:nvPr>
+        </p:nvGraphicFramePr>
+        <p:xfrm>
+          <a:off x="4819437" y="3222866"/>
+          <a:ext cx="2553124" cy="1645920"/>
+        </p:xfrm>
+        <a:graphic>
+          <a:graphicData uri="http://schemas.openxmlformats.org/drawingml/2006/table">
+            <a:tbl>
+              <a:tblPr firstRow="1" bandRow="1">
+                <a:tableStyleId>{D03447BB-5D67-496B-8E87-E561075AD55C}</a:tableStyleId>
+              </a:tblPr>
+              <a:tblGrid>
+                <a:gridCol w="1276562">
+                  <a:extLst>
+                    <a:ext uri="{9D8B030D-6E8A-4147-A177-3AD203B41FA5}">
+                      <a16:colId xmlns:a16="http://schemas.microsoft.com/office/drawing/2014/main" val="1298942262"/>
+                    </a:ext>
+                  </a:extLst>
+                </a:gridCol>
+                <a:gridCol w="1276562">
+                  <a:extLst>
+                    <a:ext uri="{9D8B030D-6E8A-4147-A177-3AD203B41FA5}">
+                      <a16:colId xmlns:a16="http://schemas.microsoft.com/office/drawing/2014/main" val="394811963"/>
+                    </a:ext>
+                  </a:extLst>
+                </a:gridCol>
+              </a:tblGrid>
+              <a:tr h="264442">
+                <a:tc>
+                  <a:txBody>
+                    <a:bodyPr/>
+                    <a:lstStyle/>
+                    <a:p>
+                      <a:pPr algn="ctr"/>
+                      <a:r>
+                        <a:rPr lang="en-GB" sz="1200" dirty="0"/>
+                        <a:t>Order ID</a:t>
+                      </a:r>
+                    </a:p>
+                  </a:txBody>
+                  <a:tcPr>
+                    <a:solidFill>
+                      <a:schemeClr val="bg1">
+                        <a:lumMod val="95000"/>
+                        <a:lumOff val="5000"/>
+                      </a:schemeClr>
+                    </a:solidFill>
+                  </a:tcPr>
+                </a:tc>
+                <a:tc>
+                  <a:txBody>
+                    <a:bodyPr/>
+                    <a:lstStyle/>
+                    <a:p>
+                      <a:pPr algn="ctr"/>
+                      <a:r>
+                        <a:rPr lang="en-GB" sz="1200" dirty="0"/>
+                        <a:t>Customer ID</a:t>
+                      </a:r>
+                    </a:p>
+                  </a:txBody>
+                  <a:tcPr>
+                    <a:solidFill>
+                      <a:schemeClr val="bg1">
+                        <a:lumMod val="95000"/>
+                        <a:lumOff val="5000"/>
+                      </a:schemeClr>
+                    </a:solidFill>
+                  </a:tcPr>
+                </a:tc>
+                <a:extLst>
+                  <a:ext uri="{0D108BD9-81ED-4DB2-BD59-A6C34878D82A}">
+                    <a16:rowId xmlns:a16="http://schemas.microsoft.com/office/drawing/2014/main" val="413672068"/>
+                  </a:ext>
+                </a:extLst>
+              </a:tr>
+              <a:tr h="264442">
+                <a:tc>
+                  <a:txBody>
+                    <a:bodyPr/>
+                    <a:lstStyle/>
+                    <a:p>
+                      <a:pPr algn="ctr"/>
+                      <a:r>
+                        <a:rPr lang="en-GB" sz="1200" dirty="0"/>
+                        <a:t>1</a:t>
+                      </a:r>
+                    </a:p>
+                  </a:txBody>
+                  <a:tcPr/>
+                </a:tc>
+                <a:tc>
+                  <a:txBody>
+                    <a:bodyPr/>
+                    <a:lstStyle/>
+                    <a:p>
+                      <a:pPr algn="ctr"/>
+                      <a:endParaRPr lang="en-GB" sz="1200" dirty="0"/>
+                    </a:p>
+                  </a:txBody>
+                  <a:tcPr/>
+                </a:tc>
+                <a:extLst>
+                  <a:ext uri="{0D108BD9-81ED-4DB2-BD59-A6C34878D82A}">
+                    <a16:rowId xmlns:a16="http://schemas.microsoft.com/office/drawing/2014/main" val="1043653945"/>
+                  </a:ext>
+                </a:extLst>
+              </a:tr>
+              <a:tr h="264442">
+                <a:tc>
+                  <a:txBody>
+                    <a:bodyPr/>
+                    <a:lstStyle/>
+                    <a:p>
+                      <a:pPr algn="ctr"/>
+                      <a:r>
+                        <a:rPr lang="en-GB" sz="1200" dirty="0"/>
+                        <a:t>2</a:t>
+                      </a:r>
+                    </a:p>
+                  </a:txBody>
+                  <a:tcPr/>
+                </a:tc>
+                <a:tc>
+                  <a:txBody>
+                    <a:bodyPr/>
+                    <a:lstStyle/>
+                    <a:p>
+                      <a:pPr algn="ctr"/>
+                      <a:endParaRPr lang="en-GB" sz="1200" dirty="0"/>
+                    </a:p>
+                  </a:txBody>
+                  <a:tcPr/>
+                </a:tc>
+                <a:extLst>
+                  <a:ext uri="{0D108BD9-81ED-4DB2-BD59-A6C34878D82A}">
+                    <a16:rowId xmlns:a16="http://schemas.microsoft.com/office/drawing/2014/main" val="3886440154"/>
+                  </a:ext>
+                </a:extLst>
+              </a:tr>
+              <a:tr h="264442">
+                <a:tc>
+                  <a:txBody>
+                    <a:bodyPr/>
+                    <a:lstStyle/>
+                    <a:p>
+                      <a:pPr algn="ctr"/>
+                      <a:r>
+                        <a:rPr lang="en-GB" sz="1200" dirty="0"/>
+                        <a:t>3</a:t>
+                      </a:r>
+                    </a:p>
+                  </a:txBody>
+                  <a:tcPr/>
+                </a:tc>
+                <a:tc>
+                  <a:txBody>
+                    <a:bodyPr/>
+                    <a:lstStyle/>
+                    <a:p>
+                      <a:pPr algn="ctr"/>
+                      <a:endParaRPr lang="en-GB" sz="1200" dirty="0"/>
+                    </a:p>
+                  </a:txBody>
+                  <a:tcPr/>
+                </a:tc>
+                <a:extLst>
+                  <a:ext uri="{0D108BD9-81ED-4DB2-BD59-A6C34878D82A}">
+                    <a16:rowId xmlns:a16="http://schemas.microsoft.com/office/drawing/2014/main" val="3245427642"/>
+                  </a:ext>
+                </a:extLst>
+              </a:tr>
+              <a:tr h="264442">
+                <a:tc>
+                  <a:txBody>
+                    <a:bodyPr/>
+                    <a:lstStyle/>
+                    <a:p>
+                      <a:pPr algn="ctr"/>
+                      <a:r>
+                        <a:rPr lang="en-GB" sz="1200" dirty="0"/>
+                        <a:t>4</a:t>
+                      </a:r>
+                    </a:p>
+                  </a:txBody>
+                  <a:tcPr/>
+                </a:tc>
+                <a:tc>
+                  <a:txBody>
+                    <a:bodyPr/>
+                    <a:lstStyle/>
+                    <a:p>
+                      <a:pPr algn="ctr"/>
+                      <a:endParaRPr lang="en-GB" sz="1200" dirty="0"/>
+                    </a:p>
+                  </a:txBody>
+                  <a:tcPr/>
+                </a:tc>
+                <a:extLst>
+                  <a:ext uri="{0D108BD9-81ED-4DB2-BD59-A6C34878D82A}">
+                    <a16:rowId xmlns:a16="http://schemas.microsoft.com/office/drawing/2014/main" val="3306548757"/>
+                  </a:ext>
+                </a:extLst>
+              </a:tr>
+              <a:tr h="264442">
+                <a:tc>
+                  <a:txBody>
+                    <a:bodyPr/>
+                    <a:lstStyle/>
+                    <a:p>
+                      <a:pPr algn="ctr"/>
+                      <a:r>
+                        <a:rPr lang="en-GB" sz="1200" dirty="0"/>
+                        <a:t>5</a:t>
+                      </a:r>
+                    </a:p>
+                  </a:txBody>
+                  <a:tcPr/>
+                </a:tc>
+                <a:tc>
+                  <a:txBody>
+                    <a:bodyPr/>
+                    <a:lstStyle/>
+                    <a:p>
+                      <a:pPr algn="ctr"/>
+                      <a:endParaRPr lang="en-GB" sz="1200" dirty="0"/>
+                    </a:p>
+                  </a:txBody>
+                  <a:tcPr/>
+                </a:tc>
+                <a:extLst>
+                  <a:ext uri="{0D108BD9-81ED-4DB2-BD59-A6C34878D82A}">
+                    <a16:rowId xmlns:a16="http://schemas.microsoft.com/office/drawing/2014/main" val="4049679292"/>
+                  </a:ext>
+                </a:extLst>
+              </a:tr>
+            </a:tbl>
+          </a:graphicData>
+        </a:graphic>
+      </p:graphicFrame>
+      <p:graphicFrame>
+        <p:nvGraphicFramePr>
+          <p:cNvPr id="8" name="Table 7"/>
+          <p:cNvGraphicFramePr>
+            <a:graphicFrameLocks noGrp="1"/>
+          </p:cNvGraphicFramePr>
+          <p:nvPr>
+            <p:extLst>
+              <p:ext uri="{D42A27DB-BD31-4B8C-83A1-F6EECF244321}">
+                <p14:modId xmlns:p14="http://schemas.microsoft.com/office/powerpoint/2010/main" val="2548519239"/>
+              </p:ext>
+            </p:extLst>
+          </p:nvPr>
+        </p:nvGraphicFramePr>
+        <p:xfrm>
+          <a:off x="345655" y="3222866"/>
+          <a:ext cx="4068864" cy="1645920"/>
+        </p:xfrm>
+        <a:graphic>
+          <a:graphicData uri="http://schemas.openxmlformats.org/drawingml/2006/table">
+            <a:tbl>
+              <a:tblPr firstRow="1" bandRow="1">
+                <a:tableStyleId>{E929F9F4-4A8F-4326-A1B4-22849713DDAB}</a:tableStyleId>
+              </a:tblPr>
+              <a:tblGrid>
+                <a:gridCol w="1265154">
+                  <a:extLst>
+                    <a:ext uri="{9D8B030D-6E8A-4147-A177-3AD203B41FA5}">
+                      <a16:colId xmlns:a16="http://schemas.microsoft.com/office/drawing/2014/main" val="2196832555"/>
+                    </a:ext>
+                  </a:extLst>
+                </a:gridCol>
+                <a:gridCol w="1401855">
+                  <a:extLst>
+                    <a:ext uri="{9D8B030D-6E8A-4147-A177-3AD203B41FA5}">
+                      <a16:colId xmlns:a16="http://schemas.microsoft.com/office/drawing/2014/main" val="1352397420"/>
+                    </a:ext>
+                  </a:extLst>
+                </a:gridCol>
+                <a:gridCol w="1401855">
+                  <a:extLst>
+                    <a:ext uri="{9D8B030D-6E8A-4147-A177-3AD203B41FA5}">
+                      <a16:colId xmlns:a16="http://schemas.microsoft.com/office/drawing/2014/main" val="3441529997"/>
+                    </a:ext>
+                  </a:extLst>
+                </a:gridCol>
+              </a:tblGrid>
+              <a:tr h="228575">
+                <a:tc>
+                  <a:txBody>
+                    <a:bodyPr/>
+                    <a:lstStyle/>
+                    <a:p>
+                      <a:pPr algn="ctr"/>
+                      <a:r>
+                        <a:rPr lang="en-GB" sz="1200" dirty="0"/>
+                        <a:t>Product ID</a:t>
+                      </a:r>
+                    </a:p>
+                  </a:txBody>
+                  <a:tcPr>
+                    <a:solidFill>
+                      <a:schemeClr val="bg1">
+                        <a:lumMod val="95000"/>
+                        <a:lumOff val="5000"/>
+                      </a:schemeClr>
+                    </a:solidFill>
+                  </a:tcPr>
+                </a:tc>
+                <a:tc>
+                  <a:txBody>
+                    <a:bodyPr/>
+                    <a:lstStyle/>
+                    <a:p>
+                      <a:pPr algn="ctr"/>
+                      <a:r>
+                        <a:rPr lang="en-GB" sz="1200" dirty="0"/>
+                        <a:t>Product</a:t>
+                      </a:r>
+                      <a:r>
+                        <a:rPr lang="en-GB" sz="1200" baseline="0" dirty="0"/>
+                        <a:t> Name</a:t>
+                      </a:r>
+                      <a:endParaRPr lang="en-GB" sz="1200" dirty="0"/>
+                    </a:p>
+                  </a:txBody>
+                  <a:tcPr>
+                    <a:solidFill>
+                      <a:schemeClr val="bg1">
+                        <a:lumMod val="95000"/>
+                        <a:lumOff val="5000"/>
+                      </a:schemeClr>
+                    </a:solidFill>
+                  </a:tcPr>
+                </a:tc>
+                <a:tc>
+                  <a:txBody>
+                    <a:bodyPr/>
+                    <a:lstStyle/>
+                    <a:p>
+                      <a:pPr algn="ctr"/>
+                      <a:r>
+                        <a:rPr lang="en-GB" sz="1200" dirty="0"/>
+                        <a:t>Product Price</a:t>
+                      </a:r>
+                    </a:p>
+                  </a:txBody>
+                  <a:tcPr>
+                    <a:solidFill>
+                      <a:schemeClr val="bg1">
+                        <a:lumMod val="95000"/>
+                        <a:lumOff val="5000"/>
+                      </a:schemeClr>
+                    </a:solidFill>
+                  </a:tcPr>
+                </a:tc>
+                <a:extLst>
+                  <a:ext uri="{0D108BD9-81ED-4DB2-BD59-A6C34878D82A}">
+                    <a16:rowId xmlns:a16="http://schemas.microsoft.com/office/drawing/2014/main" val="2082647985"/>
+                  </a:ext>
+                </a:extLst>
+              </a:tr>
+              <a:tr h="228575">
+                <a:tc>
+                  <a:txBody>
+                    <a:bodyPr/>
+                    <a:lstStyle/>
+                    <a:p>
+                      <a:pPr algn="ctr"/>
+                      <a:r>
+                        <a:rPr lang="en-GB" sz="1200" dirty="0"/>
+                        <a:t>1</a:t>
+                      </a:r>
+                    </a:p>
+                  </a:txBody>
+                  <a:tcPr/>
+                </a:tc>
+                <a:tc>
+                  <a:txBody>
+                    <a:bodyPr/>
+                    <a:lstStyle/>
+                    <a:p>
+                      <a:pPr algn="ctr"/>
+                      <a:endParaRPr lang="en-GB" sz="1200" dirty="0"/>
+                    </a:p>
+                  </a:txBody>
+                  <a:tcPr/>
+                </a:tc>
+                <a:tc>
+                  <a:txBody>
+                    <a:bodyPr/>
+                    <a:lstStyle/>
+                    <a:p>
+                      <a:pPr algn="ctr"/>
+                      <a:endParaRPr lang="en-GB" sz="1200" dirty="0"/>
+                    </a:p>
+                  </a:txBody>
+                  <a:tcPr/>
+                </a:tc>
+                <a:extLst>
+                  <a:ext uri="{0D108BD9-81ED-4DB2-BD59-A6C34878D82A}">
+                    <a16:rowId xmlns:a16="http://schemas.microsoft.com/office/drawing/2014/main" val="1540668276"/>
+                  </a:ext>
+                </a:extLst>
+              </a:tr>
+              <a:tr h="228575">
+                <a:tc>
+                  <a:txBody>
+                    <a:bodyPr/>
+                    <a:lstStyle/>
+                    <a:p>
+                      <a:pPr algn="ctr"/>
+                      <a:r>
+                        <a:rPr lang="en-GB" sz="1200" dirty="0"/>
+                        <a:t>2</a:t>
+                      </a:r>
+                    </a:p>
+                  </a:txBody>
+                  <a:tcPr/>
+                </a:tc>
+                <a:tc>
+                  <a:txBody>
+                    <a:bodyPr/>
+                    <a:lstStyle/>
+                    <a:p>
+                      <a:pPr algn="ctr"/>
+                      <a:endParaRPr lang="en-GB" sz="1200" dirty="0"/>
+                    </a:p>
+                  </a:txBody>
+                  <a:tcPr/>
+                </a:tc>
+                <a:tc>
+                  <a:txBody>
+                    <a:bodyPr/>
+                    <a:lstStyle/>
+                    <a:p>
+                      <a:pPr algn="ctr"/>
+                      <a:r>
+                        <a:rPr lang="en-GB" sz="1200" dirty="0"/>
+                        <a:t>400</a:t>
+                      </a:r>
+                    </a:p>
+                  </a:txBody>
+                  <a:tcPr/>
+                </a:tc>
+                <a:extLst>
+                  <a:ext uri="{0D108BD9-81ED-4DB2-BD59-A6C34878D82A}">
+                    <a16:rowId xmlns:a16="http://schemas.microsoft.com/office/drawing/2014/main" val="2798524773"/>
+                  </a:ext>
+                </a:extLst>
+              </a:tr>
+              <a:tr h="228575">
+                <a:tc>
+                  <a:txBody>
+                    <a:bodyPr/>
+                    <a:lstStyle/>
+                    <a:p>
+                      <a:pPr algn="ctr"/>
+                      <a:r>
+                        <a:rPr lang="en-GB" sz="1200" dirty="0"/>
+                        <a:t>3</a:t>
+                      </a:r>
+                    </a:p>
+                  </a:txBody>
+                  <a:tcPr/>
+                </a:tc>
+                <a:tc>
+                  <a:txBody>
+                    <a:bodyPr/>
+                    <a:lstStyle/>
+                    <a:p>
+                      <a:pPr algn="ctr"/>
+                      <a:endParaRPr lang="en-GB" sz="1200" dirty="0"/>
+                    </a:p>
+                  </a:txBody>
+                  <a:tcPr/>
+                </a:tc>
+                <a:tc>
+                  <a:txBody>
+                    <a:bodyPr/>
+                    <a:lstStyle/>
+                    <a:p>
+                      <a:pPr algn="ctr"/>
+                      <a:r>
+                        <a:rPr lang="en-GB" sz="1200" dirty="0"/>
+                        <a:t>3000</a:t>
+                      </a:r>
+                    </a:p>
+                  </a:txBody>
+                  <a:tcPr/>
+                </a:tc>
+                <a:extLst>
+                  <a:ext uri="{0D108BD9-81ED-4DB2-BD59-A6C34878D82A}">
+                    <a16:rowId xmlns:a16="http://schemas.microsoft.com/office/drawing/2014/main" val="919094837"/>
+                  </a:ext>
+                </a:extLst>
+              </a:tr>
+              <a:tr h="228575">
+                <a:tc>
+                  <a:txBody>
+                    <a:bodyPr/>
+                    <a:lstStyle/>
+                    <a:p>
+                      <a:pPr algn="ctr"/>
+                      <a:r>
+                        <a:rPr lang="en-GB" sz="1200" dirty="0"/>
+                        <a:t>4</a:t>
+                      </a:r>
+                    </a:p>
+                  </a:txBody>
+                  <a:tcPr/>
+                </a:tc>
+                <a:tc>
+                  <a:txBody>
+                    <a:bodyPr/>
+                    <a:lstStyle/>
+                    <a:p>
+                      <a:pPr algn="ctr"/>
+                      <a:endParaRPr lang="en-GB" sz="1200"/>
+                    </a:p>
+                  </a:txBody>
+                  <a:tcPr/>
+                </a:tc>
+                <a:tc>
+                  <a:txBody>
+                    <a:bodyPr/>
+                    <a:lstStyle/>
+                    <a:p>
+                      <a:pPr algn="ctr"/>
+                      <a:endParaRPr lang="en-GB" sz="1200" dirty="0"/>
+                    </a:p>
+                  </a:txBody>
+                  <a:tcPr/>
+                </a:tc>
+                <a:extLst>
+                  <a:ext uri="{0D108BD9-81ED-4DB2-BD59-A6C34878D82A}">
+                    <a16:rowId xmlns:a16="http://schemas.microsoft.com/office/drawing/2014/main" val="4049605181"/>
+                  </a:ext>
+                </a:extLst>
+              </a:tr>
+              <a:tr h="228575">
+                <a:tc>
+                  <a:txBody>
+                    <a:bodyPr/>
+                    <a:lstStyle/>
+                    <a:p>
+                      <a:pPr algn="ctr"/>
+                      <a:r>
+                        <a:rPr lang="en-GB" sz="1200" dirty="0"/>
+                        <a:t>5</a:t>
+                      </a:r>
+                    </a:p>
+                  </a:txBody>
+                  <a:tcPr/>
+                </a:tc>
+                <a:tc>
+                  <a:txBody>
+                    <a:bodyPr/>
+                    <a:lstStyle/>
+                    <a:p>
+                      <a:pPr algn="ctr"/>
+                      <a:endParaRPr lang="en-GB" sz="1200"/>
+                    </a:p>
+                  </a:txBody>
+                  <a:tcPr/>
+                </a:tc>
+                <a:tc>
+                  <a:txBody>
+                    <a:bodyPr/>
+                    <a:lstStyle/>
+                    <a:p>
+                      <a:pPr algn="ctr"/>
+                      <a:r>
+                        <a:rPr lang="en-GB" sz="1200" dirty="0"/>
+                        <a:t>300</a:t>
+                      </a:r>
+                    </a:p>
+                  </a:txBody>
+                  <a:tcPr/>
+                </a:tc>
+                <a:extLst>
+                  <a:ext uri="{0D108BD9-81ED-4DB2-BD59-A6C34878D82A}">
+                    <a16:rowId xmlns:a16="http://schemas.microsoft.com/office/drawing/2014/main" val="3815967543"/>
+                  </a:ext>
+                </a:extLst>
+              </a:tr>
+            </a:tbl>
+          </a:graphicData>
+        </a:graphic>
+      </p:graphicFrame>
+      <p:graphicFrame>
+        <p:nvGraphicFramePr>
+          <p:cNvPr id="9" name="Table 8"/>
+          <p:cNvGraphicFramePr>
+            <a:graphicFrameLocks noGrp="1"/>
+          </p:cNvGraphicFramePr>
+          <p:nvPr>
+            <p:extLst>
+              <p:ext uri="{D42A27DB-BD31-4B8C-83A1-F6EECF244321}">
+                <p14:modId xmlns:p14="http://schemas.microsoft.com/office/powerpoint/2010/main" val="424548576"/>
+              </p:ext>
+            </p:extLst>
+          </p:nvPr>
+        </p:nvGraphicFramePr>
+        <p:xfrm>
+          <a:off x="7777479" y="3222866"/>
+          <a:ext cx="4068863" cy="1645920"/>
+        </p:xfrm>
+        <a:graphic>
+          <a:graphicData uri="http://schemas.openxmlformats.org/drawingml/2006/table">
+            <a:tbl>
+              <a:tblPr firstRow="1" bandRow="1">
+                <a:tableStyleId>{8FD4443E-F989-4FC4-A0C8-D5A2AF1F390B}</a:tableStyleId>
+              </a:tblPr>
+              <a:tblGrid>
+                <a:gridCol w="1309137">
+                  <a:extLst>
+                    <a:ext uri="{9D8B030D-6E8A-4147-A177-3AD203B41FA5}">
+                      <a16:colId xmlns:a16="http://schemas.microsoft.com/office/drawing/2014/main" val="1000880495"/>
+                    </a:ext>
+                  </a:extLst>
+                </a:gridCol>
+                <a:gridCol w="1309137">
+                  <a:extLst>
+                    <a:ext uri="{9D8B030D-6E8A-4147-A177-3AD203B41FA5}">
+                      <a16:colId xmlns:a16="http://schemas.microsoft.com/office/drawing/2014/main" val="2196832555"/>
+                    </a:ext>
+                  </a:extLst>
+                </a:gridCol>
+                <a:gridCol w="1450589">
+                  <a:extLst>
+                    <a:ext uri="{9D8B030D-6E8A-4147-A177-3AD203B41FA5}">
+                      <a16:colId xmlns:a16="http://schemas.microsoft.com/office/drawing/2014/main" val="1352397420"/>
+                    </a:ext>
+                  </a:extLst>
+                </a:gridCol>
+              </a:tblGrid>
+              <a:tr h="188923">
+                <a:tc>
+                  <a:txBody>
+                    <a:bodyPr/>
+                    <a:lstStyle/>
+                    <a:p>
+                      <a:pPr algn="ctr"/>
+                      <a:r>
+                        <a:rPr lang="en-GB" sz="1200" dirty="0"/>
+                        <a:t>Order</a:t>
+                      </a:r>
+                      <a:r>
+                        <a:rPr lang="en-GB" sz="1200" baseline="0" dirty="0"/>
+                        <a:t> Line ID</a:t>
+                      </a:r>
+                      <a:endParaRPr lang="en-GB" sz="1200" dirty="0"/>
+                    </a:p>
+                  </a:txBody>
+                  <a:tcPr>
+                    <a:solidFill>
+                      <a:schemeClr val="bg1">
+                        <a:lumMod val="95000"/>
+                        <a:lumOff val="5000"/>
+                      </a:schemeClr>
+                    </a:solidFill>
+                  </a:tcPr>
+                </a:tc>
+                <a:tc>
+                  <a:txBody>
+                    <a:bodyPr/>
+                    <a:lstStyle/>
+                    <a:p>
+                      <a:pPr algn="ctr"/>
+                      <a:r>
+                        <a:rPr lang="en-GB" sz="1200" dirty="0"/>
+                        <a:t>Product ID</a:t>
+                      </a:r>
+                    </a:p>
+                  </a:txBody>
+                  <a:tcPr>
+                    <a:solidFill>
+                      <a:schemeClr val="bg1">
+                        <a:lumMod val="95000"/>
+                        <a:lumOff val="5000"/>
+                      </a:schemeClr>
+                    </a:solidFill>
+                  </a:tcPr>
+                </a:tc>
+                <a:tc>
+                  <a:txBody>
+                    <a:bodyPr/>
+                    <a:lstStyle/>
+                    <a:p>
+                      <a:pPr algn="ctr"/>
+                      <a:r>
+                        <a:rPr lang="en-GB" sz="1200" dirty="0"/>
+                        <a:t>Product</a:t>
+                      </a:r>
+                      <a:r>
+                        <a:rPr lang="en-GB" sz="1200" baseline="0" dirty="0"/>
+                        <a:t> Quantity</a:t>
+                      </a:r>
+                      <a:endParaRPr lang="en-GB" sz="1200" dirty="0"/>
+                    </a:p>
+                  </a:txBody>
+                  <a:tcPr>
+                    <a:solidFill>
+                      <a:schemeClr val="bg1">
+                        <a:lumMod val="95000"/>
+                        <a:lumOff val="5000"/>
+                      </a:schemeClr>
+                    </a:solidFill>
+                  </a:tcPr>
+                </a:tc>
+                <a:extLst>
+                  <a:ext uri="{0D108BD9-81ED-4DB2-BD59-A6C34878D82A}">
+                    <a16:rowId xmlns:a16="http://schemas.microsoft.com/office/drawing/2014/main" val="2082647985"/>
+                  </a:ext>
+                </a:extLst>
+              </a:tr>
+              <a:tr h="159749">
+                <a:tc>
+                  <a:txBody>
+                    <a:bodyPr/>
+                    <a:lstStyle/>
+                    <a:p>
+                      <a:pPr algn="ctr"/>
+                      <a:endParaRPr lang="en-GB" sz="1200" dirty="0"/>
+                    </a:p>
+                  </a:txBody>
+                  <a:tcPr/>
+                </a:tc>
+                <a:tc>
+                  <a:txBody>
+                    <a:bodyPr/>
+                    <a:lstStyle/>
+                    <a:p>
+                      <a:pPr algn="ctr"/>
+                      <a:r>
+                        <a:rPr lang="en-GB" sz="1200" dirty="0"/>
+                        <a:t>1</a:t>
+                      </a:r>
+                    </a:p>
+                  </a:txBody>
+                  <a:tcPr/>
+                </a:tc>
+                <a:tc>
+                  <a:txBody>
+                    <a:bodyPr/>
+                    <a:lstStyle/>
+                    <a:p>
+                      <a:pPr algn="ctr"/>
+                      <a:endParaRPr lang="en-GB" sz="1200" dirty="0"/>
+                    </a:p>
+                  </a:txBody>
+                  <a:tcPr/>
+                </a:tc>
+                <a:extLst>
+                  <a:ext uri="{0D108BD9-81ED-4DB2-BD59-A6C34878D82A}">
+                    <a16:rowId xmlns:a16="http://schemas.microsoft.com/office/drawing/2014/main" val="1540668276"/>
+                  </a:ext>
+                </a:extLst>
+              </a:tr>
+              <a:tr h="159749">
+                <a:tc>
+                  <a:txBody>
+                    <a:bodyPr/>
+                    <a:lstStyle/>
+                    <a:p>
+                      <a:pPr algn="ctr"/>
+                      <a:endParaRPr lang="en-GB" sz="1200" dirty="0"/>
+                    </a:p>
+                  </a:txBody>
+                  <a:tcPr/>
+                </a:tc>
+                <a:tc>
+                  <a:txBody>
+                    <a:bodyPr/>
+                    <a:lstStyle/>
+                    <a:p>
+                      <a:pPr algn="ctr"/>
+                      <a:r>
+                        <a:rPr lang="en-GB" sz="1200" dirty="0"/>
+                        <a:t>2</a:t>
+                      </a:r>
+                    </a:p>
+                  </a:txBody>
+                  <a:tcPr/>
+                </a:tc>
+                <a:tc>
+                  <a:txBody>
+                    <a:bodyPr/>
+                    <a:lstStyle/>
+                    <a:p>
+                      <a:pPr algn="ctr"/>
+                      <a:endParaRPr lang="en-GB" sz="1200" dirty="0"/>
+                    </a:p>
+                  </a:txBody>
+                  <a:tcPr/>
+                </a:tc>
+                <a:extLst>
+                  <a:ext uri="{0D108BD9-81ED-4DB2-BD59-A6C34878D82A}">
+                    <a16:rowId xmlns:a16="http://schemas.microsoft.com/office/drawing/2014/main" val="2798524773"/>
+                  </a:ext>
+                </a:extLst>
+              </a:tr>
+              <a:tr h="159749">
+                <a:tc>
+                  <a:txBody>
+                    <a:bodyPr/>
+                    <a:lstStyle/>
+                    <a:p>
+                      <a:pPr algn="ctr"/>
+                      <a:endParaRPr lang="en-GB" sz="1200" dirty="0"/>
+                    </a:p>
+                  </a:txBody>
+                  <a:tcPr/>
+                </a:tc>
+                <a:tc>
+                  <a:txBody>
+                    <a:bodyPr/>
+                    <a:lstStyle/>
+                    <a:p>
+                      <a:pPr algn="ctr"/>
+                      <a:r>
+                        <a:rPr lang="en-GB" sz="1200" dirty="0"/>
+                        <a:t>3</a:t>
+                      </a:r>
+                    </a:p>
+                  </a:txBody>
+                  <a:tcPr/>
+                </a:tc>
+                <a:tc>
+                  <a:txBody>
+                    <a:bodyPr/>
+                    <a:lstStyle/>
+                    <a:p>
+                      <a:pPr algn="ctr"/>
+                      <a:endParaRPr lang="en-GB" sz="1200" dirty="0"/>
+                    </a:p>
+                  </a:txBody>
+                  <a:tcPr/>
+                </a:tc>
+                <a:extLst>
+                  <a:ext uri="{0D108BD9-81ED-4DB2-BD59-A6C34878D82A}">
+                    <a16:rowId xmlns:a16="http://schemas.microsoft.com/office/drawing/2014/main" val="919094837"/>
+                  </a:ext>
+                </a:extLst>
+              </a:tr>
+              <a:tr h="159749">
+                <a:tc>
+                  <a:txBody>
+                    <a:bodyPr/>
+                    <a:lstStyle/>
+                    <a:p>
+                      <a:pPr algn="ctr"/>
+                      <a:endParaRPr lang="en-GB" sz="1200" dirty="0"/>
+                    </a:p>
+                  </a:txBody>
+                  <a:tcPr/>
+                </a:tc>
+                <a:tc>
+                  <a:txBody>
+                    <a:bodyPr/>
+                    <a:lstStyle/>
+                    <a:p>
+                      <a:pPr algn="ctr"/>
+                      <a:r>
+                        <a:rPr lang="en-GB" sz="1200" dirty="0"/>
+                        <a:t>4</a:t>
+                      </a:r>
+                    </a:p>
+                  </a:txBody>
+                  <a:tcPr/>
+                </a:tc>
+                <a:tc>
+                  <a:txBody>
+                    <a:bodyPr/>
+                    <a:lstStyle/>
+                    <a:p>
+                      <a:pPr algn="ctr"/>
+                      <a:endParaRPr lang="en-GB" sz="1200"/>
+                    </a:p>
+                  </a:txBody>
+                  <a:tcPr/>
+                </a:tc>
+                <a:extLst>
+                  <a:ext uri="{0D108BD9-81ED-4DB2-BD59-A6C34878D82A}">
+                    <a16:rowId xmlns:a16="http://schemas.microsoft.com/office/drawing/2014/main" val="4049605181"/>
+                  </a:ext>
+                </a:extLst>
+              </a:tr>
+              <a:tr h="159749">
+                <a:tc>
+                  <a:txBody>
+                    <a:bodyPr/>
+                    <a:lstStyle/>
+                    <a:p>
+                      <a:pPr algn="ctr"/>
+                      <a:endParaRPr lang="en-GB" sz="1200" dirty="0"/>
+                    </a:p>
+                  </a:txBody>
+                  <a:tcPr/>
+                </a:tc>
+                <a:tc>
+                  <a:txBody>
+                    <a:bodyPr/>
+                    <a:lstStyle/>
+                    <a:p>
+                      <a:pPr algn="ctr"/>
+                      <a:r>
+                        <a:rPr lang="en-GB" sz="1200" dirty="0"/>
+                        <a:t>5</a:t>
+                      </a:r>
+                    </a:p>
+                  </a:txBody>
+                  <a:tcPr/>
+                </a:tc>
+                <a:tc>
+                  <a:txBody>
+                    <a:bodyPr/>
+                    <a:lstStyle/>
+                    <a:p>
+                      <a:pPr algn="ctr"/>
+                      <a:endParaRPr lang="en-GB" sz="1200" dirty="0"/>
+                    </a:p>
+                  </a:txBody>
+                  <a:tcPr/>
+                </a:tc>
+                <a:extLst>
+                  <a:ext uri="{0D108BD9-81ED-4DB2-BD59-A6C34878D82A}">
+                    <a16:rowId xmlns:a16="http://schemas.microsoft.com/office/drawing/2014/main" val="3815967543"/>
+                  </a:ext>
+                </a:extLst>
+              </a:tr>
+            </a:tbl>
+          </a:graphicData>
+        </a:graphic>
+      </p:graphicFrame>
+      <p:sp>
+        <p:nvSpPr>
+          <p:cNvPr id="12" name="Title 1"/>
+          <p:cNvSpPr txBox="1">
+            <a:spLocks/>
+          </p:cNvSpPr>
+          <p:nvPr/>
+        </p:nvSpPr>
+        <p:spPr>
+          <a:xfrm>
+            <a:off x="698607" y="2733040"/>
+            <a:ext cx="3362960" cy="397850"/>
+          </a:xfrm>
+          <a:prstGeom prst="rect">
+            <a:avLst/>
+          </a:prstGeom>
+          <a:effectLst>
+            <a:outerShdw blurRad="50800" dir="14400000">
+              <a:srgbClr val="000000">
+                <a:alpha val="60000"/>
+              </a:srgbClr>
+            </a:outerShdw>
+          </a:effectLst>
+        </p:spPr>
+        <p:txBody>
+          <a:bodyPr vert="horz" lIns="91440" tIns="45720" rIns="91440" bIns="45720" rtlCol="0" anchor="b">
+            <a:noAutofit/>
+          </a:bodyPr>
+          <a:lstStyle>
+            <a:lvl1pPr algn="l" defTabSz="457200" rtl="0" eaLnBrk="1" latinLnBrk="0" hangingPunct="1">
+              <a:spcBef>
+                <a:spcPct val="0"/>
+              </a:spcBef>
+              <a:buNone/>
+              <a:defRPr sz="4000" b="1" kern="1200">
                 <a:solidFill>
-                  <a:schemeClr val="accent6"/>
+                  <a:srgbClr val="FEFEFE"/>
                 </a:solidFill>
-                <a:latin typeface="Lucida Console" panose="020B0609040504020204" pitchFamily="49" charset="0"/>
-              </a:rPr>
-              <a:t>Order ID: 4  Product ID: 5 Quantity: 2  Product Price: 300 </a:t>
-            </a:r>
-            <a:r>
-              <a:rPr lang="en-GB" sz="1000" dirty="0" smtClean="0">
+                <a:latin typeface="+mj-lt"/>
+                <a:ea typeface="+mj-ea"/>
+                <a:cs typeface="+mj-cs"/>
+              </a:defRPr>
+            </a:lvl1pPr>
+            <a:lvl2pPr eaLnBrk="1" hangingPunct="1">
+              <a:defRPr>
                 <a:solidFill>
-                  <a:schemeClr val="accent6"/>
+                  <a:schemeClr val="tx2"/>
                 </a:solidFill>
-                <a:latin typeface="Lucida Console" panose="020B0609040504020204" pitchFamily="49" charset="0"/>
-              </a:rPr>
-              <a:t> Total</a:t>
-            </a:r>
-            <a:r>
-              <a:rPr lang="en-GB" sz="1000" dirty="0">
+              </a:defRPr>
+            </a:lvl2pPr>
+            <a:lvl3pPr eaLnBrk="1" hangingPunct="1">
+              <a:defRPr>
                 <a:solidFill>
-                  <a:schemeClr val="accent6"/>
+                  <a:schemeClr val="tx2"/>
                 </a:solidFill>
-                <a:latin typeface="Lucida Console" panose="020B0609040504020204" pitchFamily="49" charset="0"/>
-              </a:rPr>
-              <a:t>: 600</a:t>
-            </a:r>
+              </a:defRPr>
+            </a:lvl3pPr>
+            <a:lvl4pPr eaLnBrk="1" hangingPunct="1">
+              <a:defRPr>
+                <a:solidFill>
+                  <a:schemeClr val="tx2"/>
+                </a:solidFill>
+              </a:defRPr>
+            </a:lvl4pPr>
+            <a:lvl5pPr eaLnBrk="1" hangingPunct="1">
+              <a:defRPr>
+                <a:solidFill>
+                  <a:schemeClr val="tx2"/>
+                </a:solidFill>
+              </a:defRPr>
+            </a:lvl5pPr>
+            <a:lvl6pPr eaLnBrk="1" hangingPunct="1">
+              <a:defRPr>
+                <a:solidFill>
+                  <a:schemeClr val="tx2"/>
+                </a:solidFill>
+              </a:defRPr>
+            </a:lvl6pPr>
+            <a:lvl7pPr eaLnBrk="1" hangingPunct="1">
+              <a:defRPr>
+                <a:solidFill>
+                  <a:schemeClr val="tx2"/>
+                </a:solidFill>
+              </a:defRPr>
+            </a:lvl7pPr>
+            <a:lvl8pPr eaLnBrk="1" hangingPunct="1">
+              <a:defRPr>
+                <a:solidFill>
+                  <a:schemeClr val="tx2"/>
+                </a:solidFill>
+              </a:defRPr>
+            </a:lvl8pPr>
+            <a:lvl9pPr eaLnBrk="1" hangingPunct="1">
+              <a:defRPr>
+                <a:solidFill>
+                  <a:schemeClr val="tx2"/>
+                </a:solidFill>
+              </a:defRPr>
+            </a:lvl9pPr>
+          </a:lstStyle>
+          <a:p>
+            <a:pPr algn="ctr"/>
+            <a:r>
+              <a:rPr lang="en-US" sz="2000" dirty="0">
+                <a:latin typeface="Crete Round" panose="02000503050000020004" pitchFamily="50" charset="0"/>
+              </a:rPr>
+              <a:t>Customer Order</a:t>
+            </a:r>
+            <a:endParaRPr lang="en-US" sz="2000" b="0" dirty="0">
+              <a:latin typeface="Crete Round" panose="02000503050000020004" pitchFamily="50" charset="0"/>
+            </a:endParaRPr>
+          </a:p>
+        </p:txBody>
+      </p:sp>
+      <p:sp>
+        <p:nvSpPr>
+          <p:cNvPr id="13" name="Title 1"/>
+          <p:cNvSpPr txBox="1">
+            <a:spLocks/>
+          </p:cNvSpPr>
+          <p:nvPr/>
+        </p:nvSpPr>
+        <p:spPr>
+          <a:xfrm>
+            <a:off x="8130430" y="2733040"/>
+            <a:ext cx="3362960" cy="397850"/>
+          </a:xfrm>
+          <a:prstGeom prst="rect">
+            <a:avLst/>
+          </a:prstGeom>
+          <a:effectLst>
+            <a:outerShdw blurRad="50800" dir="14400000">
+              <a:srgbClr val="000000">
+                <a:alpha val="60000"/>
+              </a:srgbClr>
+            </a:outerShdw>
+          </a:effectLst>
+        </p:spPr>
+        <p:txBody>
+          <a:bodyPr vert="horz" lIns="91440" tIns="45720" rIns="91440" bIns="45720" rtlCol="0" anchor="b">
+            <a:noAutofit/>
+          </a:bodyPr>
+          <a:lstStyle>
+            <a:lvl1pPr algn="l" defTabSz="457200" rtl="0" eaLnBrk="1" latinLnBrk="0" hangingPunct="1">
+              <a:spcBef>
+                <a:spcPct val="0"/>
+              </a:spcBef>
+              <a:buNone/>
+              <a:defRPr sz="4000" b="1" kern="1200">
+                <a:solidFill>
+                  <a:srgbClr val="FEFEFE"/>
+                </a:solidFill>
+                <a:latin typeface="+mj-lt"/>
+                <a:ea typeface="+mj-ea"/>
+                <a:cs typeface="+mj-cs"/>
+              </a:defRPr>
+            </a:lvl1pPr>
+            <a:lvl2pPr eaLnBrk="1" hangingPunct="1">
+              <a:defRPr>
+                <a:solidFill>
+                  <a:schemeClr val="tx2"/>
+                </a:solidFill>
+              </a:defRPr>
+            </a:lvl2pPr>
+            <a:lvl3pPr eaLnBrk="1" hangingPunct="1">
+              <a:defRPr>
+                <a:solidFill>
+                  <a:schemeClr val="tx2"/>
+                </a:solidFill>
+              </a:defRPr>
+            </a:lvl3pPr>
+            <a:lvl4pPr eaLnBrk="1" hangingPunct="1">
+              <a:defRPr>
+                <a:solidFill>
+                  <a:schemeClr val="tx2"/>
+                </a:solidFill>
+              </a:defRPr>
+            </a:lvl4pPr>
+            <a:lvl5pPr eaLnBrk="1" hangingPunct="1">
+              <a:defRPr>
+                <a:solidFill>
+                  <a:schemeClr val="tx2"/>
+                </a:solidFill>
+              </a:defRPr>
+            </a:lvl5pPr>
+            <a:lvl6pPr eaLnBrk="1" hangingPunct="1">
+              <a:defRPr>
+                <a:solidFill>
+                  <a:schemeClr val="tx2"/>
+                </a:solidFill>
+              </a:defRPr>
+            </a:lvl6pPr>
+            <a:lvl7pPr eaLnBrk="1" hangingPunct="1">
+              <a:defRPr>
+                <a:solidFill>
+                  <a:schemeClr val="tx2"/>
+                </a:solidFill>
+              </a:defRPr>
+            </a:lvl7pPr>
+            <a:lvl8pPr eaLnBrk="1" hangingPunct="1">
+              <a:defRPr>
+                <a:solidFill>
+                  <a:schemeClr val="tx2"/>
+                </a:solidFill>
+              </a:defRPr>
+            </a:lvl8pPr>
+            <a:lvl9pPr eaLnBrk="1" hangingPunct="1">
+              <a:defRPr>
+                <a:solidFill>
+                  <a:schemeClr val="tx2"/>
+                </a:solidFill>
+              </a:defRPr>
+            </a:lvl9pPr>
+          </a:lstStyle>
+          <a:p>
+            <a:pPr algn="ctr"/>
+            <a:r>
+              <a:rPr lang="en-US" sz="2000" dirty="0">
+                <a:latin typeface="Crete Round" panose="02000503050000020004" pitchFamily="50" charset="0"/>
+              </a:rPr>
+              <a:t>Customer Order Line</a:t>
+            </a:r>
+            <a:endParaRPr lang="en-US" sz="2000" b="0" dirty="0">
+              <a:latin typeface="Crete Round" panose="02000503050000020004" pitchFamily="50" charset="0"/>
+            </a:endParaRPr>
+          </a:p>
+        </p:txBody>
+      </p:sp>
+      <p:sp>
+        <p:nvSpPr>
+          <p:cNvPr id="14" name="Title 1"/>
+          <p:cNvSpPr txBox="1">
+            <a:spLocks/>
+          </p:cNvSpPr>
+          <p:nvPr/>
+        </p:nvSpPr>
+        <p:spPr>
+          <a:xfrm>
+            <a:off x="4414519" y="2733040"/>
+            <a:ext cx="3362960" cy="397850"/>
+          </a:xfrm>
+          <a:prstGeom prst="rect">
+            <a:avLst/>
+          </a:prstGeom>
+          <a:effectLst>
+            <a:outerShdw blurRad="50800" dir="14400000">
+              <a:srgbClr val="000000">
+                <a:alpha val="60000"/>
+              </a:srgbClr>
+            </a:outerShdw>
+          </a:effectLst>
+        </p:spPr>
+        <p:txBody>
+          <a:bodyPr vert="horz" lIns="91440" tIns="45720" rIns="91440" bIns="45720" rtlCol="0" anchor="b">
+            <a:noAutofit/>
+          </a:bodyPr>
+          <a:lstStyle>
+            <a:lvl1pPr algn="l" defTabSz="457200" rtl="0" eaLnBrk="1" latinLnBrk="0" hangingPunct="1">
+              <a:spcBef>
+                <a:spcPct val="0"/>
+              </a:spcBef>
+              <a:buNone/>
+              <a:defRPr sz="4000" b="1" kern="1200">
+                <a:solidFill>
+                  <a:srgbClr val="FEFEFE"/>
+                </a:solidFill>
+                <a:latin typeface="+mj-lt"/>
+                <a:ea typeface="+mj-ea"/>
+                <a:cs typeface="+mj-cs"/>
+              </a:defRPr>
+            </a:lvl1pPr>
+            <a:lvl2pPr eaLnBrk="1" hangingPunct="1">
+              <a:defRPr>
+                <a:solidFill>
+                  <a:schemeClr val="tx2"/>
+                </a:solidFill>
+              </a:defRPr>
+            </a:lvl2pPr>
+            <a:lvl3pPr eaLnBrk="1" hangingPunct="1">
+              <a:defRPr>
+                <a:solidFill>
+                  <a:schemeClr val="tx2"/>
+                </a:solidFill>
+              </a:defRPr>
+            </a:lvl3pPr>
+            <a:lvl4pPr eaLnBrk="1" hangingPunct="1">
+              <a:defRPr>
+                <a:solidFill>
+                  <a:schemeClr val="tx2"/>
+                </a:solidFill>
+              </a:defRPr>
+            </a:lvl4pPr>
+            <a:lvl5pPr eaLnBrk="1" hangingPunct="1">
+              <a:defRPr>
+                <a:solidFill>
+                  <a:schemeClr val="tx2"/>
+                </a:solidFill>
+              </a:defRPr>
+            </a:lvl5pPr>
+            <a:lvl6pPr eaLnBrk="1" hangingPunct="1">
+              <a:defRPr>
+                <a:solidFill>
+                  <a:schemeClr val="tx2"/>
+                </a:solidFill>
+              </a:defRPr>
+            </a:lvl6pPr>
+            <a:lvl7pPr eaLnBrk="1" hangingPunct="1">
+              <a:defRPr>
+                <a:solidFill>
+                  <a:schemeClr val="tx2"/>
+                </a:solidFill>
+              </a:defRPr>
+            </a:lvl7pPr>
+            <a:lvl8pPr eaLnBrk="1" hangingPunct="1">
+              <a:defRPr>
+                <a:solidFill>
+                  <a:schemeClr val="tx2"/>
+                </a:solidFill>
+              </a:defRPr>
+            </a:lvl8pPr>
+            <a:lvl9pPr eaLnBrk="1" hangingPunct="1">
+              <a:defRPr>
+                <a:solidFill>
+                  <a:schemeClr val="tx2"/>
+                </a:solidFill>
+              </a:defRPr>
+            </a:lvl9pPr>
+          </a:lstStyle>
+          <a:p>
+            <a:pPr algn="ctr"/>
+            <a:r>
+              <a:rPr lang="en-US" sz="2000" dirty="0">
+                <a:latin typeface="Crete Round" panose="02000503050000020004" pitchFamily="50" charset="0"/>
+              </a:rPr>
+              <a:t>Product</a:t>
+            </a:r>
+            <a:endParaRPr lang="en-US" sz="2000" b="0" dirty="0">
+              <a:latin typeface="Crete Round" panose="02000503050000020004" pitchFamily="50" charset="0"/>
+            </a:endParaRPr>
           </a:p>
         </p:txBody>
       </p:sp>
@@ -8552,13 +9700,6 @@
       </p:transition>
     </mc:Fallback>
   </mc:AlternateContent>
-  <p:timing>
-    <p:tnLst>
-      <p:par>
-        <p:cTn id="1" dur="indefinite" restart="never" nodeType="tmRoot"/>
-      </p:par>
-    </p:tnLst>
-  </p:timing>
 </p:sld>
 </file>
 
@@ -8595,13 +9736,13 @@
           <a:lstStyle/>
           <a:p>
             <a:r>
-              <a:rPr lang="en-US" dirty="0" smtClean="0">
+              <a:rPr lang="en-US" dirty="0">
                 <a:latin typeface="Crete Round" panose="02000503050000020004" pitchFamily="50" charset="0"/>
               </a:rPr>
               <a:t>MongoDB: </a:t>
             </a:r>
             <a:r>
-              <a:rPr lang="en-US" sz="3200" b="0" dirty="0" smtClean="0">
+              <a:rPr lang="en-US" sz="3200" b="0" dirty="0">
                 <a:latin typeface="Crete Round" panose="02000503050000020004" pitchFamily="50" charset="0"/>
               </a:rPr>
               <a:t>Query</a:t>
@@ -8620,8 +9761,8 @@
         </p:nvSpPr>
         <p:spPr>
           <a:xfrm>
-            <a:off x="226133" y="3150526"/>
-            <a:ext cx="11723590" cy="3039259"/>
+            <a:off x="226133" y="1960880"/>
+            <a:ext cx="11723590" cy="4228905"/>
           </a:xfrm>
           <a:prstGeom prst="rect">
             <a:avLst/>
@@ -8661,413 +9802,418 @@
           <a:bodyPr rtlCol="0" anchor="ctr"/>
           <a:lstStyle/>
           <a:p>
-            <a:endParaRPr lang="en-GB" sz="900" dirty="0">
+            <a:endParaRPr lang="en-GB" sz="1200" dirty="0">
               <a:solidFill>
                 <a:srgbClr val="FF0066"/>
               </a:solidFill>
-              <a:latin typeface="Lucida Console" panose="020B0609040504020204" pitchFamily="49" charset="0"/>
+              <a:latin typeface="Droid Sans" panose="020B0606030804020204" pitchFamily="34" charset="0"/>
+              <a:ea typeface="Droid Sans" panose="020B0606030804020204" pitchFamily="34" charset="0"/>
+              <a:cs typeface="Droid Sans" panose="020B0606030804020204" pitchFamily="34" charset="0"/>
             </a:endParaRPr>
           </a:p>
           <a:p>
             <a:r>
-              <a:rPr lang="en-GB" sz="900" dirty="0" smtClean="0">
+              <a:rPr lang="en-GB" sz="1200" dirty="0">
                 <a:solidFill>
                   <a:srgbClr val="FF0066"/>
                 </a:solidFill>
-                <a:latin typeface="Lucida Console" panose="020B0609040504020204" pitchFamily="49" charset="0"/>
+                <a:latin typeface="Droid Sans" panose="020B0606030804020204" pitchFamily="34" charset="0"/>
+                <a:ea typeface="Droid Sans" panose="020B0606030804020204" pitchFamily="34" charset="0"/>
+                <a:cs typeface="Droid Sans" panose="020B0606030804020204" pitchFamily="34" charset="0"/>
               </a:rPr>
               <a:t>&gt; </a:t>
             </a:r>
             <a:r>
-              <a:rPr lang="en-GB" sz="900" dirty="0" err="1" smtClean="0">
+              <a:rPr lang="en-GB" sz="1200" dirty="0" err="1">
                 <a:solidFill>
                   <a:srgbClr val="FF0066"/>
                 </a:solidFill>
-                <a:latin typeface="Lucida Console" panose="020B0609040504020204" pitchFamily="49" charset="0"/>
+                <a:latin typeface="Droid Sans" panose="020B0606030804020204" pitchFamily="34" charset="0"/>
+                <a:ea typeface="Droid Sans" panose="020B0606030804020204" pitchFamily="34" charset="0"/>
+                <a:cs typeface="Droid Sans" panose="020B0606030804020204" pitchFamily="34" charset="0"/>
               </a:rPr>
               <a:t>db.Customer.find</a:t>
             </a:r>
             <a:r>
-              <a:rPr lang="en-GB" sz="900" dirty="0" smtClean="0">
+              <a:rPr lang="en-GB" sz="1200" dirty="0">
                 <a:solidFill>
                   <a:srgbClr val="FF0066"/>
                 </a:solidFill>
-                <a:latin typeface="Lucida Console" panose="020B0609040504020204" pitchFamily="49" charset="0"/>
+                <a:latin typeface="Droid Sans" panose="020B0606030804020204" pitchFamily="34" charset="0"/>
+                <a:ea typeface="Droid Sans" panose="020B0606030804020204" pitchFamily="34" charset="0"/>
+                <a:cs typeface="Droid Sans" panose="020B0606030804020204" pitchFamily="34" charset="0"/>
               </a:rPr>
               <a:t>().pretty()</a:t>
             </a:r>
           </a:p>
           <a:p>
-            <a:endParaRPr lang="en-GB" sz="900" dirty="0">
+            <a:endParaRPr lang="en-GB" sz="1200" dirty="0">
               <a:solidFill>
                 <a:srgbClr val="FF0066"/>
               </a:solidFill>
-              <a:latin typeface="Lucida Console" panose="020B0609040504020204" pitchFamily="49" charset="0"/>
+              <a:latin typeface="Droid Sans" panose="020B0606030804020204" pitchFamily="34" charset="0"/>
+              <a:ea typeface="Droid Sans" panose="020B0606030804020204" pitchFamily="34" charset="0"/>
+              <a:cs typeface="Droid Sans" panose="020B0606030804020204" pitchFamily="34" charset="0"/>
             </a:endParaRPr>
           </a:p>
           <a:p>
             <a:r>
-              <a:rPr lang="en-GB" sz="900" dirty="0" smtClean="0">
+              <a:rPr lang="en-GB" sz="1200" dirty="0">
                 <a:solidFill>
                   <a:srgbClr val="FF0066"/>
                 </a:solidFill>
-                <a:latin typeface="Lucida Console" panose="020B0609040504020204" pitchFamily="49" charset="0"/>
+                <a:latin typeface="Droid Sans" panose="020B0606030804020204" pitchFamily="34" charset="0"/>
+                <a:ea typeface="Droid Sans" panose="020B0606030804020204" pitchFamily="34" charset="0"/>
+                <a:cs typeface="Droid Sans" panose="020B0606030804020204" pitchFamily="34" charset="0"/>
               </a:rPr>
               <a:t>&gt; </a:t>
             </a:r>
             <a:r>
-              <a:rPr lang="en-GB" sz="900" dirty="0" err="1" smtClean="0">
+              <a:rPr lang="en-GB" sz="1200" dirty="0" err="1">
                 <a:solidFill>
                   <a:srgbClr val="FF0066"/>
                 </a:solidFill>
-                <a:latin typeface="Lucida Console" panose="020B0609040504020204" pitchFamily="49" charset="0"/>
+                <a:latin typeface="Droid Sans" panose="020B0606030804020204" pitchFamily="34" charset="0"/>
+                <a:ea typeface="Droid Sans" panose="020B0606030804020204" pitchFamily="34" charset="0"/>
+                <a:cs typeface="Droid Sans" panose="020B0606030804020204" pitchFamily="34" charset="0"/>
               </a:rPr>
               <a:t>db.Customer.find</a:t>
             </a:r>
             <a:r>
-              <a:rPr lang="en-GB" sz="900" dirty="0">
+              <a:rPr lang="en-GB" sz="1200" dirty="0">
                 <a:solidFill>
                   <a:srgbClr val="FF0066"/>
                 </a:solidFill>
-                <a:latin typeface="Lucida Console" panose="020B0609040504020204" pitchFamily="49" charset="0"/>
+                <a:latin typeface="Droid Sans" panose="020B0606030804020204" pitchFamily="34" charset="0"/>
+                <a:ea typeface="Droid Sans" panose="020B0606030804020204" pitchFamily="34" charset="0"/>
+                <a:cs typeface="Droid Sans" panose="020B0606030804020204" pitchFamily="34" charset="0"/>
               </a:rPr>
               <a:t>({customerID:800001},{customerID:1}).pretty()</a:t>
             </a:r>
           </a:p>
           <a:p>
-            <a:endParaRPr lang="en-GB" sz="900" dirty="0" smtClean="0">
+            <a:endParaRPr lang="en-GB" sz="1200" dirty="0">
               <a:solidFill>
                 <a:srgbClr val="FF0066"/>
               </a:solidFill>
-              <a:latin typeface="Lucida Console" panose="020B0609040504020204" pitchFamily="49" charset="0"/>
+              <a:latin typeface="Droid Sans" panose="020B0606030804020204" pitchFamily="34" charset="0"/>
+              <a:ea typeface="Droid Sans" panose="020B0606030804020204" pitchFamily="34" charset="0"/>
+              <a:cs typeface="Droid Sans" panose="020B0606030804020204" pitchFamily="34" charset="0"/>
             </a:endParaRPr>
           </a:p>
           <a:p>
             <a:r>
-              <a:rPr lang="en-GB" sz="900" dirty="0" smtClean="0">
+              <a:rPr lang="en-GB" sz="1200" dirty="0">
                 <a:solidFill>
                   <a:srgbClr val="FF0066"/>
                 </a:solidFill>
-                <a:latin typeface="Lucida Console" panose="020B0609040504020204" pitchFamily="49" charset="0"/>
+                <a:latin typeface="Droid Sans" panose="020B0606030804020204" pitchFamily="34" charset="0"/>
+                <a:ea typeface="Droid Sans" panose="020B0606030804020204" pitchFamily="34" charset="0"/>
+                <a:cs typeface="Droid Sans" panose="020B0606030804020204" pitchFamily="34" charset="0"/>
               </a:rPr>
               <a:t>&gt; </a:t>
             </a:r>
             <a:r>
-              <a:rPr lang="en-GB" sz="900" dirty="0" err="1" smtClean="0">
+              <a:rPr lang="en-GB" sz="1200" dirty="0" err="1">
                 <a:solidFill>
                   <a:srgbClr val="FF0066"/>
                 </a:solidFill>
-                <a:latin typeface="Lucida Console" panose="020B0609040504020204" pitchFamily="49" charset="0"/>
+                <a:latin typeface="Droid Sans" panose="020B0606030804020204" pitchFamily="34" charset="0"/>
+                <a:ea typeface="Droid Sans" panose="020B0606030804020204" pitchFamily="34" charset="0"/>
+                <a:cs typeface="Droid Sans" panose="020B0606030804020204" pitchFamily="34" charset="0"/>
               </a:rPr>
               <a:t>db.CustomerOrder.find</a:t>
             </a:r>
             <a:r>
-              <a:rPr lang="en-GB" sz="900" dirty="0">
+              <a:rPr lang="en-GB" sz="1200" dirty="0">
                 <a:solidFill>
                   <a:srgbClr val="FF0066"/>
                 </a:solidFill>
-                <a:latin typeface="Lucida Console" panose="020B0609040504020204" pitchFamily="49" charset="0"/>
+                <a:latin typeface="Droid Sans" panose="020B0606030804020204" pitchFamily="34" charset="0"/>
+                <a:ea typeface="Droid Sans" panose="020B0606030804020204" pitchFamily="34" charset="0"/>
+                <a:cs typeface="Droid Sans" panose="020B0606030804020204" pitchFamily="34" charset="0"/>
               </a:rPr>
               <a:t>({ products : {$all : [</a:t>
             </a:r>
           </a:p>
           <a:p>
             <a:r>
-              <a:rPr lang="en-GB" sz="900" dirty="0">
+              <a:rPr lang="en-GB" sz="1200" dirty="0">
                 <a:solidFill>
                   <a:srgbClr val="FF0066"/>
                 </a:solidFill>
-                <a:latin typeface="Lucida Console" panose="020B0609040504020204" pitchFamily="49" charset="0"/>
+                <a:latin typeface="Droid Sans" panose="020B0606030804020204" pitchFamily="34" charset="0"/>
+                <a:ea typeface="Droid Sans" panose="020B0606030804020204" pitchFamily="34" charset="0"/>
+                <a:cs typeface="Droid Sans" panose="020B0606030804020204" pitchFamily="34" charset="0"/>
               </a:rPr>
               <a:t>	{ $</a:t>
             </a:r>
             <a:r>
-              <a:rPr lang="en-GB" sz="900" dirty="0" err="1">
+              <a:rPr lang="en-GB" sz="1200" dirty="0" err="1">
                 <a:solidFill>
                   <a:srgbClr val="FF0066"/>
                 </a:solidFill>
-                <a:latin typeface="Lucida Console" panose="020B0609040504020204" pitchFamily="49" charset="0"/>
+                <a:latin typeface="Droid Sans" panose="020B0606030804020204" pitchFamily="34" charset="0"/>
+                <a:ea typeface="Droid Sans" panose="020B0606030804020204" pitchFamily="34" charset="0"/>
+                <a:cs typeface="Droid Sans" panose="020B0606030804020204" pitchFamily="34" charset="0"/>
               </a:rPr>
               <a:t>elemMatch</a:t>
             </a:r>
             <a:r>
-              <a:rPr lang="en-GB" sz="900" dirty="0">
+              <a:rPr lang="en-GB" sz="1200" dirty="0">
                 <a:solidFill>
                   <a:srgbClr val="FF0066"/>
                 </a:solidFill>
-                <a:latin typeface="Lucida Console" panose="020B0609040504020204" pitchFamily="49" charset="0"/>
+                <a:latin typeface="Droid Sans" panose="020B0606030804020204" pitchFamily="34" charset="0"/>
+                <a:ea typeface="Droid Sans" panose="020B0606030804020204" pitchFamily="34" charset="0"/>
+                <a:cs typeface="Droid Sans" panose="020B0606030804020204" pitchFamily="34" charset="0"/>
               </a:rPr>
               <a:t> : {productQuantity:1}},</a:t>
             </a:r>
           </a:p>
           <a:p>
             <a:r>
-              <a:rPr lang="en-GB" sz="900" dirty="0">
+              <a:rPr lang="en-GB" sz="1200" dirty="0">
                 <a:solidFill>
                   <a:srgbClr val="FF0066"/>
                 </a:solidFill>
-                <a:latin typeface="Lucida Console" panose="020B0609040504020204" pitchFamily="49" charset="0"/>
+                <a:latin typeface="Droid Sans" panose="020B0606030804020204" pitchFamily="34" charset="0"/>
+                <a:ea typeface="Droid Sans" panose="020B0606030804020204" pitchFamily="34" charset="0"/>
+                <a:cs typeface="Droid Sans" panose="020B0606030804020204" pitchFamily="34" charset="0"/>
               </a:rPr>
               <a:t>	{ $</a:t>
             </a:r>
             <a:r>
-              <a:rPr lang="en-GB" sz="900" dirty="0" err="1">
+              <a:rPr lang="en-GB" sz="1200" dirty="0" err="1">
                 <a:solidFill>
                   <a:srgbClr val="FF0066"/>
                 </a:solidFill>
-                <a:latin typeface="Lucida Console" panose="020B0609040504020204" pitchFamily="49" charset="0"/>
+                <a:latin typeface="Droid Sans" panose="020B0606030804020204" pitchFamily="34" charset="0"/>
+                <a:ea typeface="Droid Sans" panose="020B0606030804020204" pitchFamily="34" charset="0"/>
+                <a:cs typeface="Droid Sans" panose="020B0606030804020204" pitchFamily="34" charset="0"/>
               </a:rPr>
               <a:t>elemMatch</a:t>
             </a:r>
             <a:r>
-              <a:rPr lang="en-GB" sz="900" dirty="0">
+              <a:rPr lang="en-GB" sz="1200" dirty="0">
                 <a:solidFill>
                   <a:srgbClr val="FF0066"/>
                 </a:solidFill>
-                <a:latin typeface="Lucida Console" panose="020B0609040504020204" pitchFamily="49" charset="0"/>
-              </a:rPr>
-              <a:t> : {productQuantity:1</a:t>
-            </a:r>
-            <a:r>
-              <a:rPr lang="en-GB" sz="900" dirty="0" smtClean="0">
+                <a:latin typeface="Droid Sans" panose="020B0606030804020204" pitchFamily="34" charset="0"/>
+                <a:ea typeface="Droid Sans" panose="020B0606030804020204" pitchFamily="34" charset="0"/>
+                <a:cs typeface="Droid Sans" panose="020B0606030804020204" pitchFamily="34" charset="0"/>
+              </a:rPr>
+              <a:t> : {productQuantity:1}}]}},</a:t>
+            </a:r>
+          </a:p>
+          <a:p>
+            <a:r>
+              <a:rPr lang="en-GB" sz="1200" dirty="0">
                 <a:solidFill>
                   <a:srgbClr val="FF0066"/>
                 </a:solidFill>
-                <a:latin typeface="Lucida Console" panose="020B0609040504020204" pitchFamily="49" charset="0"/>
-              </a:rPr>
-              <a:t>}}]}},</a:t>
-            </a:r>
-          </a:p>
-          <a:p>
-            <a:r>
-              <a:rPr lang="en-GB" sz="900" dirty="0">
+                <a:latin typeface="Droid Sans" panose="020B0606030804020204" pitchFamily="34" charset="0"/>
+                <a:ea typeface="Droid Sans" panose="020B0606030804020204" pitchFamily="34" charset="0"/>
+                <a:cs typeface="Droid Sans" panose="020B0606030804020204" pitchFamily="34" charset="0"/>
+              </a:rPr>
+              <a:t>	{ "</a:t>
+            </a:r>
+            <a:r>
+              <a:rPr lang="en-GB" sz="1200" dirty="0" err="1">
                 <a:solidFill>
                   <a:srgbClr val="FF0066"/>
                 </a:solidFill>
-                <a:latin typeface="Lucida Console" panose="020B0609040504020204" pitchFamily="49" charset="0"/>
-              </a:rPr>
-              <a:t>	</a:t>
-            </a:r>
-            <a:r>
-              <a:rPr lang="en-GB" sz="900" dirty="0" smtClean="0">
+                <a:latin typeface="Droid Sans" panose="020B0606030804020204" pitchFamily="34" charset="0"/>
+                <a:ea typeface="Droid Sans" panose="020B0606030804020204" pitchFamily="34" charset="0"/>
+                <a:cs typeface="Droid Sans" panose="020B0606030804020204" pitchFamily="34" charset="0"/>
+              </a:rPr>
+              <a:t>products.productID</a:t>
+            </a:r>
+            <a:r>
+              <a:rPr lang="en-GB" sz="1200" dirty="0">
                 <a:solidFill>
                   <a:srgbClr val="FF0066"/>
                 </a:solidFill>
-                <a:latin typeface="Lucida Console" panose="020B0609040504020204" pitchFamily="49" charset="0"/>
-              </a:rPr>
-              <a:t>{ "</a:t>
-            </a:r>
-            <a:r>
-              <a:rPr lang="en-GB" sz="900" dirty="0" err="1">
-                <a:solidFill>
-                  <a:srgbClr val="FF0066"/>
-                </a:solidFill>
-                <a:latin typeface="Lucida Console" panose="020B0609040504020204" pitchFamily="49" charset="0"/>
-              </a:rPr>
-              <a:t>products.productID</a:t>
-            </a:r>
-            <a:r>
-              <a:rPr lang="en-GB" sz="900" dirty="0">
-                <a:solidFill>
-                  <a:srgbClr val="FF0066"/>
-                </a:solidFill>
-                <a:latin typeface="Lucida Console" panose="020B0609040504020204" pitchFamily="49" charset="0"/>
-              </a:rPr>
-              <a:t>.$":1, _id:0</a:t>
-            </a:r>
-            <a:r>
-              <a:rPr lang="en-GB" sz="900" dirty="0" smtClean="0">
-                <a:solidFill>
-                  <a:srgbClr val="FF0066"/>
-                </a:solidFill>
-                <a:latin typeface="Lucida Console" panose="020B0609040504020204" pitchFamily="49" charset="0"/>
-              </a:rPr>
-              <a:t>}).pretty()</a:t>
-            </a:r>
-          </a:p>
-          <a:p>
-            <a:endParaRPr lang="en-GB" sz="900" dirty="0">
-              <a:latin typeface="Lucida Console" panose="020B0609040504020204" pitchFamily="49" charset="0"/>
+                <a:latin typeface="Droid Sans" panose="020B0606030804020204" pitchFamily="34" charset="0"/>
+                <a:ea typeface="Droid Sans" panose="020B0606030804020204" pitchFamily="34" charset="0"/>
+                <a:cs typeface="Droid Sans" panose="020B0606030804020204" pitchFamily="34" charset="0"/>
+              </a:rPr>
+              <a:t>.$":1, _id:0}).pretty()</a:t>
+            </a:r>
+          </a:p>
+          <a:p>
+            <a:endParaRPr lang="en-GB" sz="1200" dirty="0">
+              <a:latin typeface="Droid Sans" panose="020B0606030804020204" pitchFamily="34" charset="0"/>
+              <a:ea typeface="Droid Sans" panose="020B0606030804020204" pitchFamily="34" charset="0"/>
+              <a:cs typeface="Droid Sans" panose="020B0606030804020204" pitchFamily="34" charset="0"/>
             </a:endParaRPr>
           </a:p>
           <a:p>
             <a:r>
-              <a:rPr lang="en-GB" sz="900" dirty="0" smtClean="0">
-                <a:latin typeface="Lucida Console" panose="020B0609040504020204" pitchFamily="49" charset="0"/>
+              <a:rPr lang="en-GB" sz="1200" dirty="0">
+                <a:latin typeface="Droid Sans" panose="020B0606030804020204" pitchFamily="34" charset="0"/>
+                <a:ea typeface="Droid Sans" panose="020B0606030804020204" pitchFamily="34" charset="0"/>
+                <a:cs typeface="Droid Sans" panose="020B0606030804020204" pitchFamily="34" charset="0"/>
               </a:rPr>
               <a:t>{</a:t>
             </a:r>
           </a:p>
           <a:p>
             <a:r>
-              <a:rPr lang="en-GB" sz="900" dirty="0">
-                <a:latin typeface="Lucida Console" panose="020B0609040504020204" pitchFamily="49" charset="0"/>
-              </a:rPr>
-              <a:t>	</a:t>
-            </a:r>
-            <a:r>
-              <a:rPr lang="en-GB" sz="900" dirty="0" smtClean="0">
-                <a:latin typeface="Lucida Console" panose="020B0609040504020204" pitchFamily="49" charset="0"/>
-              </a:rPr>
-              <a:t>“products” : [</a:t>
-            </a:r>
-          </a:p>
-          <a:p>
-            <a:r>
-              <a:rPr lang="en-GB" sz="900" dirty="0">
-                <a:latin typeface="Lucida Console" panose="020B0609040504020204" pitchFamily="49" charset="0"/>
-              </a:rPr>
-              <a:t>	</a:t>
-            </a:r>
-            <a:r>
-              <a:rPr lang="en-GB" sz="900" dirty="0" smtClean="0">
-                <a:latin typeface="Lucida Console" panose="020B0609040504020204" pitchFamily="49" charset="0"/>
-              </a:rPr>
-              <a:t>	{</a:t>
-            </a:r>
-          </a:p>
-          <a:p>
-            <a:r>
-              <a:rPr lang="en-GB" sz="900" dirty="0">
-                <a:latin typeface="Lucida Console" panose="020B0609040504020204" pitchFamily="49" charset="0"/>
-              </a:rPr>
-              <a:t>	</a:t>
-            </a:r>
-            <a:r>
-              <a:rPr lang="en-GB" sz="900" dirty="0" smtClean="0">
-                <a:latin typeface="Lucida Console" panose="020B0609040504020204" pitchFamily="49" charset="0"/>
-              </a:rPr>
-              <a:t>		“</a:t>
-            </a:r>
-            <a:r>
-              <a:rPr lang="en-GB" sz="900" dirty="0" err="1" smtClean="0">
-                <a:latin typeface="Lucida Console" panose="020B0609040504020204" pitchFamily="49" charset="0"/>
+              <a:rPr lang="en-GB" sz="1200" dirty="0">
+                <a:latin typeface="Droid Sans" panose="020B0606030804020204" pitchFamily="34" charset="0"/>
+                <a:ea typeface="Droid Sans" panose="020B0606030804020204" pitchFamily="34" charset="0"/>
+                <a:cs typeface="Droid Sans" panose="020B0606030804020204" pitchFamily="34" charset="0"/>
+              </a:rPr>
+              <a:t>	“products” : [</a:t>
+            </a:r>
+          </a:p>
+          <a:p>
+            <a:r>
+              <a:rPr lang="en-GB" sz="1200" dirty="0">
+                <a:latin typeface="Droid Sans" panose="020B0606030804020204" pitchFamily="34" charset="0"/>
+                <a:ea typeface="Droid Sans" panose="020B0606030804020204" pitchFamily="34" charset="0"/>
+                <a:cs typeface="Droid Sans" panose="020B0606030804020204" pitchFamily="34" charset="0"/>
+              </a:rPr>
+              <a:t>		{</a:t>
+            </a:r>
+          </a:p>
+          <a:p>
+            <a:r>
+              <a:rPr lang="en-GB" sz="1200" dirty="0">
+                <a:latin typeface="Droid Sans" panose="020B0606030804020204" pitchFamily="34" charset="0"/>
+                <a:ea typeface="Droid Sans" panose="020B0606030804020204" pitchFamily="34" charset="0"/>
+                <a:cs typeface="Droid Sans" panose="020B0606030804020204" pitchFamily="34" charset="0"/>
+              </a:rPr>
+              <a:t>			“</a:t>
+            </a:r>
+            <a:r>
+              <a:rPr lang="en-GB" sz="1200" dirty="0" err="1">
+                <a:latin typeface="Droid Sans" panose="020B0606030804020204" pitchFamily="34" charset="0"/>
+                <a:ea typeface="Droid Sans" panose="020B0606030804020204" pitchFamily="34" charset="0"/>
+                <a:cs typeface="Droid Sans" panose="020B0606030804020204" pitchFamily="34" charset="0"/>
               </a:rPr>
               <a:t>productID</a:t>
             </a:r>
             <a:r>
-              <a:rPr lang="en-GB" sz="900" dirty="0" smtClean="0">
-                <a:latin typeface="Lucida Console" panose="020B0609040504020204" pitchFamily="49" charset="0"/>
+              <a:rPr lang="en-GB" sz="1200" dirty="0">
+                <a:latin typeface="Droid Sans" panose="020B0606030804020204" pitchFamily="34" charset="0"/>
+                <a:ea typeface="Droid Sans" panose="020B0606030804020204" pitchFamily="34" charset="0"/>
+                <a:cs typeface="Droid Sans" panose="020B0606030804020204" pitchFamily="34" charset="0"/>
               </a:rPr>
               <a:t>” : 600003,</a:t>
             </a:r>
           </a:p>
           <a:p>
             <a:r>
-              <a:rPr lang="en-GB" sz="900" dirty="0">
-                <a:latin typeface="Lucida Console" panose="020B0609040504020204" pitchFamily="49" charset="0"/>
-              </a:rPr>
-              <a:t>	</a:t>
-            </a:r>
-            <a:r>
-              <a:rPr lang="en-GB" sz="900" dirty="0" smtClean="0">
-                <a:latin typeface="Lucida Console" panose="020B0609040504020204" pitchFamily="49" charset="0"/>
-              </a:rPr>
-              <a:t>		“</a:t>
-            </a:r>
-            <a:r>
-              <a:rPr lang="en-GB" sz="900" dirty="0" err="1" smtClean="0">
-                <a:latin typeface="Lucida Console" panose="020B0609040504020204" pitchFamily="49" charset="0"/>
+              <a:rPr lang="en-GB" sz="1200" dirty="0">
+                <a:latin typeface="Droid Sans" panose="020B0606030804020204" pitchFamily="34" charset="0"/>
+                <a:ea typeface="Droid Sans" panose="020B0606030804020204" pitchFamily="34" charset="0"/>
+                <a:cs typeface="Droid Sans" panose="020B0606030804020204" pitchFamily="34" charset="0"/>
+              </a:rPr>
+              <a:t>			“</a:t>
+            </a:r>
+            <a:r>
+              <a:rPr lang="en-GB" sz="1200" dirty="0" err="1">
+                <a:latin typeface="Droid Sans" panose="020B0606030804020204" pitchFamily="34" charset="0"/>
+                <a:ea typeface="Droid Sans" panose="020B0606030804020204" pitchFamily="34" charset="0"/>
+                <a:cs typeface="Droid Sans" panose="020B0606030804020204" pitchFamily="34" charset="0"/>
               </a:rPr>
               <a:t>productQuantity</a:t>
             </a:r>
             <a:r>
-              <a:rPr lang="en-GB" sz="900" dirty="0" smtClean="0">
-                <a:latin typeface="Lucida Console" panose="020B0609040504020204" pitchFamily="49" charset="0"/>
+              <a:rPr lang="en-GB" sz="1200" dirty="0">
+                <a:latin typeface="Droid Sans" panose="020B0606030804020204" pitchFamily="34" charset="0"/>
+                <a:ea typeface="Droid Sans" panose="020B0606030804020204" pitchFamily="34" charset="0"/>
+                <a:cs typeface="Droid Sans" panose="020B0606030804020204" pitchFamily="34" charset="0"/>
               </a:rPr>
               <a:t>” : 1,</a:t>
             </a:r>
           </a:p>
           <a:p>
             <a:r>
-              <a:rPr lang="en-GB" sz="900" dirty="0">
-                <a:latin typeface="Lucida Console" panose="020B0609040504020204" pitchFamily="49" charset="0"/>
-              </a:rPr>
-              <a:t>	</a:t>
-            </a:r>
-            <a:r>
-              <a:rPr lang="en-GB" sz="900" dirty="0" smtClean="0">
-                <a:latin typeface="Lucida Console" panose="020B0609040504020204" pitchFamily="49" charset="0"/>
-              </a:rPr>
-              <a:t>		“</a:t>
-            </a:r>
-            <a:r>
-              <a:rPr lang="en-GB" sz="900" dirty="0" err="1" smtClean="0">
-                <a:latin typeface="Lucida Console" panose="020B0609040504020204" pitchFamily="49" charset="0"/>
+              <a:rPr lang="en-GB" sz="1200" dirty="0">
+                <a:latin typeface="Droid Sans" panose="020B0606030804020204" pitchFamily="34" charset="0"/>
+                <a:ea typeface="Droid Sans" panose="020B0606030804020204" pitchFamily="34" charset="0"/>
+                <a:cs typeface="Droid Sans" panose="020B0606030804020204" pitchFamily="34" charset="0"/>
+              </a:rPr>
+              <a:t>			“</a:t>
+            </a:r>
+            <a:r>
+              <a:rPr lang="en-GB" sz="1200" dirty="0" err="1">
+                <a:latin typeface="Droid Sans" panose="020B0606030804020204" pitchFamily="34" charset="0"/>
+                <a:ea typeface="Droid Sans" panose="020B0606030804020204" pitchFamily="34" charset="0"/>
+                <a:cs typeface="Droid Sans" panose="020B0606030804020204" pitchFamily="34" charset="0"/>
               </a:rPr>
               <a:t>productStatus</a:t>
             </a:r>
             <a:r>
-              <a:rPr lang="en-GB" sz="900" dirty="0" smtClean="0">
-                <a:latin typeface="Lucida Console" panose="020B0609040504020204" pitchFamily="49" charset="0"/>
+              <a:rPr lang="en-GB" sz="1200" dirty="0">
+                <a:latin typeface="Droid Sans" panose="020B0606030804020204" pitchFamily="34" charset="0"/>
+                <a:ea typeface="Droid Sans" panose="020B0606030804020204" pitchFamily="34" charset="0"/>
+                <a:cs typeface="Droid Sans" panose="020B0606030804020204" pitchFamily="34" charset="0"/>
               </a:rPr>
               <a:t>” : “packed”</a:t>
             </a:r>
           </a:p>
           <a:p>
             <a:r>
-              <a:rPr lang="en-GB" sz="900" dirty="0">
-                <a:latin typeface="Lucida Console" panose="020B0609040504020204" pitchFamily="49" charset="0"/>
-              </a:rPr>
-              <a:t>	</a:t>
-            </a:r>
-            <a:r>
-              <a:rPr lang="en-GB" sz="900" dirty="0" smtClean="0">
-                <a:latin typeface="Lucida Console" panose="020B0609040504020204" pitchFamily="49" charset="0"/>
-              </a:rPr>
-              <a:t>		“</a:t>
-            </a:r>
-            <a:r>
-              <a:rPr lang="en-GB" sz="900" dirty="0" err="1" smtClean="0">
-                <a:latin typeface="Lucida Console" panose="020B0609040504020204" pitchFamily="49" charset="0"/>
+              <a:rPr lang="en-GB" sz="1200" dirty="0">
+                <a:latin typeface="Droid Sans" panose="020B0606030804020204" pitchFamily="34" charset="0"/>
+                <a:ea typeface="Droid Sans" panose="020B0606030804020204" pitchFamily="34" charset="0"/>
+                <a:cs typeface="Droid Sans" panose="020B0606030804020204" pitchFamily="34" charset="0"/>
+              </a:rPr>
+              <a:t>			“</a:t>
+            </a:r>
+            <a:r>
+              <a:rPr lang="en-GB" sz="1200" dirty="0" err="1">
+                <a:latin typeface="Droid Sans" panose="020B0606030804020204" pitchFamily="34" charset="0"/>
+                <a:ea typeface="Droid Sans" panose="020B0606030804020204" pitchFamily="34" charset="0"/>
+                <a:cs typeface="Droid Sans" panose="020B0606030804020204" pitchFamily="34" charset="0"/>
               </a:rPr>
               <a:t>warehouseID</a:t>
             </a:r>
             <a:r>
-              <a:rPr lang="en-GB" sz="900" dirty="0" smtClean="0">
-                <a:latin typeface="Lucida Console" panose="020B0609040504020204" pitchFamily="49" charset="0"/>
+              <a:rPr lang="en-GB" sz="1200" dirty="0">
+                <a:latin typeface="Droid Sans" panose="020B0606030804020204" pitchFamily="34" charset="0"/>
+                <a:ea typeface="Droid Sans" panose="020B0606030804020204" pitchFamily="34" charset="0"/>
+                <a:cs typeface="Droid Sans" panose="020B0606030804020204" pitchFamily="34" charset="0"/>
               </a:rPr>
               <a:t> : 303</a:t>
             </a:r>
           </a:p>
           <a:p>
             <a:r>
-              <a:rPr lang="en-GB" sz="900" dirty="0">
-                <a:latin typeface="Lucida Console" panose="020B0609040504020204" pitchFamily="49" charset="0"/>
-              </a:rPr>
-              <a:t>	</a:t>
-            </a:r>
-            <a:r>
-              <a:rPr lang="en-GB" sz="900" dirty="0" smtClean="0">
-                <a:latin typeface="Lucida Console" panose="020B0609040504020204" pitchFamily="49" charset="0"/>
-              </a:rPr>
-              <a:t>	}</a:t>
-            </a:r>
-          </a:p>
-          <a:p>
-            <a:r>
-              <a:rPr lang="en-GB" sz="900" dirty="0">
-                <a:latin typeface="Lucida Console" panose="020B0609040504020204" pitchFamily="49" charset="0"/>
-              </a:rPr>
-              <a:t>	</a:t>
-            </a:r>
-            <a:r>
-              <a:rPr lang="en-GB" sz="900" dirty="0" smtClean="0">
-                <a:latin typeface="Lucida Console" panose="020B0609040504020204" pitchFamily="49" charset="0"/>
-              </a:rPr>
-              <a:t>]</a:t>
-            </a:r>
-          </a:p>
-          <a:p>
-            <a:r>
-              <a:rPr lang="en-GB" sz="900" dirty="0">
-                <a:latin typeface="Lucida Console" panose="020B0609040504020204" pitchFamily="49" charset="0"/>
+              <a:rPr lang="en-GB" sz="1200" dirty="0">
+                <a:latin typeface="Droid Sans" panose="020B0606030804020204" pitchFamily="34" charset="0"/>
+                <a:ea typeface="Droid Sans" panose="020B0606030804020204" pitchFamily="34" charset="0"/>
+                <a:cs typeface="Droid Sans" panose="020B0606030804020204" pitchFamily="34" charset="0"/>
+              </a:rPr>
+              <a:t>		}</a:t>
+            </a:r>
+          </a:p>
+          <a:p>
+            <a:r>
+              <a:rPr lang="en-GB" sz="1200" dirty="0">
+                <a:latin typeface="Droid Sans" panose="020B0606030804020204" pitchFamily="34" charset="0"/>
+                <a:ea typeface="Droid Sans" panose="020B0606030804020204" pitchFamily="34" charset="0"/>
+                <a:cs typeface="Droid Sans" panose="020B0606030804020204" pitchFamily="34" charset="0"/>
+              </a:rPr>
+              <a:t>	]</a:t>
+            </a:r>
+          </a:p>
+          <a:p>
+            <a:r>
+              <a:rPr lang="en-GB" sz="1200" dirty="0">
+                <a:latin typeface="Droid Sans" panose="020B0606030804020204" pitchFamily="34" charset="0"/>
+                <a:ea typeface="Droid Sans" panose="020B0606030804020204" pitchFamily="34" charset="0"/>
+                <a:cs typeface="Droid Sans" panose="020B0606030804020204" pitchFamily="34" charset="0"/>
               </a:rPr>
               <a:t>}</a:t>
             </a:r>
           </a:p>
           <a:p>
-            <a:endParaRPr lang="en-GB" sz="900" dirty="0">
+            <a:endParaRPr lang="en-GB" sz="1050" dirty="0">
               <a:latin typeface="Lucida Console" panose="020B0609040504020204" pitchFamily="49" charset="0"/>
             </a:endParaRPr>
           </a:p>
@@ -9095,13 +10241,6 @@
       </p:transition>
     </mc:Fallback>
   </mc:AlternateContent>
-  <p:timing>
-    <p:tnLst>
-      <p:par>
-        <p:cTn id="1" dur="indefinite" restart="never" nodeType="tmRoot"/>
-      </p:par>
-    </p:tnLst>
-  </p:timing>
 </p:sld>
 </file>
 
@@ -9138,7 +10277,9 @@
           <a:lstStyle/>
           <a:p>
             <a:r>
-              <a:rPr lang="en-US" dirty="0"/>
+              <a:rPr lang="en-US" dirty="0">
+                <a:latin typeface="Crete Round" panose="02000503050000020004" pitchFamily="50" charset="0"/>
+              </a:rPr>
               <a:t>Thank you for listening</a:t>
             </a:r>
           </a:p>
@@ -9168,21 +10309,33 @@
           <a:p>
             <a:pPr algn="r"/>
             <a:r>
-              <a:rPr lang="en-US" dirty="0"/>
+              <a:rPr lang="en-US" dirty="0">
+                <a:latin typeface="Droid Sans" panose="020B0606030804020204" pitchFamily="34" charset="0"/>
+                <a:ea typeface="Droid Sans" panose="020B0606030804020204" pitchFamily="34" charset="0"/>
+                <a:cs typeface="Droid Sans" panose="020B0606030804020204" pitchFamily="34" charset="0"/>
+              </a:rPr>
               <a:t>Chris Luckhurst</a:t>
             </a:r>
           </a:p>
           <a:p>
             <a:pPr algn="r"/>
             <a:r>
-              <a:rPr lang="en-US" dirty="0"/>
+              <a:rPr lang="en-US" dirty="0">
+                <a:latin typeface="Droid Sans" panose="020B0606030804020204" pitchFamily="34" charset="0"/>
+                <a:ea typeface="Droid Sans" panose="020B0606030804020204" pitchFamily="34" charset="0"/>
+                <a:cs typeface="Droid Sans" panose="020B0606030804020204" pitchFamily="34" charset="0"/>
+              </a:rPr>
               <a:t>Ben Miller</a:t>
             </a:r>
           </a:p>
           <a:p>
             <a:pPr algn="r"/>
             <a:r>
-              <a:rPr lang="en-US" dirty="0"/>
+              <a:rPr lang="en-US" dirty="0">
+                <a:latin typeface="Droid Sans" panose="020B0606030804020204" pitchFamily="34" charset="0"/>
+                <a:ea typeface="Droid Sans" panose="020B0606030804020204" pitchFamily="34" charset="0"/>
+                <a:cs typeface="Droid Sans" panose="020B0606030804020204" pitchFamily="34" charset="0"/>
+              </a:rPr>
               <a:t>Rhianna Tomlinson</a:t>
             </a:r>
           </a:p>
@@ -9210,13 +10363,6 @@
       </p:transition>
     </mc:Fallback>
   </mc:AlternateContent>
-  <p:timing>
-    <p:tnLst>
-      <p:par>
-        <p:cTn id="1" dur="indefinite" restart="never" nodeType="tmRoot"/>
-      </p:par>
-    </p:tnLst>
-  </p:timing>
 </p:sld>
 </file>
 
@@ -9253,7 +10399,9 @@
           <a:lstStyle/>
           <a:p>
             <a:r>
-              <a:rPr lang="en-GB" dirty="0"/>
+              <a:rPr lang="en-GB" dirty="0">
+                <a:latin typeface="Crete Round" panose="02000503050000020004" pitchFamily="50" charset="0"/>
+              </a:rPr>
               <a:t>Introduction</a:t>
             </a:r>
           </a:p>
@@ -9275,54 +10423,53 @@
           <a:lstStyle/>
           <a:p>
             <a:r>
-              <a:rPr lang="en-GB" dirty="0"/>
-              <a:t>What we’re going to talk about:</a:t>
-            </a:r>
-          </a:p>
-          <a:p>
-            <a:pPr lvl="1"/>
-            <a:r>
-              <a:rPr lang="en-GB" sz="1400" dirty="0"/>
-              <a:t>Comparison between Relational and Non-Relational Databases</a:t>
-            </a:r>
-          </a:p>
-          <a:p>
-            <a:pPr lvl="1"/>
-            <a:r>
-              <a:rPr lang="en-GB" sz="1400" dirty="0"/>
-              <a:t>Creating a </a:t>
-            </a:r>
-            <a:r>
-              <a:rPr lang="en-GB" sz="1400" dirty="0" smtClean="0"/>
-              <a:t>relational </a:t>
-            </a:r>
-            <a:r>
-              <a:rPr lang="en-GB" sz="1400" dirty="0"/>
-              <a:t>Database with Oracle</a:t>
-            </a:r>
-          </a:p>
-          <a:p>
-            <a:pPr lvl="1"/>
-            <a:r>
-              <a:rPr lang="en-GB" sz="1400" dirty="0"/>
-              <a:t>Creating a non-relational database with MongoDB</a:t>
-            </a:r>
-          </a:p>
-          <a:p>
-            <a:pPr lvl="1"/>
-            <a:r>
-              <a:rPr lang="en-GB" sz="1400" dirty="0"/>
-              <a:t>Querying</a:t>
-            </a:r>
-          </a:p>
-          <a:p>
-            <a:pPr marL="0" indent="0">
-              <a:buNone/>
-            </a:pPr>
-            <a:endParaRPr lang="en-GB" dirty="0"/>
-          </a:p>
-          <a:p>
-            <a:endParaRPr lang="en-GB" dirty="0"/>
+              <a:rPr lang="en-GB" dirty="0">
+                <a:latin typeface="Droid Sans" panose="020B0606030804020204" pitchFamily="34" charset="0"/>
+                <a:ea typeface="Droid Sans" panose="020B0606030804020204" pitchFamily="34" charset="0"/>
+                <a:cs typeface="Droid Sans" panose="020B0606030804020204" pitchFamily="34" charset="0"/>
+              </a:rPr>
+              <a:t>Relational vs Non-Relational Databases</a:t>
+            </a:r>
+          </a:p>
+          <a:p>
+            <a:r>
+              <a:rPr lang="en-GB" dirty="0">
+                <a:latin typeface="Droid Sans" panose="020B0606030804020204" pitchFamily="34" charset="0"/>
+                <a:ea typeface="Droid Sans" panose="020B0606030804020204" pitchFamily="34" charset="0"/>
+                <a:cs typeface="Droid Sans" panose="020B0606030804020204" pitchFamily="34" charset="0"/>
+              </a:rPr>
+              <a:t>Database Design</a:t>
+            </a:r>
+          </a:p>
+          <a:p>
+            <a:r>
+              <a:rPr lang="en-GB" dirty="0">
+                <a:latin typeface="Droid Sans" panose="020B0606030804020204" pitchFamily="34" charset="0"/>
+                <a:ea typeface="Droid Sans" panose="020B0606030804020204" pitchFamily="34" charset="0"/>
+                <a:cs typeface="Droid Sans" panose="020B0606030804020204" pitchFamily="34" charset="0"/>
+              </a:rPr>
+              <a:t>Database Creation (Oracle &amp; MongoDB)</a:t>
+            </a:r>
+          </a:p>
+          <a:p>
+            <a:r>
+              <a:rPr lang="en-GB" dirty="0">
+                <a:latin typeface="Droid Sans" panose="020B0606030804020204" pitchFamily="34" charset="0"/>
+                <a:ea typeface="Droid Sans" panose="020B0606030804020204" pitchFamily="34" charset="0"/>
+                <a:cs typeface="Droid Sans" panose="020B0606030804020204" pitchFamily="34" charset="0"/>
+              </a:rPr>
+              <a:t>Database Security (Oracle &amp; MongoDB</a:t>
+            </a:r>
+          </a:p>
+          <a:p>
+            <a:r>
+              <a:rPr lang="en-GB" dirty="0">
+                <a:latin typeface="Droid Sans" panose="020B0606030804020204" pitchFamily="34" charset="0"/>
+                <a:ea typeface="Droid Sans" panose="020B0606030804020204" pitchFamily="34" charset="0"/>
+                <a:cs typeface="Droid Sans" panose="020B0606030804020204" pitchFamily="34" charset="0"/>
+              </a:rPr>
+              <a:t>Database Querying (Oracle &amp; MongoDB)</a:t>
+            </a:r>
           </a:p>
         </p:txBody>
       </p:sp>
@@ -9372,7 +10519,9 @@
           <a:lstStyle/>
           <a:p>
             <a:r>
-              <a:rPr lang="en-GB" dirty="0"/>
+              <a:rPr lang="en-GB" dirty="0">
+                <a:latin typeface="Crete Round" panose="02000503050000020004" pitchFamily="50" charset="0"/>
+              </a:rPr>
               <a:t>Relational Databases</a:t>
             </a:r>
           </a:p>
@@ -9394,48 +10543,76 @@
           <a:lstStyle/>
           <a:p>
             <a:r>
-              <a:rPr lang="en-GB" dirty="0"/>
-              <a:t>Relational databases:</a:t>
+              <a:rPr lang="en-GB" b="1" dirty="0">
+                <a:latin typeface="Droid Sans" panose="020B0606030804020204" pitchFamily="34" charset="0"/>
+                <a:ea typeface="Droid Sans" panose="020B0606030804020204" pitchFamily="34" charset="0"/>
+                <a:cs typeface="Droid Sans" panose="020B0606030804020204" pitchFamily="34" charset="0"/>
+              </a:rPr>
+              <a:t>Relational databases</a:t>
             </a:r>
           </a:p>
           <a:p>
             <a:pPr lvl="1"/>
             <a:r>
-              <a:rPr lang="en-GB" dirty="0"/>
-              <a:t>SQL</a:t>
+              <a:rPr lang="en-GB" dirty="0">
+                <a:latin typeface="Droid Sans" panose="020B0606030804020204" pitchFamily="34" charset="0"/>
+                <a:ea typeface="Droid Sans" panose="020B0606030804020204" pitchFamily="34" charset="0"/>
+                <a:cs typeface="Droid Sans" panose="020B0606030804020204" pitchFamily="34" charset="0"/>
+              </a:rPr>
+              <a:t>Oracle SQL</a:t>
             </a:r>
           </a:p>
           <a:p>
             <a:pPr lvl="1"/>
             <a:r>
-              <a:rPr lang="en-GB" dirty="0"/>
+              <a:rPr lang="en-GB" dirty="0">
+                <a:latin typeface="Droid Sans" panose="020B0606030804020204" pitchFamily="34" charset="0"/>
+                <a:ea typeface="Droid Sans" panose="020B0606030804020204" pitchFamily="34" charset="0"/>
+                <a:cs typeface="Droid Sans" panose="020B0606030804020204" pitchFamily="34" charset="0"/>
+              </a:rPr>
               <a:t>Apache Hive</a:t>
             </a:r>
           </a:p>
           <a:p>
             <a:r>
-              <a:rPr lang="en-GB" dirty="0"/>
-              <a:t>Non-relational databases:</a:t>
+              <a:rPr lang="en-GB" b="1" dirty="0">
+                <a:latin typeface="Droid Sans" panose="020B0606030804020204" pitchFamily="34" charset="0"/>
+                <a:ea typeface="Droid Sans" panose="020B0606030804020204" pitchFamily="34" charset="0"/>
+                <a:cs typeface="Droid Sans" panose="020B0606030804020204" pitchFamily="34" charset="0"/>
+              </a:rPr>
+              <a:t>Non-relational databases</a:t>
             </a:r>
           </a:p>
           <a:p>
             <a:pPr lvl="1"/>
             <a:r>
-              <a:rPr lang="en-GB" dirty="0"/>
+              <a:rPr lang="en-GB" dirty="0">
+                <a:latin typeface="Droid Sans" panose="020B0606030804020204" pitchFamily="34" charset="0"/>
+                <a:ea typeface="Droid Sans" panose="020B0606030804020204" pitchFamily="34" charset="0"/>
+                <a:cs typeface="Droid Sans" panose="020B0606030804020204" pitchFamily="34" charset="0"/>
+              </a:rPr>
               <a:t>MongoDB </a:t>
             </a:r>
           </a:p>
           <a:p>
             <a:pPr lvl="1"/>
             <a:r>
-              <a:rPr lang="en-GB" dirty="0"/>
+              <a:rPr lang="en-GB" dirty="0">
+                <a:latin typeface="Droid Sans" panose="020B0606030804020204" pitchFamily="34" charset="0"/>
+                <a:ea typeface="Droid Sans" panose="020B0606030804020204" pitchFamily="34" charset="0"/>
+                <a:cs typeface="Droid Sans" panose="020B0606030804020204" pitchFamily="34" charset="0"/>
+              </a:rPr>
               <a:t>Elasticsearch</a:t>
             </a:r>
           </a:p>
           <a:p>
             <a:pPr lvl="1"/>
             <a:r>
-              <a:rPr lang="en-GB" dirty="0"/>
+              <a:rPr lang="en-GB" dirty="0">
+                <a:latin typeface="Droid Sans" panose="020B0606030804020204" pitchFamily="34" charset="0"/>
+                <a:ea typeface="Droid Sans" panose="020B0606030804020204" pitchFamily="34" charset="0"/>
+                <a:cs typeface="Droid Sans" panose="020B0606030804020204" pitchFamily="34" charset="0"/>
+              </a:rPr>
               <a:t>Apache Cassandra</a:t>
             </a:r>
           </a:p>
@@ -9487,7 +10664,9 @@
           <a:lstStyle/>
           <a:p>
             <a:r>
-              <a:rPr lang="en-GB" dirty="0"/>
+              <a:rPr lang="en-GB" dirty="0">
+                <a:latin typeface="Crete Round" panose="02000503050000020004" pitchFamily="50" charset="0"/>
+              </a:rPr>
               <a:t>Database Comparison</a:t>
             </a:r>
           </a:p>
@@ -9503,14 +10682,14 @@
             <p:ph idx="1"/>
             <p:extLst>
               <p:ext uri="{D42A27DB-BD31-4B8C-83A1-F6EECF244321}">
-                <p14:modId xmlns:p14="http://schemas.microsoft.com/office/powerpoint/2010/main" val="2390392774"/>
+                <p14:modId xmlns:p14="http://schemas.microsoft.com/office/powerpoint/2010/main" val="3701760725"/>
               </p:ext>
             </p:extLst>
           </p:nvPr>
         </p:nvGraphicFramePr>
         <p:xfrm>
-          <a:off x="819150" y="2222499"/>
-          <a:ext cx="10553700" cy="2228204"/>
+          <a:off x="1389379" y="3157219"/>
+          <a:ext cx="9413239" cy="2334686"/>
         </p:xfrm>
         <a:graphic>
           <a:graphicData uri="http://schemas.openxmlformats.org/drawingml/2006/table">
@@ -9519,64 +10698,90 @@
                 <a:tableStyleId>{125E5076-3810-47DD-B79F-674D7AD40C01}</a:tableStyleId>
               </a:tblPr>
               <a:tblGrid>
-                <a:gridCol w="2619619">
+                <a:gridCol w="2032000">
                   <a:extLst>
                     <a:ext uri="{9D8B030D-6E8A-4147-A177-3AD203B41FA5}">
-                      <a16:colId xmlns:a16="http://schemas.microsoft.com/office/drawing/2014/main" xmlns="" val="3528419154"/>
+                      <a16:colId xmlns:a16="http://schemas.microsoft.com/office/drawing/2014/main" val="3528419154"/>
                     </a:ext>
                   </a:extLst>
                 </a:gridCol>
-                <a:gridCol w="4416181">
+                <a:gridCol w="3545840">
                   <a:extLst>
                     <a:ext uri="{9D8B030D-6E8A-4147-A177-3AD203B41FA5}">
-                      <a16:colId xmlns:a16="http://schemas.microsoft.com/office/drawing/2014/main" xmlns="" val="762078832"/>
+                      <a16:colId xmlns:a16="http://schemas.microsoft.com/office/drawing/2014/main" val="762078832"/>
                     </a:ext>
                   </a:extLst>
                 </a:gridCol>
-                <a:gridCol w="3517900">
+                <a:gridCol w="3835399">
                   <a:extLst>
                     <a:ext uri="{9D8B030D-6E8A-4147-A177-3AD203B41FA5}">
-                      <a16:colId xmlns:a16="http://schemas.microsoft.com/office/drawing/2014/main" xmlns="" val="907314636"/>
+                      <a16:colId xmlns:a16="http://schemas.microsoft.com/office/drawing/2014/main" val="907314636"/>
                     </a:ext>
                   </a:extLst>
                 </a:gridCol>
               </a:tblGrid>
-              <a:tr h="471475">
+              <a:tr h="642621">
                 <a:tc>
                   <a:txBody>
                     <a:bodyPr/>
                     <a:lstStyle/>
                     <a:p>
                       <a:r>
-                        <a:rPr lang="en-GB" dirty="0"/>
+                        <a:rPr lang="en-GB" sz="2000" b="1" dirty="0">
+                          <a:latin typeface="Crete Round" panose="02000503050000020004" pitchFamily="50" charset="0"/>
+                        </a:rPr>
                         <a:t>Database Type</a:t>
                       </a:r>
                     </a:p>
                   </a:txBody>
-                  <a:tcPr>
+                  <a:tcPr anchor="ctr">
                     <a:lnL w="12700" cap="flat" cmpd="sng" algn="ctr">
                       <a:solidFill>
-                        <a:schemeClr val="tx1"/>
+                        <a:schemeClr val="bg1">
+                          <a:lumMod val="95000"/>
+                          <a:lumOff val="5000"/>
+                        </a:schemeClr>
                       </a:solidFill>
                       <a:prstDash val="solid"/>
                       <a:round/>
                       <a:headEnd type="none" w="med" len="med"/>
                       <a:tailEnd type="none" w="med" len="med"/>
                     </a:lnL>
-                    <a:lnR>
-                      <a:noFill/>
+                    <a:lnR w="12700" cap="flat" cmpd="sng" algn="ctr">
+                      <a:solidFill>
+                        <a:schemeClr val="bg1">
+                          <a:lumMod val="95000"/>
+                          <a:lumOff val="5000"/>
+                        </a:schemeClr>
+                      </a:solidFill>
+                      <a:prstDash val="solid"/>
+                      <a:round/>
+                      <a:headEnd type="none" w="med" len="med"/>
+                      <a:tailEnd type="none" w="med" len="med"/>
                     </a:lnR>
                     <a:lnT w="12700" cap="flat" cmpd="sng" algn="ctr">
                       <a:solidFill>
-                        <a:schemeClr val="tx1"/>
+                        <a:schemeClr val="bg1">
+                          <a:lumMod val="95000"/>
+                          <a:lumOff val="5000"/>
+                        </a:schemeClr>
                       </a:solidFill>
                       <a:prstDash val="solid"/>
                       <a:round/>
                       <a:headEnd type="none" w="med" len="med"/>
                       <a:tailEnd type="none" w="med" len="med"/>
                     </a:lnT>
-                    <a:lnB w="25400" cmpd="sng">
-                      <a:noFill/>
+                    <a:lnB w="12700" cap="flat" cmpd="sng" algn="ctr">
+                      <a:solidFill>
+                        <a:schemeClr val="bg1">
+                          <a:lumMod val="95000"/>
+                          <a:lumOff val="5000"/>
+                        </a:schemeClr>
+                      </a:solidFill>
+                      <a:prstDash val="solid"/>
+                      <a:round/>
+                      <a:headEnd type="none" w="med" len="med"/>
+                      <a:tailEnd type="none" w="med" len="med"/>
                     </a:lnB>
                     <a:lnTlToBr w="12700" cmpd="sng">
                       <a:noFill/>
@@ -9600,29 +10805,61 @@
                     <a:lstStyle/>
                     <a:p>
                       <a:r>
-                        <a:rPr lang="en-GB" dirty="0"/>
-                        <a:t>SQL</a:t>
+                        <a:rPr lang="en-GB" sz="2000" b="1" dirty="0">
+                          <a:latin typeface="Crete Round" panose="02000503050000020004" pitchFamily="50" charset="0"/>
+                        </a:rPr>
+                        <a:t>Oracle SQL</a:t>
                       </a:r>
                     </a:p>
                   </a:txBody>
-                  <a:tcPr>
-                    <a:lnL>
-                      <a:noFill/>
+                  <a:tcPr anchor="ctr">
+                    <a:lnL w="12700" cap="flat" cmpd="sng" algn="ctr">
+                      <a:solidFill>
+                        <a:schemeClr val="bg1">
+                          <a:lumMod val="95000"/>
+                          <a:lumOff val="5000"/>
+                        </a:schemeClr>
+                      </a:solidFill>
+                      <a:prstDash val="solid"/>
+                      <a:round/>
+                      <a:headEnd type="none" w="med" len="med"/>
+                      <a:tailEnd type="none" w="med" len="med"/>
                     </a:lnL>
-                    <a:lnR>
-                      <a:noFill/>
+                    <a:lnR w="12700" cap="flat" cmpd="sng" algn="ctr">
+                      <a:solidFill>
+                        <a:schemeClr val="bg1">
+                          <a:lumMod val="95000"/>
+                          <a:lumOff val="5000"/>
+                        </a:schemeClr>
+                      </a:solidFill>
+                      <a:prstDash val="solid"/>
+                      <a:round/>
+                      <a:headEnd type="none" w="med" len="med"/>
+                      <a:tailEnd type="none" w="med" len="med"/>
                     </a:lnR>
                     <a:lnT w="12700" cap="flat" cmpd="sng" algn="ctr">
                       <a:solidFill>
-                        <a:schemeClr val="tx1"/>
+                        <a:schemeClr val="bg1">
+                          <a:lumMod val="95000"/>
+                          <a:lumOff val="5000"/>
+                        </a:schemeClr>
                       </a:solidFill>
                       <a:prstDash val="solid"/>
                       <a:round/>
                       <a:headEnd type="none" w="med" len="med"/>
                       <a:tailEnd type="none" w="med" len="med"/>
                     </a:lnT>
-                    <a:lnB w="25400" cmpd="sng">
-                      <a:noFill/>
+                    <a:lnB w="12700" cap="flat" cmpd="sng" algn="ctr">
+                      <a:solidFill>
+                        <a:schemeClr val="bg1">
+                          <a:lumMod val="95000"/>
+                          <a:lumOff val="5000"/>
+                        </a:schemeClr>
+                      </a:solidFill>
+                      <a:prstDash val="solid"/>
+                      <a:round/>
+                      <a:headEnd type="none" w="med" len="med"/>
+                      <a:tailEnd type="none" w="med" len="med"/>
                     </a:lnB>
                     <a:lnTlToBr w="12700" cmpd="sng">
                       <a:noFill/>
@@ -9646,18 +10883,32 @@
                     <a:lstStyle/>
                     <a:p>
                       <a:r>
-                        <a:rPr lang="en-GB" dirty="0"/>
+                        <a:rPr lang="en-GB" sz="2000" b="1" dirty="0">
+                          <a:latin typeface="Crete Round" panose="02000503050000020004" pitchFamily="50" charset="0"/>
+                        </a:rPr>
                         <a:t>MongoDB</a:t>
                       </a:r>
                     </a:p>
                   </a:txBody>
-                  <a:tcPr>
-                    <a:lnL>
-                      <a:noFill/>
+                  <a:tcPr anchor="ctr">
+                    <a:lnL w="12700" cap="flat" cmpd="sng" algn="ctr">
+                      <a:solidFill>
+                        <a:schemeClr val="bg1">
+                          <a:lumMod val="95000"/>
+                          <a:lumOff val="5000"/>
+                        </a:schemeClr>
+                      </a:solidFill>
+                      <a:prstDash val="solid"/>
+                      <a:round/>
+                      <a:headEnd type="none" w="med" len="med"/>
+                      <a:tailEnd type="none" w="med" len="med"/>
                     </a:lnL>
                     <a:lnR w="12700" cap="flat" cmpd="sng" algn="ctr">
                       <a:solidFill>
-                        <a:schemeClr val="tx1"/>
+                        <a:schemeClr val="bg1">
+                          <a:lumMod val="95000"/>
+                          <a:lumOff val="5000"/>
+                        </a:schemeClr>
                       </a:solidFill>
                       <a:prstDash val="solid"/>
                       <a:round/>
@@ -9666,15 +10917,27 @@
                     </a:lnR>
                     <a:lnT w="12700" cap="flat" cmpd="sng" algn="ctr">
                       <a:solidFill>
-                        <a:schemeClr val="tx1"/>
+                        <a:schemeClr val="bg1">
+                          <a:lumMod val="95000"/>
+                          <a:lumOff val="5000"/>
+                        </a:schemeClr>
                       </a:solidFill>
                       <a:prstDash val="solid"/>
                       <a:round/>
                       <a:headEnd type="none" w="med" len="med"/>
                       <a:tailEnd type="none" w="med" len="med"/>
                     </a:lnT>
-                    <a:lnB w="25400" cmpd="sng">
-                      <a:noFill/>
+                    <a:lnB w="12700" cap="flat" cmpd="sng" algn="ctr">
+                      <a:solidFill>
+                        <a:schemeClr val="bg1">
+                          <a:lumMod val="95000"/>
+                          <a:lumOff val="5000"/>
+                        </a:schemeClr>
+                      </a:solidFill>
+                      <a:prstDash val="solid"/>
+                      <a:round/>
+                      <a:headEnd type="none" w="med" len="med"/>
+                      <a:tailEnd type="none" w="med" len="med"/>
                     </a:lnB>
                     <a:lnTlToBr w="12700" cmpd="sng">
                       <a:noFill/>
@@ -9694,42 +10957,70 @@
                 </a:tc>
                 <a:extLst>
                   <a:ext uri="{0D108BD9-81ED-4DB2-BD59-A6C34878D82A}">
-                    <a16:rowId xmlns:a16="http://schemas.microsoft.com/office/drawing/2014/main" xmlns="" val="2495985319"/>
+                    <a16:rowId xmlns:a16="http://schemas.microsoft.com/office/drawing/2014/main" val="2495985319"/>
                   </a:ext>
                 </a:extLst>
               </a:tr>
-              <a:tr h="471475">
+              <a:tr h="530861">
                 <a:tc>
                   <a:txBody>
                     <a:bodyPr/>
                     <a:lstStyle/>
                     <a:p>
                       <a:r>
-                        <a:rPr lang="en-GB" dirty="0"/>
+                        <a:rPr lang="en-GB" sz="1600" dirty="0">
+                          <a:latin typeface="Droid Sans" panose="020B0606030804020204" pitchFamily="34" charset="0"/>
+                          <a:ea typeface="Droid Sans" panose="020B0606030804020204" pitchFamily="34" charset="0"/>
+                          <a:cs typeface="Droid Sans" panose="020B0606030804020204" pitchFamily="34" charset="0"/>
+                        </a:rPr>
                         <a:t>Structure</a:t>
                       </a:r>
-                      <a:endParaRPr lang="en-GB" dirty="0">
+                      <a:endParaRPr lang="en-GB" sz="1600" dirty="0">
                         <a:solidFill>
                           <a:schemeClr val="bg1"/>
                         </a:solidFill>
+                        <a:latin typeface="Droid Sans" panose="020B0606030804020204" pitchFamily="34" charset="0"/>
+                        <a:ea typeface="Droid Sans" panose="020B0606030804020204" pitchFamily="34" charset="0"/>
+                        <a:cs typeface="Droid Sans" panose="020B0606030804020204" pitchFamily="34" charset="0"/>
                       </a:endParaRPr>
                     </a:p>
                   </a:txBody>
-                  <a:tcPr>
+                  <a:tcPr anchor="ctr">
                     <a:lnL w="12700" cap="flat" cmpd="sng" algn="ctr">
                       <a:solidFill>
-                        <a:schemeClr val="tx1"/>
+                        <a:schemeClr val="bg1">
+                          <a:lumMod val="95000"/>
+                          <a:lumOff val="5000"/>
+                        </a:schemeClr>
                       </a:solidFill>
                       <a:prstDash val="solid"/>
                       <a:round/>
                       <a:headEnd type="none" w="med" len="med"/>
                       <a:tailEnd type="none" w="med" len="med"/>
                     </a:lnL>
-                    <a:lnR>
-                      <a:noFill/>
+                    <a:lnR w="12700" cap="flat" cmpd="sng" algn="ctr">
+                      <a:solidFill>
+                        <a:schemeClr val="bg1">
+                          <a:lumMod val="95000"/>
+                          <a:lumOff val="5000"/>
+                        </a:schemeClr>
+                      </a:solidFill>
+                      <a:prstDash val="solid"/>
+                      <a:round/>
+                      <a:headEnd type="none" w="med" len="med"/>
+                      <a:tailEnd type="none" w="med" len="med"/>
                     </a:lnR>
-                    <a:lnT w="25400" cmpd="sng">
-                      <a:noFill/>
+                    <a:lnT w="12700" cap="flat" cmpd="sng" algn="ctr">
+                      <a:solidFill>
+                        <a:schemeClr val="bg1">
+                          <a:lumMod val="95000"/>
+                          <a:lumOff val="5000"/>
+                        </a:schemeClr>
+                      </a:solidFill>
+                      <a:prstDash val="solid"/>
+                      <a:round/>
+                      <a:headEnd type="none" w="med" len="med"/>
+                      <a:tailEnd type="none" w="med" len="med"/>
                     </a:lnT>
                     <a:lnB>
                       <a:noFill/>
@@ -9750,25 +11041,59 @@
                     <a:lstStyle/>
                     <a:p>
                       <a:r>
-                        <a:rPr lang="en-GB" dirty="0"/>
+                        <a:rPr lang="en-GB" sz="1600" dirty="0">
+                          <a:latin typeface="Droid Sans" panose="020B0606030804020204" pitchFamily="34" charset="0"/>
+                          <a:ea typeface="Droid Sans" panose="020B0606030804020204" pitchFamily="34" charset="0"/>
+                          <a:cs typeface="Droid Sans" panose="020B0606030804020204" pitchFamily="34" charset="0"/>
+                        </a:rPr>
                         <a:t>Highly Structured</a:t>
                       </a:r>
-                      <a:endParaRPr lang="en-GB" dirty="0">
+                      <a:endParaRPr lang="en-GB" sz="1600" dirty="0">
                         <a:solidFill>
                           <a:schemeClr val="bg1"/>
                         </a:solidFill>
+                        <a:latin typeface="Droid Sans" panose="020B0606030804020204" pitchFamily="34" charset="0"/>
+                        <a:ea typeface="Droid Sans" panose="020B0606030804020204" pitchFamily="34" charset="0"/>
+                        <a:cs typeface="Droid Sans" panose="020B0606030804020204" pitchFamily="34" charset="0"/>
                       </a:endParaRPr>
                     </a:p>
                   </a:txBody>
-                  <a:tcPr>
-                    <a:lnL>
-                      <a:noFill/>
+                  <a:tcPr anchor="ctr">
+                    <a:lnL w="12700" cap="flat" cmpd="sng" algn="ctr">
+                      <a:solidFill>
+                        <a:schemeClr val="bg1">
+                          <a:lumMod val="95000"/>
+                          <a:lumOff val="5000"/>
+                        </a:schemeClr>
+                      </a:solidFill>
+                      <a:prstDash val="solid"/>
+                      <a:round/>
+                      <a:headEnd type="none" w="med" len="med"/>
+                      <a:tailEnd type="none" w="med" len="med"/>
                     </a:lnL>
-                    <a:lnR>
-                      <a:noFill/>
+                    <a:lnR w="12700" cap="flat" cmpd="sng" algn="ctr">
+                      <a:solidFill>
+                        <a:schemeClr val="bg1">
+                          <a:lumMod val="95000"/>
+                          <a:lumOff val="5000"/>
+                        </a:schemeClr>
+                      </a:solidFill>
+                      <a:prstDash val="solid"/>
+                      <a:round/>
+                      <a:headEnd type="none" w="med" len="med"/>
+                      <a:tailEnd type="none" w="med" len="med"/>
                     </a:lnR>
-                    <a:lnT w="25400" cmpd="sng">
-                      <a:noFill/>
+                    <a:lnT w="12700" cap="flat" cmpd="sng" algn="ctr">
+                      <a:solidFill>
+                        <a:schemeClr val="bg1">
+                          <a:lumMod val="95000"/>
+                          <a:lumOff val="5000"/>
+                        </a:schemeClr>
+                      </a:solidFill>
+                      <a:prstDash val="solid"/>
+                      <a:round/>
+                      <a:headEnd type="none" w="med" len="med"/>
+                      <a:tailEnd type="none" w="med" len="med"/>
                     </a:lnT>
                     <a:lnB>
                       <a:noFill/>
@@ -9789,31 +11114,59 @@
                     <a:lstStyle/>
                     <a:p>
                       <a:r>
-                        <a:rPr lang="en-GB" dirty="0"/>
+                        <a:rPr lang="en-GB" sz="1600" dirty="0">
+                          <a:latin typeface="Droid Sans" panose="020B0606030804020204" pitchFamily="34" charset="0"/>
+                          <a:ea typeface="Droid Sans" panose="020B0606030804020204" pitchFamily="34" charset="0"/>
+                          <a:cs typeface="Droid Sans" panose="020B0606030804020204" pitchFamily="34" charset="0"/>
+                        </a:rPr>
                         <a:t>Eventual consistency</a:t>
                       </a:r>
-                      <a:endParaRPr lang="en-GB" dirty="0">
+                      <a:endParaRPr lang="en-GB" sz="1600" dirty="0">
                         <a:solidFill>
                           <a:schemeClr val="bg1"/>
                         </a:solidFill>
+                        <a:latin typeface="Droid Sans" panose="020B0606030804020204" pitchFamily="34" charset="0"/>
+                        <a:ea typeface="Droid Sans" panose="020B0606030804020204" pitchFamily="34" charset="0"/>
+                        <a:cs typeface="Droid Sans" panose="020B0606030804020204" pitchFamily="34" charset="0"/>
                       </a:endParaRPr>
                     </a:p>
                   </a:txBody>
-                  <a:tcPr>
-                    <a:lnL>
-                      <a:noFill/>
+                  <a:tcPr anchor="ctr">
+                    <a:lnL w="12700" cap="flat" cmpd="sng" algn="ctr">
+                      <a:solidFill>
+                        <a:schemeClr val="bg1">
+                          <a:lumMod val="95000"/>
+                          <a:lumOff val="5000"/>
+                        </a:schemeClr>
+                      </a:solidFill>
+                      <a:prstDash val="solid"/>
+                      <a:round/>
+                      <a:headEnd type="none" w="med" len="med"/>
+                      <a:tailEnd type="none" w="med" len="med"/>
                     </a:lnL>
                     <a:lnR w="12700" cap="flat" cmpd="sng" algn="ctr">
                       <a:solidFill>
-                        <a:schemeClr val="tx1"/>
+                        <a:schemeClr val="bg1">
+                          <a:lumMod val="95000"/>
+                          <a:lumOff val="5000"/>
+                        </a:schemeClr>
                       </a:solidFill>
                       <a:prstDash val="solid"/>
                       <a:round/>
                       <a:headEnd type="none" w="med" len="med"/>
                       <a:tailEnd type="none" w="med" len="med"/>
                     </a:lnR>
-                    <a:lnT w="25400" cmpd="sng">
-                      <a:noFill/>
+                    <a:lnT w="12700" cap="flat" cmpd="sng" algn="ctr">
+                      <a:solidFill>
+                        <a:schemeClr val="bg1">
+                          <a:lumMod val="95000"/>
+                          <a:lumOff val="5000"/>
+                        </a:schemeClr>
+                      </a:solidFill>
+                      <a:prstDash val="solid"/>
+                      <a:round/>
+                      <a:headEnd type="none" w="med" len="med"/>
+                      <a:tailEnd type="none" w="med" len="med"/>
                     </a:lnT>
                     <a:lnB>
                       <a:noFill/>
@@ -9830,39 +11183,58 @@
                 </a:tc>
                 <a:extLst>
                   <a:ext uri="{0D108BD9-81ED-4DB2-BD59-A6C34878D82A}">
-                    <a16:rowId xmlns:a16="http://schemas.microsoft.com/office/drawing/2014/main" xmlns="" val="4162620938"/>
+                    <a16:rowId xmlns:a16="http://schemas.microsoft.com/office/drawing/2014/main" val="4162620938"/>
                   </a:ext>
                 </a:extLst>
               </a:tr>
-              <a:tr h="471475">
+              <a:tr h="568960">
                 <a:tc>
                   <a:txBody>
                     <a:bodyPr/>
                     <a:lstStyle/>
                     <a:p>
                       <a:r>
-                        <a:rPr lang="en-GB" dirty="0"/>
+                        <a:rPr lang="en-GB" sz="1600" dirty="0">
+                          <a:latin typeface="Droid Sans" panose="020B0606030804020204" pitchFamily="34" charset="0"/>
+                          <a:ea typeface="Droid Sans" panose="020B0606030804020204" pitchFamily="34" charset="0"/>
+                          <a:cs typeface="Droid Sans" panose="020B0606030804020204" pitchFamily="34" charset="0"/>
+                        </a:rPr>
                         <a:t>Querying</a:t>
                       </a:r>
-                      <a:endParaRPr lang="en-GB" dirty="0">
+                      <a:endParaRPr lang="en-GB" sz="1600" dirty="0">
                         <a:solidFill>
                           <a:schemeClr val="tx1"/>
                         </a:solidFill>
+                        <a:latin typeface="Droid Sans" panose="020B0606030804020204" pitchFamily="34" charset="0"/>
+                        <a:ea typeface="Droid Sans" panose="020B0606030804020204" pitchFamily="34" charset="0"/>
+                        <a:cs typeface="Droid Sans" panose="020B0606030804020204" pitchFamily="34" charset="0"/>
                       </a:endParaRPr>
                     </a:p>
                   </a:txBody>
-                  <a:tcPr>
+                  <a:tcPr anchor="ctr">
                     <a:lnL w="12700" cap="flat" cmpd="sng" algn="ctr">
                       <a:solidFill>
-                        <a:schemeClr val="tx1"/>
+                        <a:schemeClr val="bg1">
+                          <a:lumMod val="95000"/>
+                          <a:lumOff val="5000"/>
+                        </a:schemeClr>
                       </a:solidFill>
                       <a:prstDash val="solid"/>
                       <a:round/>
                       <a:headEnd type="none" w="med" len="med"/>
                       <a:tailEnd type="none" w="med" len="med"/>
                     </a:lnL>
-                    <a:lnR>
-                      <a:noFill/>
+                    <a:lnR w="12700" cap="flat" cmpd="sng" algn="ctr">
+                      <a:solidFill>
+                        <a:schemeClr val="bg1">
+                          <a:lumMod val="95000"/>
+                          <a:lumOff val="5000"/>
+                        </a:schemeClr>
+                      </a:solidFill>
+                      <a:prstDash val="solid"/>
+                      <a:round/>
+                      <a:headEnd type="none" w="med" len="med"/>
+                      <a:tailEnd type="none" w="med" len="med"/>
                     </a:lnR>
                     <a:lnT>
                       <a:noFill/>
@@ -9892,26 +11264,55 @@
                     <a:lstStyle/>
                     <a:p>
                       <a:r>
-                        <a:rPr lang="en-GB" dirty="0"/>
+                        <a:rPr lang="en-GB" sz="1600" dirty="0">
+                          <a:latin typeface="Droid Sans" panose="020B0606030804020204" pitchFamily="34" charset="0"/>
+                          <a:ea typeface="Droid Sans" panose="020B0606030804020204" pitchFamily="34" charset="0"/>
+                          <a:cs typeface="Droid Sans" panose="020B0606030804020204" pitchFamily="34" charset="0"/>
+                        </a:rPr>
                         <a:t>Powerful querying</a:t>
                       </a:r>
                       <a:r>
-                        <a:rPr lang="en-GB" baseline="0" dirty="0"/>
+                        <a:rPr lang="en-GB" sz="1600" baseline="0" dirty="0">
+                          <a:latin typeface="Droid Sans" panose="020B0606030804020204" pitchFamily="34" charset="0"/>
+                          <a:ea typeface="Droid Sans" panose="020B0606030804020204" pitchFamily="34" charset="0"/>
+                          <a:cs typeface="Droid Sans" panose="020B0606030804020204" pitchFamily="34" charset="0"/>
+                        </a:rPr>
                         <a:t> language</a:t>
                       </a:r>
-                      <a:endParaRPr lang="en-GB" dirty="0">
+                      <a:endParaRPr lang="en-GB" sz="1600" dirty="0">
                         <a:solidFill>
                           <a:schemeClr val="tx1"/>
                         </a:solidFill>
+                        <a:latin typeface="Droid Sans" panose="020B0606030804020204" pitchFamily="34" charset="0"/>
+                        <a:ea typeface="Droid Sans" panose="020B0606030804020204" pitchFamily="34" charset="0"/>
+                        <a:cs typeface="Droid Sans" panose="020B0606030804020204" pitchFamily="34" charset="0"/>
                       </a:endParaRPr>
                     </a:p>
                   </a:txBody>
-                  <a:tcPr>
-                    <a:lnL>
-                      <a:noFill/>
+                  <a:tcPr anchor="ctr">
+                    <a:lnL w="12700" cap="flat" cmpd="sng" algn="ctr">
+                      <a:solidFill>
+                        <a:schemeClr val="bg1">
+                          <a:lumMod val="95000"/>
+                          <a:lumOff val="5000"/>
+                        </a:schemeClr>
+                      </a:solidFill>
+                      <a:prstDash val="solid"/>
+                      <a:round/>
+                      <a:headEnd type="none" w="med" len="med"/>
+                      <a:tailEnd type="none" w="med" len="med"/>
                     </a:lnL>
-                    <a:lnR>
-                      <a:noFill/>
+                    <a:lnR w="12700" cap="flat" cmpd="sng" algn="ctr">
+                      <a:solidFill>
+                        <a:schemeClr val="bg1">
+                          <a:lumMod val="95000"/>
+                          <a:lumOff val="5000"/>
+                        </a:schemeClr>
+                      </a:solidFill>
+                      <a:prstDash val="solid"/>
+                      <a:round/>
+                      <a:headEnd type="none" w="med" len="med"/>
+                      <a:tailEnd type="none" w="med" len="med"/>
                     </a:lnR>
                     <a:lnT>
                       <a:noFill/>
@@ -9941,23 +11342,42 @@
                     <a:lstStyle/>
                     <a:p>
                       <a:r>
-                        <a:rPr lang="en-GB" dirty="0"/>
+                        <a:rPr lang="en-GB" sz="1600" dirty="0">
+                          <a:latin typeface="Droid Sans" panose="020B0606030804020204" pitchFamily="34" charset="0"/>
+                          <a:ea typeface="Droid Sans" panose="020B0606030804020204" pitchFamily="34" charset="0"/>
+                          <a:cs typeface="Droid Sans" panose="020B0606030804020204" pitchFamily="34" charset="0"/>
+                        </a:rPr>
                         <a:t>Varies</a:t>
                       </a:r>
-                      <a:endParaRPr lang="en-GB" dirty="0">
+                      <a:endParaRPr lang="en-GB" sz="1600" dirty="0">
                         <a:solidFill>
                           <a:schemeClr val="tx1"/>
                         </a:solidFill>
+                        <a:latin typeface="Droid Sans" panose="020B0606030804020204" pitchFamily="34" charset="0"/>
+                        <a:ea typeface="Droid Sans" panose="020B0606030804020204" pitchFamily="34" charset="0"/>
+                        <a:cs typeface="Droid Sans" panose="020B0606030804020204" pitchFamily="34" charset="0"/>
                       </a:endParaRPr>
                     </a:p>
                   </a:txBody>
-                  <a:tcPr>
-                    <a:lnL>
-                      <a:noFill/>
+                  <a:tcPr anchor="ctr">
+                    <a:lnL w="12700" cap="flat" cmpd="sng" algn="ctr">
+                      <a:solidFill>
+                        <a:schemeClr val="bg1">
+                          <a:lumMod val="95000"/>
+                          <a:lumOff val="5000"/>
+                        </a:schemeClr>
+                      </a:solidFill>
+                      <a:prstDash val="solid"/>
+                      <a:round/>
+                      <a:headEnd type="none" w="med" len="med"/>
+                      <a:tailEnd type="none" w="med" len="med"/>
                     </a:lnL>
                     <a:lnR w="12700" cap="flat" cmpd="sng" algn="ctr">
                       <a:solidFill>
-                        <a:schemeClr val="tx1"/>
+                        <a:schemeClr val="bg1">
+                          <a:lumMod val="95000"/>
+                          <a:lumOff val="5000"/>
+                        </a:schemeClr>
                       </a:solidFill>
                       <a:prstDash val="solid"/>
                       <a:round/>
@@ -9988,40 +11408,65 @@
                 </a:tc>
                 <a:extLst>
                   <a:ext uri="{0D108BD9-81ED-4DB2-BD59-A6C34878D82A}">
-                    <a16:rowId xmlns:a16="http://schemas.microsoft.com/office/drawing/2014/main" xmlns="" val="2147313943"/>
+                    <a16:rowId xmlns:a16="http://schemas.microsoft.com/office/drawing/2014/main" val="2147313943"/>
                   </a:ext>
                 </a:extLst>
               </a:tr>
-              <a:tr h="813779">
+              <a:tr h="592244">
                 <a:tc>
                   <a:txBody>
                     <a:bodyPr/>
                     <a:lstStyle/>
                     <a:p>
                       <a:r>
-                        <a:rPr lang="en-GB" dirty="0"/>
+                        <a:rPr lang="en-GB" sz="1600" dirty="0">
+                          <a:latin typeface="Droid Sans" panose="020B0606030804020204" pitchFamily="34" charset="0"/>
+                          <a:ea typeface="Droid Sans" panose="020B0606030804020204" pitchFamily="34" charset="0"/>
+                          <a:cs typeface="Droid Sans" panose="020B0606030804020204" pitchFamily="34" charset="0"/>
+                        </a:rPr>
                         <a:t>Availability</a:t>
                       </a:r>
                     </a:p>
                   </a:txBody>
-                  <a:tcPr>
+                  <a:tcPr anchor="ctr">
                     <a:lnL w="12700" cap="flat" cmpd="sng" algn="ctr">
                       <a:solidFill>
-                        <a:schemeClr val="tx1"/>
+                        <a:schemeClr val="bg1">
+                          <a:lumMod val="95000"/>
+                          <a:lumOff val="5000"/>
+                        </a:schemeClr>
                       </a:solidFill>
                       <a:prstDash val="solid"/>
                       <a:round/>
                       <a:headEnd type="none" w="med" len="med"/>
                       <a:tailEnd type="none" w="med" len="med"/>
                     </a:lnL>
-                    <a:lnR>
-                      <a:noFill/>
+                    <a:lnR w="12700" cap="flat" cmpd="sng" algn="ctr">
+                      <a:solidFill>
+                        <a:schemeClr val="bg1">
+                          <a:lumMod val="95000"/>
+                          <a:lumOff val="5000"/>
+                        </a:schemeClr>
+                      </a:solidFill>
+                      <a:prstDash val="solid"/>
+                      <a:round/>
+                      <a:headEnd type="none" w="med" len="med"/>
+                      <a:tailEnd type="none" w="med" len="med"/>
                     </a:lnR>
                     <a:lnT>
                       <a:noFill/>
                     </a:lnT>
-                    <a:lnB>
-                      <a:noFill/>
+                    <a:lnB w="12700" cap="flat" cmpd="sng" algn="ctr">
+                      <a:solidFill>
+                        <a:schemeClr val="bg1">
+                          <a:lumMod val="95000"/>
+                          <a:lumOff val="5000"/>
+                        </a:schemeClr>
+                      </a:solidFill>
+                      <a:prstDash val="solid"/>
+                      <a:round/>
+                      <a:headEnd type="none" w="med" len="med"/>
+                      <a:tailEnd type="none" w="med" len="med"/>
                     </a:lnB>
                     <a:lnTlToBr w="12700" cmpd="sng">
                       <a:noFill/>
@@ -10039,28 +11484,67 @@
                     <a:lstStyle/>
                     <a:p>
                       <a:r>
-                        <a:rPr lang="en-GB" dirty="0"/>
+                        <a:rPr lang="en-GB" sz="1600" dirty="0">
+                          <a:latin typeface="Droid Sans" panose="020B0606030804020204" pitchFamily="34" charset="0"/>
+                          <a:ea typeface="Droid Sans" panose="020B0606030804020204" pitchFamily="34" charset="0"/>
+                          <a:cs typeface="Droid Sans" panose="020B0606030804020204" pitchFamily="34" charset="0"/>
+                        </a:rPr>
                         <a:t>Database stored on</a:t>
                       </a:r>
                       <a:r>
-                        <a:rPr lang="en-GB" baseline="0" dirty="0"/>
+                        <a:rPr lang="en-GB" sz="1600" baseline="0" dirty="0">
+                          <a:latin typeface="Droid Sans" panose="020B0606030804020204" pitchFamily="34" charset="0"/>
+                          <a:ea typeface="Droid Sans" panose="020B0606030804020204" pitchFamily="34" charset="0"/>
+                          <a:cs typeface="Droid Sans" panose="020B0606030804020204" pitchFamily="34" charset="0"/>
+                        </a:rPr>
                         <a:t> a single server</a:t>
                       </a:r>
-                      <a:endParaRPr lang="en-GB" dirty="0"/>
+                      <a:endParaRPr lang="en-GB" sz="1600" dirty="0">
+                        <a:latin typeface="Droid Sans" panose="020B0606030804020204" pitchFamily="34" charset="0"/>
+                        <a:ea typeface="Droid Sans" panose="020B0606030804020204" pitchFamily="34" charset="0"/>
+                        <a:cs typeface="Droid Sans" panose="020B0606030804020204" pitchFamily="34" charset="0"/>
+                      </a:endParaRPr>
                     </a:p>
                   </a:txBody>
-                  <a:tcPr>
-                    <a:lnL>
-                      <a:noFill/>
+                  <a:tcPr anchor="ctr">
+                    <a:lnL w="12700" cap="flat" cmpd="sng" algn="ctr">
+                      <a:solidFill>
+                        <a:schemeClr val="bg1">
+                          <a:lumMod val="95000"/>
+                          <a:lumOff val="5000"/>
+                        </a:schemeClr>
+                      </a:solidFill>
+                      <a:prstDash val="solid"/>
+                      <a:round/>
+                      <a:headEnd type="none" w="med" len="med"/>
+                      <a:tailEnd type="none" w="med" len="med"/>
                     </a:lnL>
-                    <a:lnR>
-                      <a:noFill/>
+                    <a:lnR w="12700" cap="flat" cmpd="sng" algn="ctr">
+                      <a:solidFill>
+                        <a:schemeClr val="bg1">
+                          <a:lumMod val="95000"/>
+                          <a:lumOff val="5000"/>
+                        </a:schemeClr>
+                      </a:solidFill>
+                      <a:prstDash val="solid"/>
+                      <a:round/>
+                      <a:headEnd type="none" w="med" len="med"/>
+                      <a:tailEnd type="none" w="med" len="med"/>
                     </a:lnR>
                     <a:lnT>
                       <a:noFill/>
                     </a:lnT>
-                    <a:lnB>
-                      <a:noFill/>
+                    <a:lnB w="12700" cap="flat" cmpd="sng" algn="ctr">
+                      <a:solidFill>
+                        <a:schemeClr val="bg1">
+                          <a:lumMod val="95000"/>
+                          <a:lumOff val="5000"/>
+                        </a:schemeClr>
+                      </a:solidFill>
+                      <a:prstDash val="solid"/>
+                      <a:round/>
+                      <a:headEnd type="none" w="med" len="med"/>
+                      <a:tailEnd type="none" w="med" len="med"/>
                     </a:lnB>
                     <a:lnTlToBr w="12700" cmpd="sng">
                       <a:noFill/>
@@ -10078,23 +11562,47 @@
                     <a:lstStyle/>
                     <a:p>
                       <a:r>
-                        <a:rPr lang="en-GB" dirty="0"/>
+                        <a:rPr lang="en-GB" sz="1600" dirty="0">
+                          <a:latin typeface="Droid Sans" panose="020B0606030804020204" pitchFamily="34" charset="0"/>
+                          <a:ea typeface="Droid Sans" panose="020B0606030804020204" pitchFamily="34" charset="0"/>
+                          <a:cs typeface="Droid Sans" panose="020B0606030804020204" pitchFamily="34" charset="0"/>
+                        </a:rPr>
                         <a:t>Distributed</a:t>
                       </a:r>
                       <a:r>
-                        <a:rPr lang="en-GB" baseline="0" dirty="0"/>
+                        <a:rPr lang="en-GB" sz="1600" baseline="0" dirty="0">
+                          <a:latin typeface="Droid Sans" panose="020B0606030804020204" pitchFamily="34" charset="0"/>
+                          <a:ea typeface="Droid Sans" panose="020B0606030804020204" pitchFamily="34" charset="0"/>
+                          <a:cs typeface="Droid Sans" panose="020B0606030804020204" pitchFamily="34" charset="0"/>
+                        </a:rPr>
                         <a:t> Databases</a:t>
                       </a:r>
-                      <a:endParaRPr lang="en-GB" dirty="0"/>
+                      <a:endParaRPr lang="en-GB" sz="1600" dirty="0">
+                        <a:latin typeface="Droid Sans" panose="020B0606030804020204" pitchFamily="34" charset="0"/>
+                        <a:ea typeface="Droid Sans" panose="020B0606030804020204" pitchFamily="34" charset="0"/>
+                        <a:cs typeface="Droid Sans" panose="020B0606030804020204" pitchFamily="34" charset="0"/>
+                      </a:endParaRPr>
                     </a:p>
                   </a:txBody>
-                  <a:tcPr>
-                    <a:lnL>
-                      <a:noFill/>
+                  <a:tcPr anchor="ctr">
+                    <a:lnL w="12700" cap="flat" cmpd="sng" algn="ctr">
+                      <a:solidFill>
+                        <a:schemeClr val="bg1">
+                          <a:lumMod val="95000"/>
+                          <a:lumOff val="5000"/>
+                        </a:schemeClr>
+                      </a:solidFill>
+                      <a:prstDash val="solid"/>
+                      <a:round/>
+                      <a:headEnd type="none" w="med" len="med"/>
+                      <a:tailEnd type="none" w="med" len="med"/>
                     </a:lnL>
                     <a:lnR w="12700" cap="flat" cmpd="sng" algn="ctr">
                       <a:solidFill>
-                        <a:schemeClr val="tx1"/>
+                        <a:schemeClr val="bg1">
+                          <a:lumMod val="95000"/>
+                          <a:lumOff val="5000"/>
+                        </a:schemeClr>
                       </a:solidFill>
                       <a:prstDash val="solid"/>
                       <a:round/>
@@ -10104,8 +11612,17 @@
                     <a:lnT>
                       <a:noFill/>
                     </a:lnT>
-                    <a:lnB>
-                      <a:noFill/>
+                    <a:lnB w="12700" cap="flat" cmpd="sng" algn="ctr">
+                      <a:solidFill>
+                        <a:schemeClr val="bg1">
+                          <a:lumMod val="95000"/>
+                          <a:lumOff val="5000"/>
+                        </a:schemeClr>
+                      </a:solidFill>
+                      <a:prstDash val="solid"/>
+                      <a:round/>
+                      <a:headEnd type="none" w="med" len="med"/>
+                      <a:tailEnd type="none" w="med" len="med"/>
                     </a:lnB>
                     <a:lnTlToBr w="12700" cmpd="sng">
                       <a:noFill/>
@@ -10119,7 +11636,7 @@
                 </a:tc>
                 <a:extLst>
                   <a:ext uri="{0D108BD9-81ED-4DB2-BD59-A6C34878D82A}">
-                    <a16:rowId xmlns:a16="http://schemas.microsoft.com/office/drawing/2014/main" xmlns="" val="3066850394"/>
+                    <a16:rowId xmlns:a16="http://schemas.microsoft.com/office/drawing/2014/main" val="3066850394"/>
                   </a:ext>
                 </a:extLst>
               </a:tr>
@@ -10173,8 +11690,10 @@
           <a:lstStyle/>
           <a:p>
             <a:r>
-              <a:rPr lang="en-GB" dirty="0"/>
-              <a:t>Advantages of SQL</a:t>
+              <a:rPr lang="en-GB" dirty="0">
+                <a:latin typeface="Crete Round" panose="02000503050000020004" pitchFamily="50" charset="0"/>
+              </a:rPr>
+              <a:t>Advantages of Oracle SQL</a:t>
             </a:r>
           </a:p>
         </p:txBody>
@@ -10191,23 +11710,37 @@
         </p:nvSpPr>
         <p:spPr/>
         <p:txBody>
-          <a:bodyPr/>
+          <a:bodyPr>
+            <a:normAutofit/>
+          </a:bodyPr>
           <a:lstStyle/>
           <a:p>
             <a:r>
-              <a:rPr lang="en-GB" dirty="0"/>
+              <a:rPr lang="en-GB" sz="2000" dirty="0">
+                <a:latin typeface="Droid Sans" panose="020B0606030804020204" pitchFamily="34" charset="0"/>
+                <a:ea typeface="Droid Sans" panose="020B0606030804020204" pitchFamily="34" charset="0"/>
+                <a:cs typeface="Droid Sans" panose="020B0606030804020204" pitchFamily="34" charset="0"/>
+              </a:rPr>
               <a:t>Store data efficiently in predefined schemas</a:t>
             </a:r>
           </a:p>
           <a:p>
             <a:r>
-              <a:rPr lang="en-GB" dirty="0"/>
+              <a:rPr lang="en-GB" sz="2000" dirty="0">
+                <a:latin typeface="Droid Sans" panose="020B0606030804020204" pitchFamily="34" charset="0"/>
+                <a:ea typeface="Droid Sans" panose="020B0606030804020204" pitchFamily="34" charset="0"/>
+                <a:cs typeface="Droid Sans" panose="020B0606030804020204" pitchFamily="34" charset="0"/>
+              </a:rPr>
               <a:t>Uses structured query language (SQL) for database access</a:t>
             </a:r>
           </a:p>
           <a:p>
             <a:r>
-              <a:rPr lang="en-GB" dirty="0"/>
+              <a:rPr lang="en-GB" sz="2000" dirty="0">
+                <a:latin typeface="Droid Sans" panose="020B0606030804020204" pitchFamily="34" charset="0"/>
+                <a:ea typeface="Droid Sans" panose="020B0606030804020204" pitchFamily="34" charset="0"/>
+                <a:cs typeface="Droid Sans" panose="020B0606030804020204" pitchFamily="34" charset="0"/>
+              </a:rPr>
               <a:t>Linking tables with keys limits data duplication</a:t>
             </a:r>
           </a:p>
@@ -10259,7 +11792,9 @@
           <a:lstStyle/>
           <a:p>
             <a:r>
-              <a:rPr lang="en-GB" dirty="0"/>
+              <a:rPr lang="en-GB" dirty="0">
+                <a:latin typeface="Crete Round" panose="02000503050000020004" pitchFamily="50" charset="0"/>
+              </a:rPr>
               <a:t>Advantages of MongoDB</a:t>
             </a:r>
           </a:p>
@@ -10281,19 +11816,31 @@
           <a:lstStyle/>
           <a:p>
             <a:r>
-              <a:rPr lang="en-GB" dirty="0"/>
+              <a:rPr lang="en-GB" dirty="0">
+                <a:latin typeface="Droid Sans" panose="020B0606030804020204" pitchFamily="34" charset="0"/>
+                <a:ea typeface="Droid Sans" panose="020B0606030804020204" pitchFamily="34" charset="0"/>
+                <a:cs typeface="Droid Sans" panose="020B0606030804020204" pitchFamily="34" charset="0"/>
+              </a:rPr>
               <a:t>Better able to handle large datasets and streaming data</a:t>
             </a:r>
           </a:p>
           <a:p>
             <a:r>
-              <a:rPr lang="en-GB" dirty="0"/>
+              <a:rPr lang="en-GB" dirty="0">
+                <a:latin typeface="Droid Sans" panose="020B0606030804020204" pitchFamily="34" charset="0"/>
+                <a:ea typeface="Droid Sans" panose="020B0606030804020204" pitchFamily="34" charset="0"/>
+                <a:cs typeface="Droid Sans" panose="020B0606030804020204" pitchFamily="34" charset="0"/>
+              </a:rPr>
               <a:t>Producing replicas of data to prevent data loss</a:t>
             </a:r>
           </a:p>
           <a:p>
             <a:r>
-              <a:rPr lang="en-GB" dirty="0"/>
+              <a:rPr lang="en-GB" dirty="0">
+                <a:latin typeface="Droid Sans" panose="020B0606030804020204" pitchFamily="34" charset="0"/>
+                <a:ea typeface="Droid Sans" panose="020B0606030804020204" pitchFamily="34" charset="0"/>
+                <a:cs typeface="Droid Sans" panose="020B0606030804020204" pitchFamily="34" charset="0"/>
+              </a:rPr>
               <a:t>If schemas need to change new rows can be added to new datasets without affecting old ones</a:t>
             </a:r>
           </a:p>
@@ -10345,10 +11892,11 @@
           <a:lstStyle/>
           <a:p>
             <a:r>
-              <a:rPr lang="en-GB" dirty="0" smtClean="0"/>
+              <a:rPr lang="en-GB" dirty="0">
+                <a:latin typeface="Crete Round" panose="02000503050000020004" pitchFamily="50" charset="0"/>
+              </a:rPr>
               <a:t>Relational Database</a:t>
             </a:r>
-            <a:endParaRPr lang="en-GB" dirty="0"/>
           </a:p>
         </p:txBody>
       </p:sp>
@@ -10377,7 +11925,11 @@
               <a:buAutoNum type="arabicPeriod"/>
             </a:pPr>
             <a:r>
-              <a:rPr lang="en-GB" dirty="0" smtClean="0"/>
+              <a:rPr lang="en-GB" dirty="0">
+                <a:latin typeface="Droid Sans" panose="020B0606030804020204" pitchFamily="34" charset="0"/>
+                <a:ea typeface="Droid Sans" panose="020B0606030804020204" pitchFamily="34" charset="0"/>
+                <a:cs typeface="Droid Sans" panose="020B0606030804020204" pitchFamily="34" charset="0"/>
+              </a:rPr>
               <a:t>Identify the entity</a:t>
             </a:r>
           </a:p>
@@ -10387,7 +11939,11 @@
               <a:buAutoNum type="arabicPeriod"/>
             </a:pPr>
             <a:r>
-              <a:rPr lang="en-GB" dirty="0" smtClean="0"/>
+              <a:rPr lang="en-GB" dirty="0">
+                <a:latin typeface="Droid Sans" panose="020B0606030804020204" pitchFamily="34" charset="0"/>
+                <a:ea typeface="Droid Sans" panose="020B0606030804020204" pitchFamily="34" charset="0"/>
+                <a:cs typeface="Droid Sans" panose="020B0606030804020204" pitchFamily="34" charset="0"/>
+              </a:rPr>
               <a:t>Identify the attributes</a:t>
             </a:r>
           </a:p>
@@ -10397,7 +11953,11 @@
               <a:buAutoNum type="arabicPeriod"/>
             </a:pPr>
             <a:r>
-              <a:rPr lang="en-GB" dirty="0" smtClean="0"/>
+              <a:rPr lang="en-GB" dirty="0">
+                <a:latin typeface="Droid Sans" panose="020B0606030804020204" pitchFamily="34" charset="0"/>
+                <a:ea typeface="Droid Sans" panose="020B0606030804020204" pitchFamily="34" charset="0"/>
+                <a:cs typeface="Droid Sans" panose="020B0606030804020204" pitchFamily="34" charset="0"/>
+              </a:rPr>
               <a:t>Identify the primary key</a:t>
             </a:r>
           </a:p>
@@ -10407,7 +11967,11 @@
               <a:buAutoNum type="arabicPeriod"/>
             </a:pPr>
             <a:r>
-              <a:rPr lang="en-GB" dirty="0" smtClean="0"/>
+              <a:rPr lang="en-GB" dirty="0">
+                <a:latin typeface="Droid Sans" panose="020B0606030804020204" pitchFamily="34" charset="0"/>
+                <a:ea typeface="Droid Sans" panose="020B0606030804020204" pitchFamily="34" charset="0"/>
+                <a:cs typeface="Droid Sans" panose="020B0606030804020204" pitchFamily="34" charset="0"/>
+              </a:rPr>
               <a:t>Identify the relationships</a:t>
             </a:r>
           </a:p>
@@ -10417,7 +11981,11 @@
               <a:buAutoNum type="arabicPeriod"/>
             </a:pPr>
             <a:r>
-              <a:rPr lang="en-GB" dirty="0" smtClean="0"/>
+              <a:rPr lang="en-GB" dirty="0">
+                <a:latin typeface="Droid Sans" panose="020B0606030804020204" pitchFamily="34" charset="0"/>
+                <a:ea typeface="Droid Sans" panose="020B0606030804020204" pitchFamily="34" charset="0"/>
+                <a:cs typeface="Droid Sans" panose="020B0606030804020204" pitchFamily="34" charset="0"/>
+              </a:rPr>
               <a:t>Identify the cardinality</a:t>
             </a:r>
           </a:p>
@@ -10427,7 +11995,11 @@
               <a:buAutoNum type="arabicPeriod"/>
             </a:pPr>
             <a:r>
-              <a:rPr lang="en-GB" dirty="0" smtClean="0"/>
+              <a:rPr lang="en-GB" dirty="0">
+                <a:latin typeface="Droid Sans" panose="020B0606030804020204" pitchFamily="34" charset="0"/>
+                <a:ea typeface="Droid Sans" panose="020B0606030804020204" pitchFamily="34" charset="0"/>
+                <a:cs typeface="Droid Sans" panose="020B0606030804020204" pitchFamily="34" charset="0"/>
+              </a:rPr>
               <a:t>Draw a draft</a:t>
             </a:r>
           </a:p>
@@ -10437,7 +12009,11 @@
               <a:buAutoNum type="arabicPeriod"/>
             </a:pPr>
             <a:r>
-              <a:rPr lang="en-GB" dirty="0" smtClean="0"/>
+              <a:rPr lang="en-GB" dirty="0">
+                <a:latin typeface="Droid Sans" panose="020B0606030804020204" pitchFamily="34" charset="0"/>
+                <a:ea typeface="Droid Sans" panose="020B0606030804020204" pitchFamily="34" charset="0"/>
+                <a:cs typeface="Droid Sans" panose="020B0606030804020204" pitchFamily="34" charset="0"/>
+              </a:rPr>
               <a:t>Map the attributes</a:t>
             </a:r>
           </a:p>
@@ -10447,10 +12023,13 @@
               <a:buAutoNum type="arabicPeriod"/>
             </a:pPr>
             <a:r>
-              <a:rPr lang="en-GB" dirty="0" smtClean="0"/>
+              <a:rPr lang="en-GB" dirty="0">
+                <a:latin typeface="Droid Sans" panose="020B0606030804020204" pitchFamily="34" charset="0"/>
+                <a:ea typeface="Droid Sans" panose="020B0606030804020204" pitchFamily="34" charset="0"/>
+                <a:cs typeface="Droid Sans" panose="020B0606030804020204" pitchFamily="34" charset="0"/>
+              </a:rPr>
               <a:t>Refine the Entity Relationship Diagram</a:t>
             </a:r>
-            <a:endParaRPr lang="en-GB" dirty="0"/>
           </a:p>
         </p:txBody>
       </p:sp>
@@ -10501,10 +12080,13 @@
           <a:p>
             <a:pPr algn="ctr"/>
             <a:r>
-              <a:rPr lang="en-GB" i="1" dirty="0" smtClean="0"/>
+              <a:rPr lang="en-GB" i="1" dirty="0">
+                <a:latin typeface="Droid Sans" panose="020B0606030804020204" pitchFamily="34" charset="0"/>
+                <a:ea typeface="Droid Sans" panose="020B0606030804020204" pitchFamily="34" charset="0"/>
+                <a:cs typeface="Droid Sans" panose="020B0606030804020204" pitchFamily="34" charset="0"/>
+              </a:rPr>
               <a:t>As a member of the Accounts team, I want to store a customer’s delivery address on the system so that orders can be delivered directly to the customer</a:t>
             </a:r>
-            <a:endParaRPr lang="en-GB" i="1" dirty="0"/>
           </a:p>
         </p:txBody>
       </p:sp>
@@ -10568,18 +12150,13 @@
           <a:lstStyle/>
           <a:p>
             <a:r>
-              <a:rPr lang="en-GB" sz="1050" dirty="0" smtClean="0">
+              <a:rPr lang="en-GB" sz="1050" dirty="0">
                 <a:solidFill>
                   <a:schemeClr val="bg1"/>
                 </a:solidFill>
               </a:rPr>
               <a:t>has</a:t>
             </a:r>
-            <a:endParaRPr lang="en-GB" sz="1050" dirty="0">
-              <a:solidFill>
-                <a:schemeClr val="bg1"/>
-              </a:solidFill>
-            </a:endParaRPr>
           </a:p>
         </p:txBody>
       </p:sp>
@@ -10629,14 +12206,11 @@
           <a:lstStyle/>
           <a:p>
             <a:r>
-              <a:rPr lang="en-US" dirty="0" smtClean="0">
+              <a:rPr lang="en-US" dirty="0">
                 <a:latin typeface="Crete Round" panose="02000503050000020004" pitchFamily="50" charset="0"/>
               </a:rPr>
-              <a:t>Relational</a:t>
-            </a:r>
-            <a:endParaRPr lang="en-US" dirty="0">
-              <a:latin typeface="Crete Round" panose="02000503050000020004" pitchFamily="50" charset="0"/>
-            </a:endParaRPr>
+              <a:t>Relational Database</a:t>
+            </a:r>
           </a:p>
         </p:txBody>
       </p:sp>
@@ -10663,7 +12237,7 @@
         <p:spPr>
           <a:xfrm>
             <a:off x="1104396" y="2284665"/>
-            <a:ext cx="9884035" cy="4456701"/>
+            <a:ext cx="9884035" cy="4400615"/>
           </a:xfrm>
           <a:prstGeom prst="rect">
             <a:avLst/>
@@ -10692,13 +12266,6 @@
       </p:transition>
     </mc:Fallback>
   </mc:AlternateContent>
-  <p:timing>
-    <p:tnLst>
-      <p:par>
-        <p:cTn id="1" dur="indefinite" restart="never" nodeType="tmRoot"/>
-      </p:par>
-    </p:tnLst>
-  </p:timing>
 </p:sld>
 </file>
 
@@ -10735,10 +12302,11 @@
           <a:lstStyle/>
           <a:p>
             <a:r>
-              <a:rPr lang="en-GB" dirty="0" smtClean="0"/>
-              <a:t>Non-Relational</a:t>
-            </a:r>
-            <a:endParaRPr lang="en-GB" dirty="0"/>
+              <a:rPr lang="en-GB" dirty="0">
+                <a:latin typeface="Crete Round" panose="02000503050000020004" pitchFamily="50" charset="0"/>
+              </a:rPr>
+              <a:t>Non-Relational Database</a:t>
+            </a:r>
           </a:p>
         </p:txBody>
       </p:sp>
@@ -11015,7 +12583,7 @@
   <a:extraClrSchemeLst/>
   <a:extLst>
     <a:ext uri="{05A4C25C-085E-4340-85A3-A5531E510DB2}">
-      <thm15:themeFamily xmlns:thm15="http://schemas.microsoft.com/office/thememl/2012/main" xmlns="" name="Quotable" id="{39EC5628-30ED-4578-ACD8-9820EDB8E15A}" vid="{6F3559E9-1A4C-49D8-94D4-F41003531C49}"/>
+      <thm15:themeFamily xmlns:thm15="http://schemas.microsoft.com/office/thememl/2012/main" name="Quotable" id="{39EC5628-30ED-4578-ACD8-9820EDB8E15A}" vid="{6F3559E9-1A4C-49D8-94D4-F41003531C49}"/>
     </a:ext>
   </a:extLst>
 </a:theme>
